--- a/presentation.pptx
+++ b/presentation.pptx
@@ -14,8 +14,10 @@
     <p:sldId id="267" r:id="rId11"/>
     <p:sldId id="268" r:id="rId12"/>
     <p:sldId id="269" r:id="rId13"/>
-    <p:sldId id="270" r:id="rId14"/>
-    <p:sldId id="261" r:id="rId15"/>
+    <p:sldId id="272" r:id="rId14"/>
+    <p:sldId id="271" r:id="rId15"/>
+    <p:sldId id="270" r:id="rId16"/>
+    <p:sldId id="261" r:id="rId17"/>
   </p:sldIdLst>
   <p:sldSz cx="12192000" cy="6858000"/>
   <p:notesSz cx="6858000" cy="9144000"/>
@@ -7250,6 +7252,169 @@
           <p:cNvPr id="2" name="Title 1">
             <a:extLst>
               <a:ext uri="{FF2B5EF4-FFF2-40B4-BE49-F238E27FC236}">
+                <a16:creationId xmlns:a16="http://schemas.microsoft.com/office/drawing/2014/main" id="{4B0FE4F9-7C77-4A0C-A527-678B592AB14C}"/>
+              </a:ext>
+            </a:extLst>
+          </p:cNvPr>
+          <p:cNvSpPr>
+            <a:spLocks noGrp="1"/>
+          </p:cNvSpPr>
+          <p:nvPr>
+            <p:ph type="title"/>
+          </p:nvPr>
+        </p:nvSpPr>
+        <p:spPr/>
+        <p:txBody>
+          <a:bodyPr/>
+          <a:lstStyle/>
+          <a:p>
+            <a:endParaRPr lang="en-US"/>
+          </a:p>
+        </p:txBody>
+      </p:sp>
+      <p:sp>
+        <p:nvSpPr>
+          <p:cNvPr id="3" name="Content Placeholder 2">
+            <a:extLst>
+              <a:ext uri="{FF2B5EF4-FFF2-40B4-BE49-F238E27FC236}">
+                <a16:creationId xmlns:a16="http://schemas.microsoft.com/office/drawing/2014/main" id="{C41D11CD-8F91-42C7-9E37-3ACCFA9C57FB}"/>
+              </a:ext>
+            </a:extLst>
+          </p:cNvPr>
+          <p:cNvSpPr>
+            <a:spLocks noGrp="1"/>
+          </p:cNvSpPr>
+          <p:nvPr>
+            <p:ph idx="1"/>
+          </p:nvPr>
+        </p:nvSpPr>
+        <p:spPr/>
+        <p:txBody>
+          <a:bodyPr/>
+          <a:lstStyle/>
+          <a:p>
+            <a:endParaRPr lang="en-US"/>
+          </a:p>
+        </p:txBody>
+      </p:sp>
+    </p:spTree>
+    <p:extLst>
+      <p:ext uri="{BB962C8B-B14F-4D97-AF65-F5344CB8AC3E}">
+        <p14:creationId xmlns:p14="http://schemas.microsoft.com/office/powerpoint/2010/main" val="1074490312"/>
+      </p:ext>
+    </p:extLst>
+  </p:cSld>
+  <p:clrMapOvr>
+    <a:masterClrMapping/>
+  </p:clrMapOvr>
+</p:sld>
+</file>
+
+<file path=ppt/slides/slide11.xml><?xml version="1.0" encoding="utf-8"?>
+<p:sld xmlns:a="http://schemas.openxmlformats.org/drawingml/2006/main" xmlns:r="http://schemas.openxmlformats.org/officeDocument/2006/relationships" xmlns:p="http://schemas.openxmlformats.org/presentationml/2006/main">
+  <p:cSld>
+    <p:spTree>
+      <p:nvGrpSpPr>
+        <p:cNvPr id="1" name=""/>
+        <p:cNvGrpSpPr/>
+        <p:nvPr/>
+      </p:nvGrpSpPr>
+      <p:grpSpPr>
+        <a:xfrm>
+          <a:off x="0" y="0"/>
+          <a:ext cx="0" cy="0"/>
+          <a:chOff x="0" y="0"/>
+          <a:chExt cx="0" cy="0"/>
+        </a:xfrm>
+      </p:grpSpPr>
+      <p:sp>
+        <p:nvSpPr>
+          <p:cNvPr id="2" name="Title 1">
+            <a:extLst>
+              <a:ext uri="{FF2B5EF4-FFF2-40B4-BE49-F238E27FC236}">
+                <a16:creationId xmlns:a16="http://schemas.microsoft.com/office/drawing/2014/main" id="{EA03B14B-4451-4FAE-9BA0-EF99808925A1}"/>
+              </a:ext>
+            </a:extLst>
+          </p:cNvPr>
+          <p:cNvSpPr>
+            <a:spLocks noGrp="1"/>
+          </p:cNvSpPr>
+          <p:nvPr>
+            <p:ph type="title"/>
+          </p:nvPr>
+        </p:nvSpPr>
+        <p:spPr/>
+        <p:txBody>
+          <a:bodyPr/>
+          <a:lstStyle/>
+          <a:p>
+            <a:r>
+              <a:rPr lang="en-US" dirty="0"/>
+              <a:t>Our Recommendations</a:t>
+            </a:r>
+          </a:p>
+        </p:txBody>
+      </p:sp>
+      <p:sp>
+        <p:nvSpPr>
+          <p:cNvPr id="3" name="Text Placeholder 2">
+            <a:extLst>
+              <a:ext uri="{FF2B5EF4-FFF2-40B4-BE49-F238E27FC236}">
+                <a16:creationId xmlns:a16="http://schemas.microsoft.com/office/drawing/2014/main" id="{7C9F4298-8428-4A0D-BD4C-DDAD67337667}"/>
+              </a:ext>
+            </a:extLst>
+          </p:cNvPr>
+          <p:cNvSpPr>
+            <a:spLocks noGrp="1"/>
+          </p:cNvSpPr>
+          <p:nvPr>
+            <p:ph type="body" idx="1"/>
+          </p:nvPr>
+        </p:nvSpPr>
+        <p:spPr/>
+        <p:txBody>
+          <a:bodyPr/>
+          <a:lstStyle/>
+          <a:p>
+            <a:endParaRPr lang="en-US"/>
+          </a:p>
+        </p:txBody>
+      </p:sp>
+    </p:spTree>
+    <p:extLst>
+      <p:ext uri="{BB962C8B-B14F-4D97-AF65-F5344CB8AC3E}">
+        <p14:creationId xmlns:p14="http://schemas.microsoft.com/office/powerpoint/2010/main" val="1575767602"/>
+      </p:ext>
+    </p:extLst>
+  </p:cSld>
+  <p:clrMapOvr>
+    <a:masterClrMapping/>
+  </p:clrMapOvr>
+</p:sld>
+</file>
+
+<file path=ppt/slides/slide12.xml><?xml version="1.0" encoding="utf-8"?>
+<p:sld xmlns:a="http://schemas.openxmlformats.org/drawingml/2006/main" xmlns:r="http://schemas.openxmlformats.org/officeDocument/2006/relationships" xmlns:p="http://schemas.openxmlformats.org/presentationml/2006/main">
+  <p:cSld>
+    <p:spTree>
+      <p:nvGrpSpPr>
+        <p:cNvPr id="1" name=""/>
+        <p:cNvGrpSpPr/>
+        <p:nvPr/>
+      </p:nvGrpSpPr>
+      <p:grpSpPr>
+        <a:xfrm>
+          <a:off x="0" y="0"/>
+          <a:ext cx="0" cy="0"/>
+          <a:chOff x="0" y="0"/>
+          <a:chExt cx="0" cy="0"/>
+        </a:xfrm>
+      </p:grpSpPr>
+      <p:sp>
+        <p:nvSpPr>
+          <p:cNvPr id="2" name="Title 1">
+            <a:extLst>
+              <a:ext uri="{FF2B5EF4-FFF2-40B4-BE49-F238E27FC236}">
                 <a16:creationId xmlns:a16="http://schemas.microsoft.com/office/drawing/2014/main" id="{DC0B846D-FDBA-4522-AB60-25752B5EE63B}"/>
               </a:ext>
             </a:extLst>
@@ -7308,7 +7473,7 @@
 </p:sld>
 </file>
 
-<file path=ppt/slides/slide11.xml><?xml version="1.0" encoding="utf-8"?>
+<file path=ppt/slides/slide13.xml><?xml version="1.0" encoding="utf-8"?>
 <p:sld xmlns:a="http://schemas.openxmlformats.org/drawingml/2006/main" xmlns:r="http://schemas.openxmlformats.org/officeDocument/2006/relationships" xmlns:p="http://schemas.openxmlformats.org/presentationml/2006/main">
   <p:cSld>
     <p:bg>
@@ -8383,6 +8548,24 @@
 </file>
 
 <file path=customXml/item1.xml><?xml version="1.0" encoding="utf-8"?>
+<?mso-contentType ?>
+<FormTemplates xmlns="http://schemas.microsoft.com/sharepoint/v3/contenttype/forms">
+  <Display>DocumentLibraryForm</Display>
+  <Edit>DocumentLibraryForm</Edit>
+  <New>DocumentLibraryForm</New>
+</FormTemplates>
+</file>
+
+<file path=customXml/item2.xml><?xml version="1.0" encoding="utf-8"?>
+<p:properties xmlns:p="http://schemas.microsoft.com/office/2006/metadata/properties" xmlns:xsi="http://www.w3.org/2001/XMLSchema-instance" xmlns:pc="http://schemas.microsoft.com/office/infopath/2007/PartnerControls">
+  <documentManagement>
+    <Status xmlns="71af3243-3dd4-4a8d-8c0d-dd76da1f02a5">Not started</Status>
+    <MediaServiceKeyPoints xmlns="71af3243-3dd4-4a8d-8c0d-dd76da1f02a5" xsi:nil="true"/>
+  </documentManagement>
+</p:properties>
+</file>
+
+<file path=customXml/item3.xml><?xml version="1.0" encoding="utf-8"?>
 <ct:contentTypeSchema xmlns:ct="http://schemas.microsoft.com/office/2006/metadata/contentType" xmlns:ma="http://schemas.microsoft.com/office/2006/metadata/properties/metaAttributes" ct:_="" ma:_="" ma:contentTypeName="Document" ma:contentTypeID="0x01010079F111ED35F8CC479449609E8A0923A6" ma:contentTypeVersion="12" ma:contentTypeDescription="Create a new document." ma:contentTypeScope="" ma:versionID="a410dd7f93c95333ffa1b60ed6adedd1">
   <xsd:schema xmlns:xsd="http://www.w3.org/2001/XMLSchema" xmlns:xs="http://www.w3.org/2001/XMLSchema" xmlns:p="http://schemas.microsoft.com/office/2006/metadata/properties" xmlns:ns2="71af3243-3dd4-4a8d-8c0d-dd76da1f02a5" xmlns:ns3="16c05727-aa75-4e4a-9b5f-8a80a1165891" targetNamespace="http://schemas.microsoft.com/office/2006/metadata/properties" ma:root="true" ma:fieldsID="a936d9baba76aa3866493feff160faab" ns2:_="" ns3:_="">
     <xsd:import namespace="71af3243-3dd4-4a8d-8c0d-dd76da1f02a5"/>
@@ -8603,25 +8786,25 @@
 </ct:contentTypeSchema>
 </file>
 
-<file path=customXml/item2.xml><?xml version="1.0" encoding="utf-8"?>
-<p:properties xmlns:p="http://schemas.microsoft.com/office/2006/metadata/properties" xmlns:xsi="http://www.w3.org/2001/XMLSchema-instance" xmlns:pc="http://schemas.microsoft.com/office/infopath/2007/PartnerControls">
-  <documentManagement>
-    <Status xmlns="71af3243-3dd4-4a8d-8c0d-dd76da1f02a5">Not started</Status>
-    <MediaServiceKeyPoints xmlns="71af3243-3dd4-4a8d-8c0d-dd76da1f02a5" xsi:nil="true"/>
-  </documentManagement>
-</p:properties>
+<file path=customXml/itemProps1.xml><?xml version="1.0" encoding="utf-8"?>
+<ds:datastoreItem xmlns:ds="http://schemas.openxmlformats.org/officeDocument/2006/customXml" ds:itemID="{CDB58277-F8DF-46FF-84EC-EF41B835E69F}">
+  <ds:schemaRefs>
+    <ds:schemaRef ds:uri="http://schemas.microsoft.com/sharepoint/v3/contenttype/forms"/>
+  </ds:schemaRefs>
+</ds:datastoreItem>
 </file>
 
-<file path=customXml/item3.xml><?xml version="1.0" encoding="utf-8"?>
-<?mso-contentType ?>
-<FormTemplates xmlns="http://schemas.microsoft.com/sharepoint/v3/contenttype/forms">
-  <Display>DocumentLibraryForm</Display>
-  <Edit>DocumentLibraryForm</Edit>
-  <New>DocumentLibraryForm</New>
-</FormTemplates>
+<file path=customXml/itemProps2.xml><?xml version="1.0" encoding="utf-8"?>
+<ds:datastoreItem xmlns:ds="http://schemas.openxmlformats.org/officeDocument/2006/customXml" ds:itemID="{137651BA-F45C-4845-9AB3-E0A65B39F5E1}">
+  <ds:schemaRefs>
+    <ds:schemaRef ds:uri="http://schemas.microsoft.com/office/2006/metadata/properties"/>
+    <ds:schemaRef ds:uri="http://schemas.microsoft.com/office/infopath/2007/PartnerControls"/>
+    <ds:schemaRef ds:uri="71af3243-3dd4-4a8d-8c0d-dd76da1f02a5"/>
+  </ds:schemaRefs>
+</ds:datastoreItem>
 </file>
 
-<file path=customXml/itemProps1.xml><?xml version="1.0" encoding="utf-8"?>
+<file path=customXml/itemProps3.xml><?xml version="1.0" encoding="utf-8"?>
 <ds:datastoreItem xmlns:ds="http://schemas.openxmlformats.org/officeDocument/2006/customXml" ds:itemID="{2D276E62-80A3-44DD-9BCC-97ED2B99B57F}">
   <ds:schemaRefs>
     <ds:schemaRef ds:uri="http://schemas.microsoft.com/office/2006/metadata/contentType"/>
@@ -8638,22 +8821,4 @@
     <ds:schemaRef ds:uri="http://schemas.microsoft.com/internal/obd"/>
   </ds:schemaRefs>
 </ds:datastoreItem>
-</file>
-
-<file path=customXml/itemProps2.xml><?xml version="1.0" encoding="utf-8"?>
-<ds:datastoreItem xmlns:ds="http://schemas.openxmlformats.org/officeDocument/2006/customXml" ds:itemID="{137651BA-F45C-4845-9AB3-E0A65B39F5E1}">
-  <ds:schemaRefs>
-    <ds:schemaRef ds:uri="http://schemas.microsoft.com/office/2006/metadata/properties"/>
-    <ds:schemaRef ds:uri="http://schemas.microsoft.com/office/infopath/2007/PartnerControls"/>
-    <ds:schemaRef ds:uri="71af3243-3dd4-4a8d-8c0d-dd76da1f02a5"/>
-  </ds:schemaRefs>
-</ds:datastoreItem>
-</file>
-
-<file path=customXml/itemProps3.xml><?xml version="1.0" encoding="utf-8"?>
-<ds:datastoreItem xmlns:ds="http://schemas.openxmlformats.org/officeDocument/2006/customXml" ds:itemID="{CDB58277-F8DF-46FF-84EC-EF41B835E69F}">
-  <ds:schemaRefs>
-    <ds:schemaRef ds:uri="http://schemas.microsoft.com/sharepoint/v3/contenttype/forms"/>
-  </ds:schemaRefs>
-</ds:datastoreItem>
 </file>
--- a/presentation.pptx
+++ b/presentation.pptx
@@ -7,14 +7,14 @@
   <p:sldIdLst>
     <p:sldId id="257" r:id="rId5"/>
     <p:sldId id="262" r:id="rId6"/>
-    <p:sldId id="263" r:id="rId7"/>
-    <p:sldId id="264" r:id="rId8"/>
-    <p:sldId id="265" r:id="rId9"/>
-    <p:sldId id="266" r:id="rId10"/>
-    <p:sldId id="267" r:id="rId11"/>
-    <p:sldId id="268" r:id="rId12"/>
-    <p:sldId id="269" r:id="rId13"/>
-    <p:sldId id="272" r:id="rId14"/>
+    <p:sldId id="269" r:id="rId7"/>
+    <p:sldId id="272" r:id="rId8"/>
+    <p:sldId id="267" r:id="rId9"/>
+    <p:sldId id="268" r:id="rId10"/>
+    <p:sldId id="263" r:id="rId11"/>
+    <p:sldId id="265" r:id="rId12"/>
+    <p:sldId id="266" r:id="rId13"/>
+    <p:sldId id="264" r:id="rId14"/>
     <p:sldId id="271" r:id="rId15"/>
     <p:sldId id="270" r:id="rId16"/>
     <p:sldId id="261" r:id="rId17"/>
@@ -7252,7 +7252,7 @@
           <p:cNvPr id="2" name="Title 1">
             <a:extLst>
               <a:ext uri="{FF2B5EF4-FFF2-40B4-BE49-F238E27FC236}">
-                <a16:creationId xmlns:a16="http://schemas.microsoft.com/office/drawing/2014/main" id="{4B0FE4F9-7C77-4A0C-A527-678B592AB14C}"/>
+                <a16:creationId xmlns:a16="http://schemas.microsoft.com/office/drawing/2014/main" id="{035ABBC7-B2E7-47D7-BD20-49B1611B1F38}"/>
               </a:ext>
             </a:extLst>
           </p:cNvPr>
@@ -7268,7 +7268,10 @@
           <a:bodyPr/>
           <a:lstStyle/>
           <a:p>
-            <a:endParaRPr lang="en-US"/>
+            <a:r>
+              <a:rPr lang="en-US" dirty="0"/>
+              <a:t>Three X Three</a:t>
+            </a:r>
           </a:p>
         </p:txBody>
       </p:sp>
@@ -7277,7 +7280,7 @@
           <p:cNvPr id="3" name="Content Placeholder 2">
             <a:extLst>
               <a:ext uri="{FF2B5EF4-FFF2-40B4-BE49-F238E27FC236}">
-                <a16:creationId xmlns:a16="http://schemas.microsoft.com/office/drawing/2014/main" id="{C41D11CD-8F91-42C7-9E37-3ACCFA9C57FB}"/>
+                <a16:creationId xmlns:a16="http://schemas.microsoft.com/office/drawing/2014/main" id="{95E19B27-B260-4EF6-B6A1-8028CD2F46B7}"/>
               </a:ext>
             </a:extLst>
           </p:cNvPr>
@@ -7293,14 +7296,29 @@
           <a:bodyPr/>
           <a:lstStyle/>
           <a:p>
-            <a:endParaRPr lang="en-US"/>
+            <a:pPr marL="0" indent="0">
+              <a:buNone/>
+            </a:pPr>
+            <a:r>
+              <a:rPr lang="en-US" dirty="0"/>
+              <a:t>Three rides (of 3 meters or more) per day per scooter is the baseline for ridership goals.</a:t>
+            </a:r>
+          </a:p>
+          <a:p>
+            <a:pPr marL="0" indent="0">
+              <a:buNone/>
+            </a:pPr>
+            <a:r>
+              <a:rPr lang="en-US" dirty="0"/>
+              <a:t>- Trip Data will answer this </a:t>
+            </a:r>
           </a:p>
         </p:txBody>
       </p:sp>
     </p:spTree>
     <p:extLst>
       <p:ext uri="{BB962C8B-B14F-4D97-AF65-F5344CB8AC3E}">
-        <p14:creationId xmlns:p14="http://schemas.microsoft.com/office/powerpoint/2010/main" val="1074490312"/>
+        <p14:creationId xmlns:p14="http://schemas.microsoft.com/office/powerpoint/2010/main" val="679981078"/>
       </p:ext>
     </p:extLst>
   </p:cSld>
@@ -7431,7 +7449,10 @@
           <a:bodyPr/>
           <a:lstStyle/>
           <a:p>
-            <a:endParaRPr lang="en-US"/>
+            <a:r>
+              <a:rPr lang="en-US" dirty="0"/>
+              <a:t>Recommendations</a:t>
+            </a:r>
           </a:p>
         </p:txBody>
       </p:sp>
@@ -7456,7 +7477,22 @@
           <a:bodyPr/>
           <a:lstStyle/>
           <a:p>
-            <a:endParaRPr lang="en-US"/>
+            <a:r>
+              <a:rPr lang="en-US" dirty="0"/>
+              <a:t>Ads for scooters or “Grand Opening”</a:t>
+            </a:r>
+          </a:p>
+          <a:p>
+            <a:r>
+              <a:rPr lang="en-US" dirty="0"/>
+              <a:t>Match scooters with bus stops [Stationary &amp; Trip Data Folium Map]</a:t>
+            </a:r>
+          </a:p>
+          <a:p>
+            <a:pPr marL="0" indent="0">
+              <a:buNone/>
+            </a:pPr>
+            <a:endParaRPr lang="en-US" dirty="0"/>
           </a:p>
         </p:txBody>
       </p:sp>
@@ -7648,7 +7684,7 @@
           <a:p>
             <a:r>
               <a:rPr lang="en-US" sz="2800" dirty="0"/>
-              <a:t>Transportation Goals</a:t>
+              <a:t>Keep Company’s making Profits</a:t>
             </a:r>
           </a:p>
           <a:p>
@@ -7660,8 +7696,11 @@
           <a:p>
             <a:r>
               <a:rPr lang="en-US" sz="2800" dirty="0"/>
-              <a:t>Keep Company’s making Profits</a:t>
-            </a:r>
+              <a:t>Transportation Goals</a:t>
+            </a:r>
+          </a:p>
+          <a:p>
+            <a:endParaRPr lang="en-US" sz="2800" dirty="0"/>
           </a:p>
         </p:txBody>
       </p:sp>
@@ -7700,7 +7739,7 @@
           <p:cNvPr id="2" name="Title 1">
             <a:extLst>
               <a:ext uri="{FF2B5EF4-FFF2-40B4-BE49-F238E27FC236}">
-                <a16:creationId xmlns:a16="http://schemas.microsoft.com/office/drawing/2014/main" id="{8A166CFC-5584-4A65-812F-6D8E4365EE6E}"/>
+                <a16:creationId xmlns:a16="http://schemas.microsoft.com/office/drawing/2014/main" id="{53268505-FEFB-4855-9CB5-F614AB005836}"/>
               </a:ext>
             </a:extLst>
           </p:cNvPr>
@@ -7718,7 +7757,7 @@
           <a:p>
             <a:r>
               <a:rPr lang="en-US" dirty="0"/>
-              <a:t>Transportation Goals</a:t>
+              <a:t>Keep Companies Making Profits</a:t>
             </a:r>
           </a:p>
         </p:txBody>
@@ -7728,7 +7767,7 @@
           <p:cNvPr id="3" name="Text Placeholder 2">
             <a:extLst>
               <a:ext uri="{FF2B5EF4-FFF2-40B4-BE49-F238E27FC236}">
-                <a16:creationId xmlns:a16="http://schemas.microsoft.com/office/drawing/2014/main" id="{CB35BFA9-6B52-46DE-A4D0-C744FB74C680}"/>
+                <a16:creationId xmlns:a16="http://schemas.microsoft.com/office/drawing/2014/main" id="{673C71A9-4B14-45FB-91FC-319014BA6265}"/>
               </a:ext>
             </a:extLst>
           </p:cNvPr>
@@ -7751,7 +7790,7 @@
     </p:spTree>
     <p:extLst>
       <p:ext uri="{BB962C8B-B14F-4D97-AF65-F5344CB8AC3E}">
-        <p14:creationId xmlns:p14="http://schemas.microsoft.com/office/powerpoint/2010/main" val="833821772"/>
+        <p14:creationId xmlns:p14="http://schemas.microsoft.com/office/powerpoint/2010/main" val="2073807359"/>
       </p:ext>
     </p:extLst>
   </p:cSld>
@@ -7783,7 +7822,7 @@
           <p:cNvPr id="2" name="Title 1">
             <a:extLst>
               <a:ext uri="{FF2B5EF4-FFF2-40B4-BE49-F238E27FC236}">
-                <a16:creationId xmlns:a16="http://schemas.microsoft.com/office/drawing/2014/main" id="{035ABBC7-B2E7-47D7-BD20-49B1611B1F38}"/>
+                <a16:creationId xmlns:a16="http://schemas.microsoft.com/office/drawing/2014/main" id="{4B0FE4F9-7C77-4A0C-A527-678B592AB14C}"/>
               </a:ext>
             </a:extLst>
           </p:cNvPr>
@@ -7801,7 +7840,7 @@
           <a:p>
             <a:r>
               <a:rPr lang="en-US" dirty="0"/>
-              <a:t>Three X Three</a:t>
+              <a:t>Keep Companies Making Profits</a:t>
             </a:r>
           </a:p>
         </p:txBody>
@@ -7811,7 +7850,7 @@
           <p:cNvPr id="3" name="Content Placeholder 2">
             <a:extLst>
               <a:ext uri="{FF2B5EF4-FFF2-40B4-BE49-F238E27FC236}">
-                <a16:creationId xmlns:a16="http://schemas.microsoft.com/office/drawing/2014/main" id="{95E19B27-B260-4EF6-B6A1-8028CD2F46B7}"/>
+                <a16:creationId xmlns:a16="http://schemas.microsoft.com/office/drawing/2014/main" id="{C41D11CD-8F91-42C7-9E37-3ACCFA9C57FB}"/>
               </a:ext>
             </a:extLst>
           </p:cNvPr>
@@ -7827,12 +7866,46 @@
           <a:bodyPr/>
           <a:lstStyle/>
           <a:p>
-            <a:pPr marL="0" indent="0">
-              <a:buNone/>
-            </a:pPr>
             <a:r>
               <a:rPr lang="en-US" dirty="0"/>
-              <a:t>Three rides (of 3 meters or more) per day per scooter is the baseline for ridership goals.</a:t>
+              <a:t>[Basic Stats for Scooters and Companies]</a:t>
+            </a:r>
+          </a:p>
+          <a:p>
+            <a:r>
+              <a:rPr lang="en-US" dirty="0"/>
+              <a:t>Work with companies that have lower percentages of Scooters</a:t>
+            </a:r>
+          </a:p>
+          <a:p>
+            <a:r>
+              <a:rPr lang="en-US" dirty="0"/>
+              <a:t>Incentives for lesser known companies to be last mile solutions</a:t>
+            </a:r>
+          </a:p>
+          <a:p>
+            <a:r>
+              <a:rPr lang="en-US" dirty="0"/>
+              <a:t>Standardize reporting data for scalability </a:t>
+            </a:r>
+          </a:p>
+          <a:p>
+            <a:r>
+              <a:rPr lang="en-US" dirty="0"/>
+              <a:t>Bus pass gives discounts for scooter riders</a:t>
+            </a:r>
+          </a:p>
+          <a:p>
+            <a:r>
+              <a:rPr lang="en-US" dirty="0"/>
+              <a:t>Have Scooter Juicers redistribute scooters in Promise Zones</a:t>
+            </a:r>
+          </a:p>
+          <a:p>
+            <a:pPr lvl="1"/>
+            <a:r>
+              <a:rPr lang="en-US" dirty="0"/>
+              <a:t>[Display Bar Chart of Count of Scooters per Company]</a:t>
             </a:r>
           </a:p>
         </p:txBody>
@@ -7840,7 +7913,7 @@
     </p:spTree>
     <p:extLst>
       <p:ext uri="{BB962C8B-B14F-4D97-AF65-F5344CB8AC3E}">
-        <p14:creationId xmlns:p14="http://schemas.microsoft.com/office/powerpoint/2010/main" val="679981078"/>
+        <p14:creationId xmlns:p14="http://schemas.microsoft.com/office/powerpoint/2010/main" val="1074490312"/>
       </p:ext>
     </p:extLst>
   </p:cSld>
@@ -7872,7 +7945,7 @@
           <p:cNvPr id="2" name="Title 1">
             <a:extLst>
               <a:ext uri="{FF2B5EF4-FFF2-40B4-BE49-F238E27FC236}">
-                <a16:creationId xmlns:a16="http://schemas.microsoft.com/office/drawing/2014/main" id="{035ABBC7-B2E7-47D7-BD20-49B1611B1F38}"/>
+                <a16:creationId xmlns:a16="http://schemas.microsoft.com/office/drawing/2014/main" id="{80BD6167-BCEC-46CB-A26B-B4D2E48A7F28}"/>
               </a:ext>
             </a:extLst>
           </p:cNvPr>
@@ -7890,17 +7963,17 @@
           <a:p>
             <a:r>
               <a:rPr lang="en-US" dirty="0"/>
-              <a:t>Reduce Single Drivers by SUMD</a:t>
+              <a:t>Discourage Piling of Scooters</a:t>
             </a:r>
           </a:p>
         </p:txBody>
       </p:sp>
       <p:sp>
         <p:nvSpPr>
-          <p:cNvPr id="3" name="Content Placeholder 2">
+          <p:cNvPr id="3" name="Text Placeholder 2">
             <a:extLst>
               <a:ext uri="{FF2B5EF4-FFF2-40B4-BE49-F238E27FC236}">
-                <a16:creationId xmlns:a16="http://schemas.microsoft.com/office/drawing/2014/main" id="{95E19B27-B260-4EF6-B6A1-8028CD2F46B7}"/>
+                <a16:creationId xmlns:a16="http://schemas.microsoft.com/office/drawing/2014/main" id="{D3B190CC-6657-4261-8842-2E4271CBE409}"/>
               </a:ext>
             </a:extLst>
           </p:cNvPr>
@@ -7908,7 +7981,7 @@
             <a:spLocks noGrp="1"/>
           </p:cNvSpPr>
           <p:nvPr>
-            <p:ph idx="1"/>
+            <p:ph type="body" idx="1"/>
           </p:nvPr>
         </p:nvSpPr>
         <p:spPr/>
@@ -7916,17 +7989,14 @@
           <a:bodyPr/>
           <a:lstStyle/>
           <a:p>
-            <a:pPr marL="0" indent="0">
-              <a:buNone/>
-            </a:pPr>
-            <a:endParaRPr lang="en-US" dirty="0"/>
+            <a:endParaRPr lang="en-US"/>
           </a:p>
         </p:txBody>
       </p:sp>
     </p:spTree>
     <p:extLst>
       <p:ext uri="{BB962C8B-B14F-4D97-AF65-F5344CB8AC3E}">
-        <p14:creationId xmlns:p14="http://schemas.microsoft.com/office/powerpoint/2010/main" val="1059997293"/>
+        <p14:creationId xmlns:p14="http://schemas.microsoft.com/office/powerpoint/2010/main" val="3712502226"/>
       </p:ext>
     </p:extLst>
   </p:cSld>
@@ -7958,7 +8028,7 @@
           <p:cNvPr id="2" name="Title 1">
             <a:extLst>
               <a:ext uri="{FF2B5EF4-FFF2-40B4-BE49-F238E27FC236}">
-                <a16:creationId xmlns:a16="http://schemas.microsoft.com/office/drawing/2014/main" id="{035ABBC7-B2E7-47D7-BD20-49B1611B1F38}"/>
+                <a16:creationId xmlns:a16="http://schemas.microsoft.com/office/drawing/2014/main" id="{752C4AEB-76B1-4917-83C6-2CC52FDCC90D}"/>
               </a:ext>
             </a:extLst>
           </p:cNvPr>
@@ -7976,7 +8046,7 @@
           <a:p>
             <a:r>
               <a:rPr lang="en-US" dirty="0"/>
-              <a:t>Mitigate Last Mile Challenges</a:t>
+              <a:t>Discourage Piling of Scooters</a:t>
             </a:r>
           </a:p>
         </p:txBody>
@@ -7986,7 +8056,7 @@
           <p:cNvPr id="3" name="Content Placeholder 2">
             <a:extLst>
               <a:ext uri="{FF2B5EF4-FFF2-40B4-BE49-F238E27FC236}">
-                <a16:creationId xmlns:a16="http://schemas.microsoft.com/office/drawing/2014/main" id="{95E19B27-B260-4EF6-B6A1-8028CD2F46B7}"/>
+                <a16:creationId xmlns:a16="http://schemas.microsoft.com/office/drawing/2014/main" id="{27A1A3FA-2EF2-4E49-B2A6-F72E59897025}"/>
               </a:ext>
             </a:extLst>
           </p:cNvPr>
@@ -8002,20 +8072,74 @@
           <a:bodyPr/>
           <a:lstStyle/>
           <a:p>
-            <a:pPr marL="0" indent="0">
-              <a:buNone/>
-            </a:pPr>
             <a:r>
               <a:rPr lang="en-US" dirty="0"/>
-              <a:t>SUMD devices may be an important means of transportation in the Promise Zone to help mitigate the “last mile” problem that exists in connecting people where they live to public transportation.</a:t>
-            </a:r>
+              <a:t>Incentive for parking scooter in a certain area</a:t>
+            </a:r>
+          </a:p>
+          <a:p>
+            <a:pPr lvl="1"/>
+            <a:r>
+              <a:rPr lang="en-US" dirty="0"/>
+              <a:t>Discount on next ride</a:t>
+            </a:r>
+          </a:p>
+          <a:p>
+            <a:pPr lvl="1"/>
+            <a:r>
+              <a:rPr lang="en-US" dirty="0"/>
+              <a:t>Discount on existing ride</a:t>
+            </a:r>
+          </a:p>
+          <a:p>
+            <a:r>
+              <a:rPr lang="en-US" dirty="0" err="1"/>
+              <a:t>Deadzone</a:t>
+            </a:r>
+            <a:endParaRPr lang="en-US" dirty="0"/>
+          </a:p>
+          <a:p>
+            <a:pPr lvl="1"/>
+            <a:r>
+              <a:rPr lang="en-US" dirty="0"/>
+              <a:t>Signage to direct scooter riders to of approaching </a:t>
+            </a:r>
+            <a:r>
+              <a:rPr lang="en-US" dirty="0" err="1"/>
+              <a:t>deadzones</a:t>
+            </a:r>
+            <a:endParaRPr lang="en-US" dirty="0"/>
+          </a:p>
+          <a:p>
+            <a:pPr lvl="2"/>
+            <a:r>
+              <a:rPr lang="en-US" dirty="0"/>
+              <a:t>Where to place scooters inside the </a:t>
+            </a:r>
+            <a:r>
+              <a:rPr lang="en-US" dirty="0" err="1"/>
+              <a:t>deadzone</a:t>
+            </a:r>
+            <a:endParaRPr lang="en-US" dirty="0"/>
+          </a:p>
+          <a:p>
+            <a:pPr lvl="1"/>
+            <a:r>
+              <a:rPr lang="en-US" dirty="0"/>
+              <a:t>Vocalize countdown warning of </a:t>
+            </a:r>
+            <a:r>
+              <a:rPr lang="en-US" dirty="0" err="1"/>
+              <a:t>deadzone</a:t>
+            </a:r>
+            <a:endParaRPr lang="en-US" dirty="0"/>
           </a:p>
         </p:txBody>
       </p:sp>
     </p:spTree>
     <p:extLst>
       <p:ext uri="{BB962C8B-B14F-4D97-AF65-F5344CB8AC3E}">
-        <p14:creationId xmlns:p14="http://schemas.microsoft.com/office/powerpoint/2010/main" val="2965698440"/>
+        <p14:creationId xmlns:p14="http://schemas.microsoft.com/office/powerpoint/2010/main" val="1287318094"/>
       </p:ext>
     </p:extLst>
   </p:cSld>
@@ -8047,7 +8171,7 @@
           <p:cNvPr id="2" name="Title 1">
             <a:extLst>
               <a:ext uri="{FF2B5EF4-FFF2-40B4-BE49-F238E27FC236}">
-                <a16:creationId xmlns:a16="http://schemas.microsoft.com/office/drawing/2014/main" id="{80BD6167-BCEC-46CB-A26B-B4D2E48A7F28}"/>
+                <a16:creationId xmlns:a16="http://schemas.microsoft.com/office/drawing/2014/main" id="{8A166CFC-5584-4A65-812F-6D8E4365EE6E}"/>
               </a:ext>
             </a:extLst>
           </p:cNvPr>
@@ -8065,7 +8189,7 @@
           <a:p>
             <a:r>
               <a:rPr lang="en-US" dirty="0"/>
-              <a:t>Discourage Piling of Scooters</a:t>
+              <a:t>Transportation Goals</a:t>
             </a:r>
           </a:p>
         </p:txBody>
@@ -8075,7 +8199,7 @@
           <p:cNvPr id="3" name="Text Placeholder 2">
             <a:extLst>
               <a:ext uri="{FF2B5EF4-FFF2-40B4-BE49-F238E27FC236}">
-                <a16:creationId xmlns:a16="http://schemas.microsoft.com/office/drawing/2014/main" id="{D3B190CC-6657-4261-8842-2E4271CBE409}"/>
+                <a16:creationId xmlns:a16="http://schemas.microsoft.com/office/drawing/2014/main" id="{CB35BFA9-6B52-46DE-A4D0-C744FB74C680}"/>
               </a:ext>
             </a:extLst>
           </p:cNvPr>
@@ -8098,7 +8222,7 @@
     </p:spTree>
     <p:extLst>
       <p:ext uri="{BB962C8B-B14F-4D97-AF65-F5344CB8AC3E}">
-        <p14:creationId xmlns:p14="http://schemas.microsoft.com/office/powerpoint/2010/main" val="3712502226"/>
+        <p14:creationId xmlns:p14="http://schemas.microsoft.com/office/powerpoint/2010/main" val="833821772"/>
       </p:ext>
     </p:extLst>
   </p:cSld>
@@ -8130,7 +8254,7 @@
           <p:cNvPr id="2" name="Title 1">
             <a:extLst>
               <a:ext uri="{FF2B5EF4-FFF2-40B4-BE49-F238E27FC236}">
-                <a16:creationId xmlns:a16="http://schemas.microsoft.com/office/drawing/2014/main" id="{752C4AEB-76B1-4917-83C6-2CC52FDCC90D}"/>
+                <a16:creationId xmlns:a16="http://schemas.microsoft.com/office/drawing/2014/main" id="{035ABBC7-B2E7-47D7-BD20-49B1611B1F38}"/>
               </a:ext>
             </a:extLst>
           </p:cNvPr>
@@ -8146,7 +8270,10 @@
           <a:bodyPr/>
           <a:lstStyle/>
           <a:p>
-            <a:endParaRPr lang="en-US"/>
+            <a:r>
+              <a:rPr lang="en-US" dirty="0"/>
+              <a:t>Reduce Single Drivers by SUMD</a:t>
+            </a:r>
           </a:p>
         </p:txBody>
       </p:sp>
@@ -8155,7 +8282,7 @@
           <p:cNvPr id="3" name="Content Placeholder 2">
             <a:extLst>
               <a:ext uri="{FF2B5EF4-FFF2-40B4-BE49-F238E27FC236}">
-                <a16:creationId xmlns:a16="http://schemas.microsoft.com/office/drawing/2014/main" id="{27A1A3FA-2EF2-4E49-B2A6-F72E59897025}"/>
+                <a16:creationId xmlns:a16="http://schemas.microsoft.com/office/drawing/2014/main" id="{95E19B27-B260-4EF6-B6A1-8028CD2F46B7}"/>
               </a:ext>
             </a:extLst>
           </p:cNvPr>
@@ -8171,14 +8298,32 @@
           <a:bodyPr/>
           <a:lstStyle/>
           <a:p>
-            <a:endParaRPr lang="en-US"/>
+            <a:pPr marL="0" indent="0">
+              <a:buNone/>
+            </a:pPr>
+            <a:r>
+              <a:rPr lang="en-US" dirty="0"/>
+              <a:t>Making sure the scooters are in the promise zones</a:t>
+            </a:r>
+          </a:p>
+          <a:p>
+            <a:r>
+              <a:rPr lang="en-US" dirty="0"/>
+              <a:t>Match scooters with bus stops [Stationary &amp; Trip Data Folium Map]</a:t>
+            </a:r>
+          </a:p>
+          <a:p>
+            <a:r>
+              <a:rPr lang="en-US" dirty="0"/>
+              <a:t>Scooter Riding times </a:t>
+            </a:r>
           </a:p>
         </p:txBody>
       </p:sp>
     </p:spTree>
     <p:extLst>
       <p:ext uri="{BB962C8B-B14F-4D97-AF65-F5344CB8AC3E}">
-        <p14:creationId xmlns:p14="http://schemas.microsoft.com/office/powerpoint/2010/main" val="1287318094"/>
+        <p14:creationId xmlns:p14="http://schemas.microsoft.com/office/powerpoint/2010/main" val="1059997293"/>
       </p:ext>
     </p:extLst>
   </p:cSld>
@@ -8210,7 +8355,7 @@
           <p:cNvPr id="2" name="Title 1">
             <a:extLst>
               <a:ext uri="{FF2B5EF4-FFF2-40B4-BE49-F238E27FC236}">
-                <a16:creationId xmlns:a16="http://schemas.microsoft.com/office/drawing/2014/main" id="{53268505-FEFB-4855-9CB5-F614AB005836}"/>
+                <a16:creationId xmlns:a16="http://schemas.microsoft.com/office/drawing/2014/main" id="{035ABBC7-B2E7-47D7-BD20-49B1611B1F38}"/>
               </a:ext>
             </a:extLst>
           </p:cNvPr>
@@ -8228,17 +8373,17 @@
           <a:p>
             <a:r>
               <a:rPr lang="en-US" dirty="0"/>
-              <a:t>Keep Companies Making Profits</a:t>
+              <a:t>Mitigate Last Mile Challenges</a:t>
             </a:r>
           </a:p>
         </p:txBody>
       </p:sp>
       <p:sp>
         <p:nvSpPr>
-          <p:cNvPr id="3" name="Text Placeholder 2">
+          <p:cNvPr id="3" name="Content Placeholder 2">
             <a:extLst>
               <a:ext uri="{FF2B5EF4-FFF2-40B4-BE49-F238E27FC236}">
-                <a16:creationId xmlns:a16="http://schemas.microsoft.com/office/drawing/2014/main" id="{673C71A9-4B14-45FB-91FC-319014BA6265}"/>
+                <a16:creationId xmlns:a16="http://schemas.microsoft.com/office/drawing/2014/main" id="{95E19B27-B260-4EF6-B6A1-8028CD2F46B7}"/>
               </a:ext>
             </a:extLst>
           </p:cNvPr>
@@ -8246,7 +8391,7 @@
             <a:spLocks noGrp="1"/>
           </p:cNvSpPr>
           <p:nvPr>
-            <p:ph type="body" idx="1"/>
+            <p:ph idx="1"/>
           </p:nvPr>
         </p:nvSpPr>
         <p:spPr/>
@@ -8254,14 +8399,20 @@
           <a:bodyPr/>
           <a:lstStyle/>
           <a:p>
-            <a:endParaRPr lang="en-US"/>
+            <a:pPr marL="0" indent="0">
+              <a:buNone/>
+            </a:pPr>
+            <a:r>
+              <a:rPr lang="en-US" dirty="0"/>
+              <a:t>SUMD devices may be an important means of transportation in the Promise Zone to help mitigate the “last mile” problem that exists in connecting people where they live to public transportation.</a:t>
+            </a:r>
           </a:p>
         </p:txBody>
       </p:sp>
     </p:spTree>
     <p:extLst>
       <p:ext uri="{BB962C8B-B14F-4D97-AF65-F5344CB8AC3E}">
-        <p14:creationId xmlns:p14="http://schemas.microsoft.com/office/powerpoint/2010/main" val="2073807359"/>
+        <p14:creationId xmlns:p14="http://schemas.microsoft.com/office/powerpoint/2010/main" val="2965698440"/>
       </p:ext>
     </p:extLst>
   </p:cSld>
@@ -8557,15 +8708,6 @@
 </file>
 
 <file path=customXml/item2.xml><?xml version="1.0" encoding="utf-8"?>
-<p:properties xmlns:p="http://schemas.microsoft.com/office/2006/metadata/properties" xmlns:xsi="http://www.w3.org/2001/XMLSchema-instance" xmlns:pc="http://schemas.microsoft.com/office/infopath/2007/PartnerControls">
-  <documentManagement>
-    <Status xmlns="71af3243-3dd4-4a8d-8c0d-dd76da1f02a5">Not started</Status>
-    <MediaServiceKeyPoints xmlns="71af3243-3dd4-4a8d-8c0d-dd76da1f02a5" xsi:nil="true"/>
-  </documentManagement>
-</p:properties>
-</file>
-
-<file path=customXml/item3.xml><?xml version="1.0" encoding="utf-8"?>
 <ct:contentTypeSchema xmlns:ct="http://schemas.microsoft.com/office/2006/metadata/contentType" xmlns:ma="http://schemas.microsoft.com/office/2006/metadata/properties/metaAttributes" ct:_="" ma:_="" ma:contentTypeName="Document" ma:contentTypeID="0x01010079F111ED35F8CC479449609E8A0923A6" ma:contentTypeVersion="12" ma:contentTypeDescription="Create a new document." ma:contentTypeScope="" ma:versionID="a410dd7f93c95333ffa1b60ed6adedd1">
   <xsd:schema xmlns:xsd="http://www.w3.org/2001/XMLSchema" xmlns:xs="http://www.w3.org/2001/XMLSchema" xmlns:p="http://schemas.microsoft.com/office/2006/metadata/properties" xmlns:ns2="71af3243-3dd4-4a8d-8c0d-dd76da1f02a5" xmlns:ns3="16c05727-aa75-4e4a-9b5f-8a80a1165891" targetNamespace="http://schemas.microsoft.com/office/2006/metadata/properties" ma:root="true" ma:fieldsID="a936d9baba76aa3866493feff160faab" ns2:_="" ns3:_="">
     <xsd:import namespace="71af3243-3dd4-4a8d-8c0d-dd76da1f02a5"/>
@@ -8786,6 +8928,15 @@
 </ct:contentTypeSchema>
 </file>
 
+<file path=customXml/item3.xml><?xml version="1.0" encoding="utf-8"?>
+<p:properties xmlns:p="http://schemas.microsoft.com/office/2006/metadata/properties" xmlns:xsi="http://www.w3.org/2001/XMLSchema-instance" xmlns:pc="http://schemas.microsoft.com/office/infopath/2007/PartnerControls">
+  <documentManagement>
+    <Status xmlns="71af3243-3dd4-4a8d-8c0d-dd76da1f02a5">Not started</Status>
+    <MediaServiceKeyPoints xmlns="71af3243-3dd4-4a8d-8c0d-dd76da1f02a5" xsi:nil="true"/>
+  </documentManagement>
+</p:properties>
+</file>
+
 <file path=customXml/itemProps1.xml><?xml version="1.0" encoding="utf-8"?>
 <ds:datastoreItem xmlns:ds="http://schemas.openxmlformats.org/officeDocument/2006/customXml" ds:itemID="{CDB58277-F8DF-46FF-84EC-EF41B835E69F}">
   <ds:schemaRefs>
@@ -8795,16 +8946,6 @@
 </file>
 
 <file path=customXml/itemProps2.xml><?xml version="1.0" encoding="utf-8"?>
-<ds:datastoreItem xmlns:ds="http://schemas.openxmlformats.org/officeDocument/2006/customXml" ds:itemID="{137651BA-F45C-4845-9AB3-E0A65B39F5E1}">
-  <ds:schemaRefs>
-    <ds:schemaRef ds:uri="http://schemas.microsoft.com/office/2006/metadata/properties"/>
-    <ds:schemaRef ds:uri="http://schemas.microsoft.com/office/infopath/2007/PartnerControls"/>
-    <ds:schemaRef ds:uri="71af3243-3dd4-4a8d-8c0d-dd76da1f02a5"/>
-  </ds:schemaRefs>
-</ds:datastoreItem>
-</file>
-
-<file path=customXml/itemProps3.xml><?xml version="1.0" encoding="utf-8"?>
 <ds:datastoreItem xmlns:ds="http://schemas.openxmlformats.org/officeDocument/2006/customXml" ds:itemID="{2D276E62-80A3-44DD-9BCC-97ED2B99B57F}">
   <ds:schemaRefs>
     <ds:schemaRef ds:uri="http://schemas.microsoft.com/office/2006/metadata/contentType"/>
@@ -8821,4 +8962,14 @@
     <ds:schemaRef ds:uri="http://schemas.microsoft.com/internal/obd"/>
   </ds:schemaRefs>
 </ds:datastoreItem>
+</file>
+
+<file path=customXml/itemProps3.xml><?xml version="1.0" encoding="utf-8"?>
+<ds:datastoreItem xmlns:ds="http://schemas.openxmlformats.org/officeDocument/2006/customXml" ds:itemID="{137651BA-F45C-4845-9AB3-E0A65B39F5E1}">
+  <ds:schemaRefs>
+    <ds:schemaRef ds:uri="http://schemas.microsoft.com/office/2006/metadata/properties"/>
+    <ds:schemaRef ds:uri="http://schemas.microsoft.com/office/infopath/2007/PartnerControls"/>
+    <ds:schemaRef ds:uri="71af3243-3dd4-4a8d-8c0d-dd76da1f02a5"/>
+  </ds:schemaRefs>
+</ds:datastoreItem>
 </file>
--- a/presentation.pptx
+++ b/presentation.pptx
@@ -8708,6 +8708,15 @@
 </file>
 
 <file path=customXml/item2.xml><?xml version="1.0" encoding="utf-8"?>
+<p:properties xmlns:p="http://schemas.microsoft.com/office/2006/metadata/properties" xmlns:xsi="http://www.w3.org/2001/XMLSchema-instance" xmlns:pc="http://schemas.microsoft.com/office/infopath/2007/PartnerControls">
+  <documentManagement>
+    <Status xmlns="71af3243-3dd4-4a8d-8c0d-dd76da1f02a5">Not started</Status>
+    <MediaServiceKeyPoints xmlns="71af3243-3dd4-4a8d-8c0d-dd76da1f02a5" xsi:nil="true"/>
+  </documentManagement>
+</p:properties>
+</file>
+
+<file path=customXml/item3.xml><?xml version="1.0" encoding="utf-8"?>
 <ct:contentTypeSchema xmlns:ct="http://schemas.microsoft.com/office/2006/metadata/contentType" xmlns:ma="http://schemas.microsoft.com/office/2006/metadata/properties/metaAttributes" ct:_="" ma:_="" ma:contentTypeName="Document" ma:contentTypeID="0x01010079F111ED35F8CC479449609E8A0923A6" ma:contentTypeVersion="12" ma:contentTypeDescription="Create a new document." ma:contentTypeScope="" ma:versionID="a410dd7f93c95333ffa1b60ed6adedd1">
   <xsd:schema xmlns:xsd="http://www.w3.org/2001/XMLSchema" xmlns:xs="http://www.w3.org/2001/XMLSchema" xmlns:p="http://schemas.microsoft.com/office/2006/metadata/properties" xmlns:ns2="71af3243-3dd4-4a8d-8c0d-dd76da1f02a5" xmlns:ns3="16c05727-aa75-4e4a-9b5f-8a80a1165891" targetNamespace="http://schemas.microsoft.com/office/2006/metadata/properties" ma:root="true" ma:fieldsID="a936d9baba76aa3866493feff160faab" ns2:_="" ns3:_="">
     <xsd:import namespace="71af3243-3dd4-4a8d-8c0d-dd76da1f02a5"/>
@@ -8928,15 +8937,6 @@
 </ct:contentTypeSchema>
 </file>
 
-<file path=customXml/item3.xml><?xml version="1.0" encoding="utf-8"?>
-<p:properties xmlns:p="http://schemas.microsoft.com/office/2006/metadata/properties" xmlns:xsi="http://www.w3.org/2001/XMLSchema-instance" xmlns:pc="http://schemas.microsoft.com/office/infopath/2007/PartnerControls">
-  <documentManagement>
-    <Status xmlns="71af3243-3dd4-4a8d-8c0d-dd76da1f02a5">Not started</Status>
-    <MediaServiceKeyPoints xmlns="71af3243-3dd4-4a8d-8c0d-dd76da1f02a5" xsi:nil="true"/>
-  </documentManagement>
-</p:properties>
-</file>
-
 <file path=customXml/itemProps1.xml><?xml version="1.0" encoding="utf-8"?>
 <ds:datastoreItem xmlns:ds="http://schemas.openxmlformats.org/officeDocument/2006/customXml" ds:itemID="{CDB58277-F8DF-46FF-84EC-EF41B835E69F}">
   <ds:schemaRefs>
@@ -8946,6 +8946,16 @@
 </file>
 
 <file path=customXml/itemProps2.xml><?xml version="1.0" encoding="utf-8"?>
+<ds:datastoreItem xmlns:ds="http://schemas.openxmlformats.org/officeDocument/2006/customXml" ds:itemID="{137651BA-F45C-4845-9AB3-E0A65B39F5E1}">
+  <ds:schemaRefs>
+    <ds:schemaRef ds:uri="http://schemas.microsoft.com/office/2006/metadata/properties"/>
+    <ds:schemaRef ds:uri="http://schemas.microsoft.com/office/infopath/2007/PartnerControls"/>
+    <ds:schemaRef ds:uri="71af3243-3dd4-4a8d-8c0d-dd76da1f02a5"/>
+  </ds:schemaRefs>
+</ds:datastoreItem>
+</file>
+
+<file path=customXml/itemProps3.xml><?xml version="1.0" encoding="utf-8"?>
 <ds:datastoreItem xmlns:ds="http://schemas.openxmlformats.org/officeDocument/2006/customXml" ds:itemID="{2D276E62-80A3-44DD-9BCC-97ED2B99B57F}">
   <ds:schemaRefs>
     <ds:schemaRef ds:uri="http://schemas.microsoft.com/office/2006/metadata/contentType"/>
@@ -8962,14 +8972,4 @@
     <ds:schemaRef ds:uri="http://schemas.microsoft.com/internal/obd"/>
   </ds:schemaRefs>
 </ds:datastoreItem>
-</file>
-
-<file path=customXml/itemProps3.xml><?xml version="1.0" encoding="utf-8"?>
-<ds:datastoreItem xmlns:ds="http://schemas.openxmlformats.org/officeDocument/2006/customXml" ds:itemID="{137651BA-F45C-4845-9AB3-E0A65B39F5E1}">
-  <ds:schemaRefs>
-    <ds:schemaRef ds:uri="http://schemas.microsoft.com/office/2006/metadata/properties"/>
-    <ds:schemaRef ds:uri="http://schemas.microsoft.com/office/infopath/2007/PartnerControls"/>
-    <ds:schemaRef ds:uri="71af3243-3dd4-4a8d-8c0d-dd76da1f02a5"/>
-  </ds:schemaRefs>
-</ds:datastoreItem>
 </file>
--- a/presentation.pptx
+++ b/presentation.pptx
@@ -15,9 +15,6 @@
     <p:sldId id="265" r:id="rId12"/>
     <p:sldId id="266" r:id="rId13"/>
     <p:sldId id="264" r:id="rId14"/>
-    <p:sldId id="271" r:id="rId15"/>
-    <p:sldId id="270" r:id="rId16"/>
-    <p:sldId id="261" r:id="rId17"/>
   </p:sldIdLst>
   <p:sldSz cx="12192000" cy="6858000"/>
   <p:notesSz cx="6858000" cy="9144000"/>
@@ -122,2982 +119,6 @@
     </p:ext>
   </p:extLst>
 </p:presentation>
-</file>
-
-<file path=ppt/diagrams/colors1.xml><?xml version="1.0" encoding="utf-8"?>
-<dgm:colorsDef xmlns:dgm="http://schemas.openxmlformats.org/drawingml/2006/diagram" xmlns:a="http://schemas.openxmlformats.org/drawingml/2006/main" uniqueId="urn:microsoft.com/office/officeart/2018/5/colors/Iconchunking_neutralicon_colorful1">
-  <dgm:title val=""/>
-  <dgm:desc val=""/>
-  <dgm:catLst>
-    <dgm:cat type="colorful" pri="10100"/>
-  </dgm:catLst>
-  <dgm:styleLbl name="node0">
-    <dgm:fillClrLst meth="repeat">
-      <a:schemeClr val="accent1"/>
-    </dgm:fillClrLst>
-    <dgm:linClrLst meth="repeat">
-      <a:schemeClr val="lt1"/>
-    </dgm:linClrLst>
-    <dgm:effectClrLst/>
-    <dgm:txLinClrLst/>
-    <dgm:txFillClrLst/>
-    <dgm:txEffectClrLst/>
-  </dgm:styleLbl>
-  <dgm:styleLbl name="node1">
-    <dgm:fillClrLst meth="repeat">
-      <a:schemeClr val="bg1"/>
-    </dgm:fillClrLst>
-    <dgm:linClrLst meth="repeat">
-      <a:schemeClr val="lt1">
-        <a:alpha val="0"/>
-      </a:schemeClr>
-    </dgm:linClrLst>
-    <dgm:effectClrLst/>
-    <dgm:txLinClrLst/>
-    <dgm:txFillClrLst meth="repeat">
-      <a:schemeClr val="dk1"/>
-    </dgm:txFillClrLst>
-    <dgm:txEffectClrLst/>
-  </dgm:styleLbl>
-  <dgm:styleLbl name="alignNode1">
-    <dgm:fillClrLst meth="repeat">
-      <a:schemeClr val="accent2"/>
-      <a:schemeClr val="accent3"/>
-      <a:schemeClr val="accent4"/>
-      <a:schemeClr val="accent5"/>
-      <a:schemeClr val="accent6"/>
-    </dgm:fillClrLst>
-    <dgm:linClrLst meth="repeat">
-      <a:schemeClr val="accent2"/>
-      <a:schemeClr val="accent3"/>
-      <a:schemeClr val="accent4"/>
-      <a:schemeClr val="accent5"/>
-      <a:schemeClr val="accent6"/>
-    </dgm:linClrLst>
-    <dgm:effectClrLst/>
-    <dgm:txLinClrLst/>
-    <dgm:txFillClrLst/>
-    <dgm:txEffectClrLst/>
-  </dgm:styleLbl>
-  <dgm:styleLbl name="lnNode1">
-    <dgm:fillClrLst meth="repeat">
-      <a:schemeClr val="accent2"/>
-      <a:schemeClr val="accent3"/>
-      <a:schemeClr val="accent4"/>
-      <a:schemeClr val="accent5"/>
-      <a:schemeClr val="accent6"/>
-    </dgm:fillClrLst>
-    <dgm:linClrLst meth="repeat">
-      <a:schemeClr val="lt1"/>
-    </dgm:linClrLst>
-    <dgm:effectClrLst/>
-    <dgm:txLinClrLst/>
-    <dgm:txFillClrLst/>
-    <dgm:txEffectClrLst/>
-  </dgm:styleLbl>
-  <dgm:styleLbl name="vennNode1">
-    <dgm:fillClrLst meth="repeat">
-      <a:schemeClr val="accent2">
-        <a:alpha val="50000"/>
-      </a:schemeClr>
-      <a:schemeClr val="accent3">
-        <a:alpha val="50000"/>
-      </a:schemeClr>
-      <a:schemeClr val="accent4">
-        <a:alpha val="50000"/>
-      </a:schemeClr>
-      <a:schemeClr val="accent5">
-        <a:alpha val="50000"/>
-      </a:schemeClr>
-      <a:schemeClr val="accent6">
-        <a:alpha val="50000"/>
-      </a:schemeClr>
-    </dgm:fillClrLst>
-    <dgm:linClrLst meth="repeat">
-      <a:schemeClr val="lt1"/>
-    </dgm:linClrLst>
-    <dgm:effectClrLst/>
-    <dgm:txLinClrLst/>
-    <dgm:txFillClrLst/>
-    <dgm:txEffectClrLst/>
-  </dgm:styleLbl>
-  <dgm:styleLbl name="node2">
-    <dgm:fillClrLst>
-      <a:schemeClr val="accent2"/>
-    </dgm:fillClrLst>
-    <dgm:linClrLst meth="repeat">
-      <a:schemeClr val="lt1"/>
-    </dgm:linClrLst>
-    <dgm:effectClrLst/>
-    <dgm:txLinClrLst/>
-    <dgm:txFillClrLst/>
-    <dgm:txEffectClrLst/>
-  </dgm:styleLbl>
-  <dgm:styleLbl name="node3">
-    <dgm:fillClrLst>
-      <a:schemeClr val="accent3"/>
-    </dgm:fillClrLst>
-    <dgm:linClrLst meth="repeat">
-      <a:schemeClr val="lt1"/>
-    </dgm:linClrLst>
-    <dgm:effectClrLst/>
-    <dgm:txLinClrLst/>
-    <dgm:txFillClrLst/>
-    <dgm:txEffectClrLst/>
-  </dgm:styleLbl>
-  <dgm:styleLbl name="node4">
-    <dgm:fillClrLst>
-      <a:schemeClr val="accent4"/>
-    </dgm:fillClrLst>
-    <dgm:linClrLst meth="repeat">
-      <a:schemeClr val="lt1"/>
-    </dgm:linClrLst>
-    <dgm:effectClrLst/>
-    <dgm:txLinClrLst/>
-    <dgm:txFillClrLst/>
-    <dgm:txEffectClrLst/>
-  </dgm:styleLbl>
-  <dgm:styleLbl name="fgImgPlace1">
-    <dgm:fillClrLst meth="repeat">
-      <a:schemeClr val="accent2">
-        <a:tint val="50000"/>
-      </a:schemeClr>
-      <a:schemeClr val="accent3">
-        <a:tint val="50000"/>
-      </a:schemeClr>
-      <a:schemeClr val="accent4">
-        <a:tint val="50000"/>
-      </a:schemeClr>
-      <a:schemeClr val="accent5">
-        <a:tint val="50000"/>
-      </a:schemeClr>
-      <a:schemeClr val="accent6">
-        <a:tint val="50000"/>
-      </a:schemeClr>
-    </dgm:fillClrLst>
-    <dgm:linClrLst meth="repeat">
-      <a:schemeClr val="lt1"/>
-    </dgm:linClrLst>
-    <dgm:effectClrLst/>
-    <dgm:txLinClrLst/>
-    <dgm:txFillClrLst meth="repeat">
-      <a:schemeClr val="lt1"/>
-    </dgm:txFillClrLst>
-    <dgm:txEffectClrLst/>
-  </dgm:styleLbl>
-  <dgm:styleLbl name="alignImgPlace1">
-    <dgm:fillClrLst>
-      <a:schemeClr val="accent1">
-        <a:tint val="50000"/>
-      </a:schemeClr>
-      <a:schemeClr val="accent2">
-        <a:tint val="20000"/>
-      </a:schemeClr>
-    </dgm:fillClrLst>
-    <dgm:linClrLst meth="repeat">
-      <a:schemeClr val="lt1"/>
-    </dgm:linClrLst>
-    <dgm:effectClrLst/>
-    <dgm:txLinClrLst/>
-    <dgm:txFillClrLst meth="repeat">
-      <a:schemeClr val="lt1"/>
-    </dgm:txFillClrLst>
-    <dgm:txEffectClrLst/>
-  </dgm:styleLbl>
-  <dgm:styleLbl name="bgImgPlace1">
-    <dgm:fillClrLst>
-      <a:schemeClr val="accent1">
-        <a:tint val="50000"/>
-      </a:schemeClr>
-      <a:schemeClr val="accent2">
-        <a:tint val="20000"/>
-      </a:schemeClr>
-    </dgm:fillClrLst>
-    <dgm:linClrLst meth="repeat">
-      <a:schemeClr val="lt1"/>
-    </dgm:linClrLst>
-    <dgm:effectClrLst/>
-    <dgm:txLinClrLst/>
-    <dgm:txFillClrLst meth="repeat">
-      <a:schemeClr val="lt1"/>
-    </dgm:txFillClrLst>
-    <dgm:txEffectClrLst/>
-  </dgm:styleLbl>
-  <dgm:styleLbl name="sibTrans2D1">
-    <dgm:fillClrLst meth="repeat">
-      <a:schemeClr val="accent2"/>
-      <a:schemeClr val="accent3"/>
-      <a:schemeClr val="accent4"/>
-      <a:schemeClr val="accent5"/>
-      <a:schemeClr val="accent6"/>
-    </dgm:fillClrLst>
-    <dgm:linClrLst meth="cycle">
-      <a:schemeClr val="lt1"/>
-    </dgm:linClrLst>
-    <dgm:effectClrLst/>
-    <dgm:txLinClrLst/>
-    <dgm:txFillClrLst/>
-    <dgm:txEffectClrLst/>
-  </dgm:styleLbl>
-  <dgm:styleLbl name="fgSibTrans2D1">
-    <dgm:fillClrLst meth="repeat">
-      <a:schemeClr val="accent2"/>
-      <a:schemeClr val="accent3"/>
-      <a:schemeClr val="accent4"/>
-      <a:schemeClr val="accent5"/>
-      <a:schemeClr val="accent6"/>
-    </dgm:fillClrLst>
-    <dgm:linClrLst meth="cycle">
-      <a:schemeClr val="lt1"/>
-    </dgm:linClrLst>
-    <dgm:effectClrLst/>
-    <dgm:txLinClrLst/>
-    <dgm:txFillClrLst meth="repeat">
-      <a:schemeClr val="lt1"/>
-    </dgm:txFillClrLst>
-    <dgm:txEffectClrLst/>
-  </dgm:styleLbl>
-  <dgm:styleLbl name="bgSibTrans2D1">
-    <dgm:fillClrLst meth="repeat">
-      <a:schemeClr val="accent2"/>
-      <a:schemeClr val="accent3"/>
-      <a:schemeClr val="accent4"/>
-      <a:schemeClr val="accent5"/>
-      <a:schemeClr val="accent6"/>
-    </dgm:fillClrLst>
-    <dgm:linClrLst meth="cycle">
-      <a:schemeClr val="lt1"/>
-    </dgm:linClrLst>
-    <dgm:effectClrLst/>
-    <dgm:txLinClrLst/>
-    <dgm:txFillClrLst meth="repeat">
-      <a:schemeClr val="lt1"/>
-    </dgm:txFillClrLst>
-    <dgm:txEffectClrLst/>
-  </dgm:styleLbl>
-  <dgm:styleLbl name="sibTrans1D1">
-    <dgm:fillClrLst meth="repeat">
-      <a:schemeClr val="accent2"/>
-      <a:schemeClr val="accent3"/>
-      <a:schemeClr val="accent4"/>
-      <a:schemeClr val="accent5"/>
-      <a:schemeClr val="accent6"/>
-    </dgm:fillClrLst>
-    <dgm:linClrLst meth="repeat">
-      <a:schemeClr val="accent2"/>
-      <a:schemeClr val="accent3"/>
-      <a:schemeClr val="accent4"/>
-      <a:schemeClr val="accent5"/>
-      <a:schemeClr val="accent6"/>
-    </dgm:linClrLst>
-    <dgm:effectClrLst/>
-    <dgm:txLinClrLst/>
-    <dgm:txFillClrLst meth="repeat">
-      <a:schemeClr val="tx1"/>
-    </dgm:txFillClrLst>
-    <dgm:txEffectClrLst/>
-  </dgm:styleLbl>
-  <dgm:styleLbl name="callout">
-    <dgm:fillClrLst meth="repeat">
-      <a:schemeClr val="accent2"/>
-    </dgm:fillClrLst>
-    <dgm:linClrLst meth="repeat">
-      <a:schemeClr val="accent2">
-        <a:tint val="50000"/>
-      </a:schemeClr>
-    </dgm:linClrLst>
-    <dgm:effectClrLst/>
-    <dgm:txLinClrLst/>
-    <dgm:txFillClrLst meth="repeat">
-      <a:schemeClr val="tx1"/>
-    </dgm:txFillClrLst>
-    <dgm:txEffectClrLst/>
-  </dgm:styleLbl>
-  <dgm:styleLbl name="asst0">
-    <dgm:fillClrLst meth="repeat">
-      <a:schemeClr val="accent1"/>
-    </dgm:fillClrLst>
-    <dgm:linClrLst meth="repeat">
-      <a:schemeClr val="lt1"/>
-    </dgm:linClrLst>
-    <dgm:effectClrLst/>
-    <dgm:txLinClrLst/>
-    <dgm:txFillClrLst/>
-    <dgm:txEffectClrLst/>
-  </dgm:styleLbl>
-  <dgm:styleLbl name="asst1">
-    <dgm:fillClrLst meth="repeat">
-      <a:schemeClr val="accent2"/>
-    </dgm:fillClrLst>
-    <dgm:linClrLst meth="repeat">
-      <a:schemeClr val="lt1"/>
-    </dgm:linClrLst>
-    <dgm:effectClrLst/>
-    <dgm:txLinClrLst/>
-    <dgm:txFillClrLst/>
-    <dgm:txEffectClrLst/>
-  </dgm:styleLbl>
-  <dgm:styleLbl name="asst2">
-    <dgm:fillClrLst>
-      <a:schemeClr val="accent3"/>
-    </dgm:fillClrLst>
-    <dgm:linClrLst meth="repeat">
-      <a:schemeClr val="lt1"/>
-    </dgm:linClrLst>
-    <dgm:effectClrLst/>
-    <dgm:txLinClrLst/>
-    <dgm:txFillClrLst/>
-    <dgm:txEffectClrLst/>
-  </dgm:styleLbl>
-  <dgm:styleLbl name="asst3">
-    <dgm:fillClrLst>
-      <a:schemeClr val="accent4"/>
-    </dgm:fillClrLst>
-    <dgm:linClrLst meth="repeat">
-      <a:schemeClr val="lt1"/>
-    </dgm:linClrLst>
-    <dgm:effectClrLst/>
-    <dgm:txLinClrLst/>
-    <dgm:txFillClrLst/>
-    <dgm:txEffectClrLst/>
-  </dgm:styleLbl>
-  <dgm:styleLbl name="asst4">
-    <dgm:fillClrLst>
-      <a:schemeClr val="accent5"/>
-    </dgm:fillClrLst>
-    <dgm:linClrLst meth="repeat">
-      <a:schemeClr val="lt1"/>
-    </dgm:linClrLst>
-    <dgm:effectClrLst/>
-    <dgm:txLinClrLst/>
-    <dgm:txFillClrLst/>
-    <dgm:txEffectClrLst/>
-  </dgm:styleLbl>
-  <dgm:styleLbl name="parChTrans2D1">
-    <dgm:fillClrLst meth="repeat">
-      <a:schemeClr val="accent2"/>
-    </dgm:fillClrLst>
-    <dgm:linClrLst meth="repeat">
-      <a:schemeClr val="lt1"/>
-    </dgm:linClrLst>
-    <dgm:effectClrLst/>
-    <dgm:txLinClrLst/>
-    <dgm:txFillClrLst meth="repeat">
-      <a:schemeClr val="lt1"/>
-    </dgm:txFillClrLst>
-    <dgm:txEffectClrLst/>
-  </dgm:styleLbl>
-  <dgm:styleLbl name="parChTrans2D2">
-    <dgm:fillClrLst meth="repeat">
-      <a:schemeClr val="accent3"/>
-    </dgm:fillClrLst>
-    <dgm:linClrLst meth="repeat">
-      <a:schemeClr val="lt1"/>
-    </dgm:linClrLst>
-    <dgm:effectClrLst/>
-    <dgm:txLinClrLst/>
-    <dgm:txFillClrLst/>
-    <dgm:txEffectClrLst/>
-  </dgm:styleLbl>
-  <dgm:styleLbl name="parChTrans2D3">
-    <dgm:fillClrLst meth="repeat">
-      <a:schemeClr val="accent4"/>
-    </dgm:fillClrLst>
-    <dgm:linClrLst meth="repeat">
-      <a:schemeClr val="lt1"/>
-    </dgm:linClrLst>
-    <dgm:effectClrLst/>
-    <dgm:txLinClrLst/>
-    <dgm:txFillClrLst/>
-    <dgm:txEffectClrLst/>
-  </dgm:styleLbl>
-  <dgm:styleLbl name="parChTrans2D4">
-    <dgm:fillClrLst meth="repeat">
-      <a:schemeClr val="accent5"/>
-    </dgm:fillClrLst>
-    <dgm:linClrLst meth="repeat">
-      <a:schemeClr val="lt1"/>
-    </dgm:linClrLst>
-    <dgm:effectClrLst/>
-    <dgm:txLinClrLst/>
-    <dgm:txFillClrLst meth="repeat">
-      <a:schemeClr val="lt1"/>
-    </dgm:txFillClrLst>
-    <dgm:txEffectClrLst/>
-  </dgm:styleLbl>
-  <dgm:styleLbl name="parChTrans1D1">
-    <dgm:fillClrLst meth="repeat">
-      <a:schemeClr val="accent2"/>
-    </dgm:fillClrLst>
-    <dgm:linClrLst meth="repeat">
-      <a:schemeClr val="accent1"/>
-    </dgm:linClrLst>
-    <dgm:effectClrLst/>
-    <dgm:txLinClrLst/>
-    <dgm:txFillClrLst meth="repeat">
-      <a:schemeClr val="tx1"/>
-    </dgm:txFillClrLst>
-    <dgm:txEffectClrLst/>
-  </dgm:styleLbl>
-  <dgm:styleLbl name="parChTrans1D2">
-    <dgm:fillClrLst meth="repeat">
-      <a:schemeClr val="accent3">
-        <a:tint val="90000"/>
-      </a:schemeClr>
-    </dgm:fillClrLst>
-    <dgm:linClrLst meth="repeat">
-      <a:schemeClr val="accent2"/>
-    </dgm:linClrLst>
-    <dgm:effectClrLst/>
-    <dgm:txLinClrLst/>
-    <dgm:txFillClrLst meth="repeat">
-      <a:schemeClr val="tx1"/>
-    </dgm:txFillClrLst>
-    <dgm:txEffectClrLst/>
-  </dgm:styleLbl>
-  <dgm:styleLbl name="parChTrans1D3">
-    <dgm:fillClrLst meth="repeat">
-      <a:schemeClr val="accent4">
-        <a:tint val="70000"/>
-      </a:schemeClr>
-    </dgm:fillClrLst>
-    <dgm:linClrLst meth="repeat">
-      <a:schemeClr val="accent3"/>
-    </dgm:linClrLst>
-    <dgm:effectClrLst/>
-    <dgm:txLinClrLst/>
-    <dgm:txFillClrLst meth="repeat">
-      <a:schemeClr val="tx1"/>
-    </dgm:txFillClrLst>
-    <dgm:txEffectClrLst/>
-  </dgm:styleLbl>
-  <dgm:styleLbl name="parChTrans1D4">
-    <dgm:fillClrLst meth="repeat">
-      <a:schemeClr val="accent5">
-        <a:tint val="50000"/>
-      </a:schemeClr>
-    </dgm:fillClrLst>
-    <dgm:linClrLst meth="repeat">
-      <a:schemeClr val="accent4"/>
-    </dgm:linClrLst>
-    <dgm:effectClrLst/>
-    <dgm:txLinClrLst/>
-    <dgm:txFillClrLst meth="repeat">
-      <a:schemeClr val="tx1"/>
-    </dgm:txFillClrLst>
-    <dgm:txEffectClrLst/>
-  </dgm:styleLbl>
-  <dgm:styleLbl name="fgAcc1">
-    <dgm:fillClrLst meth="repeat">
-      <a:schemeClr val="lt1">
-        <a:alpha val="90000"/>
-      </a:schemeClr>
-    </dgm:fillClrLst>
-    <dgm:linClrLst meth="repeat">
-      <a:schemeClr val="accent2"/>
-      <a:schemeClr val="accent3"/>
-      <a:schemeClr val="accent4"/>
-      <a:schemeClr val="accent5"/>
-      <a:schemeClr val="accent6"/>
-    </dgm:linClrLst>
-    <dgm:effectClrLst/>
-    <dgm:txLinClrLst/>
-    <dgm:txFillClrLst meth="repeat">
-      <a:schemeClr val="dk1"/>
-    </dgm:txFillClrLst>
-    <dgm:txEffectClrLst/>
-  </dgm:styleLbl>
-  <dgm:styleLbl name="conFgAcc1">
-    <dgm:fillClrLst meth="repeat">
-      <a:schemeClr val="lt1">
-        <a:alpha val="90000"/>
-      </a:schemeClr>
-    </dgm:fillClrLst>
-    <dgm:linClrLst meth="repeat">
-      <a:schemeClr val="accent2"/>
-      <a:schemeClr val="accent3"/>
-      <a:schemeClr val="accent4"/>
-      <a:schemeClr val="accent5"/>
-      <a:schemeClr val="accent6"/>
-    </dgm:linClrLst>
-    <dgm:effectClrLst/>
-    <dgm:txLinClrLst/>
-    <dgm:txFillClrLst meth="repeat">
-      <a:schemeClr val="dk1"/>
-    </dgm:txFillClrLst>
-    <dgm:txEffectClrLst/>
-  </dgm:styleLbl>
-  <dgm:styleLbl name="alignAcc1">
-    <dgm:fillClrLst meth="repeat">
-      <a:schemeClr val="lt1">
-        <a:alpha val="90000"/>
-      </a:schemeClr>
-    </dgm:fillClrLst>
-    <dgm:linClrLst meth="repeat">
-      <a:schemeClr val="accent2"/>
-      <a:schemeClr val="accent3"/>
-      <a:schemeClr val="accent4"/>
-      <a:schemeClr val="accent5"/>
-      <a:schemeClr val="accent6"/>
-    </dgm:linClrLst>
-    <dgm:effectClrLst/>
-    <dgm:txLinClrLst/>
-    <dgm:txFillClrLst meth="repeat">
-      <a:schemeClr val="dk1"/>
-    </dgm:txFillClrLst>
-    <dgm:txEffectClrLst/>
-  </dgm:styleLbl>
-  <dgm:styleLbl name="trAlignAcc1">
-    <dgm:fillClrLst meth="repeat">
-      <a:schemeClr val="lt1">
-        <a:alpha val="40000"/>
-      </a:schemeClr>
-    </dgm:fillClrLst>
-    <dgm:linClrLst meth="repeat">
-      <a:schemeClr val="accent1"/>
-    </dgm:linClrLst>
-    <dgm:effectClrLst/>
-    <dgm:txLinClrLst/>
-    <dgm:txFillClrLst meth="repeat">
-      <a:schemeClr val="dk1"/>
-    </dgm:txFillClrLst>
-    <dgm:txEffectClrLst/>
-  </dgm:styleLbl>
-  <dgm:styleLbl name="bgAcc1">
-    <dgm:fillClrLst meth="repeat">
-      <a:schemeClr val="lt1">
-        <a:alpha val="90000"/>
-      </a:schemeClr>
-    </dgm:fillClrLst>
-    <dgm:linClrLst meth="repeat">
-      <a:schemeClr val="accent2"/>
-      <a:schemeClr val="accent3"/>
-      <a:schemeClr val="accent4"/>
-      <a:schemeClr val="accent5"/>
-      <a:schemeClr val="accent6"/>
-    </dgm:linClrLst>
-    <dgm:effectClrLst/>
-    <dgm:txLinClrLst/>
-    <dgm:txFillClrLst meth="repeat">
-      <a:schemeClr val="dk1"/>
-    </dgm:txFillClrLst>
-    <dgm:txEffectClrLst/>
-  </dgm:styleLbl>
-  <dgm:styleLbl name="solidFgAcc1">
-    <dgm:fillClrLst meth="repeat">
-      <a:schemeClr val="lt1"/>
-    </dgm:fillClrLst>
-    <dgm:linClrLst meth="repeat">
-      <a:schemeClr val="accent2"/>
-      <a:schemeClr val="accent3"/>
-      <a:schemeClr val="accent4"/>
-      <a:schemeClr val="accent5"/>
-      <a:schemeClr val="accent6"/>
-    </dgm:linClrLst>
-    <dgm:effectClrLst/>
-    <dgm:txLinClrLst/>
-    <dgm:txFillClrLst meth="repeat">
-      <a:schemeClr val="dk1"/>
-    </dgm:txFillClrLst>
-    <dgm:txEffectClrLst/>
-  </dgm:styleLbl>
-  <dgm:styleLbl name="solidAlignAcc1">
-    <dgm:fillClrLst meth="repeat">
-      <a:schemeClr val="lt1"/>
-    </dgm:fillClrLst>
-    <dgm:linClrLst meth="repeat">
-      <a:schemeClr val="accent2"/>
-      <a:schemeClr val="accent3"/>
-      <a:schemeClr val="accent4"/>
-      <a:schemeClr val="accent5"/>
-      <a:schemeClr val="accent6"/>
-    </dgm:linClrLst>
-    <dgm:effectClrLst/>
-    <dgm:txLinClrLst/>
-    <dgm:txFillClrLst meth="repeat">
-      <a:schemeClr val="dk1"/>
-    </dgm:txFillClrLst>
-    <dgm:txEffectClrLst/>
-  </dgm:styleLbl>
-  <dgm:styleLbl name="solidBgAcc1">
-    <dgm:fillClrLst meth="repeat">
-      <a:schemeClr val="lt1"/>
-    </dgm:fillClrLst>
-    <dgm:linClrLst meth="repeat">
-      <a:schemeClr val="accent2"/>
-      <a:schemeClr val="accent3"/>
-      <a:schemeClr val="accent4"/>
-      <a:schemeClr val="accent5"/>
-      <a:schemeClr val="accent6"/>
-    </dgm:linClrLst>
-    <dgm:effectClrLst/>
-    <dgm:txLinClrLst/>
-    <dgm:txFillClrLst meth="repeat">
-      <a:schemeClr val="dk1"/>
-    </dgm:txFillClrLst>
-    <dgm:txEffectClrLst/>
-  </dgm:styleLbl>
-  <dgm:styleLbl name="fgAccFollowNode1">
-    <dgm:fillClrLst meth="repeat">
-      <a:schemeClr val="accent2">
-        <a:tint val="40000"/>
-        <a:alpha val="90000"/>
-      </a:schemeClr>
-      <a:schemeClr val="accent3">
-        <a:tint val="40000"/>
-        <a:alpha val="90000"/>
-      </a:schemeClr>
-      <a:schemeClr val="accent4">
-        <a:tint val="40000"/>
-        <a:alpha val="90000"/>
-      </a:schemeClr>
-      <a:schemeClr val="accent5">
-        <a:tint val="40000"/>
-        <a:alpha val="90000"/>
-      </a:schemeClr>
-      <a:schemeClr val="accent6">
-        <a:tint val="40000"/>
-        <a:alpha val="90000"/>
-      </a:schemeClr>
-    </dgm:fillClrLst>
-    <dgm:linClrLst meth="repeat">
-      <a:schemeClr val="accent2">
-        <a:tint val="40000"/>
-        <a:alpha val="90000"/>
-      </a:schemeClr>
-      <a:schemeClr val="accent3">
-        <a:tint val="40000"/>
-        <a:alpha val="90000"/>
-      </a:schemeClr>
-      <a:schemeClr val="accent4">
-        <a:tint val="40000"/>
-        <a:alpha val="90000"/>
-      </a:schemeClr>
-      <a:schemeClr val="accent5">
-        <a:tint val="40000"/>
-        <a:alpha val="90000"/>
-      </a:schemeClr>
-      <a:schemeClr val="accent6">
-        <a:tint val="40000"/>
-        <a:alpha val="90000"/>
-      </a:schemeClr>
-    </dgm:linClrLst>
-    <dgm:effectClrLst/>
-    <dgm:txLinClrLst/>
-    <dgm:txFillClrLst meth="repeat">
-      <a:schemeClr val="dk1"/>
-    </dgm:txFillClrLst>
-    <dgm:txEffectClrLst/>
-  </dgm:styleLbl>
-  <dgm:styleLbl name="alignAccFollowNode1">
-    <dgm:fillClrLst meth="repeat">
-      <a:schemeClr val="accent2">
-        <a:tint val="40000"/>
-        <a:alpha val="90000"/>
-      </a:schemeClr>
-      <a:schemeClr val="accent3">
-        <a:tint val="40000"/>
-        <a:alpha val="90000"/>
-      </a:schemeClr>
-      <a:schemeClr val="accent4">
-        <a:tint val="40000"/>
-        <a:alpha val="90000"/>
-      </a:schemeClr>
-      <a:schemeClr val="accent5">
-        <a:tint val="40000"/>
-        <a:alpha val="90000"/>
-      </a:schemeClr>
-      <a:schemeClr val="accent6">
-        <a:tint val="40000"/>
-        <a:alpha val="90000"/>
-      </a:schemeClr>
-    </dgm:fillClrLst>
-    <dgm:linClrLst meth="repeat">
-      <a:schemeClr val="accent2">
-        <a:tint val="40000"/>
-        <a:alpha val="90000"/>
-      </a:schemeClr>
-      <a:schemeClr val="accent3">
-        <a:tint val="40000"/>
-        <a:alpha val="90000"/>
-      </a:schemeClr>
-      <a:schemeClr val="accent4">
-        <a:tint val="40000"/>
-        <a:alpha val="90000"/>
-      </a:schemeClr>
-      <a:schemeClr val="accent5">
-        <a:tint val="40000"/>
-        <a:alpha val="90000"/>
-      </a:schemeClr>
-      <a:schemeClr val="accent6">
-        <a:tint val="40000"/>
-        <a:alpha val="90000"/>
-      </a:schemeClr>
-    </dgm:linClrLst>
-    <dgm:effectClrLst/>
-    <dgm:txLinClrLst/>
-    <dgm:txFillClrLst meth="repeat">
-      <a:schemeClr val="dk1"/>
-    </dgm:txFillClrLst>
-    <dgm:txEffectClrLst/>
-  </dgm:styleLbl>
-  <dgm:styleLbl name="bgAccFollowNode1">
-    <dgm:fillClrLst meth="repeat">
-      <a:schemeClr val="accent2">
-        <a:tint val="40000"/>
-        <a:alpha val="90000"/>
-      </a:schemeClr>
-      <a:schemeClr val="accent3">
-        <a:tint val="40000"/>
-        <a:alpha val="90000"/>
-      </a:schemeClr>
-      <a:schemeClr val="accent4">
-        <a:tint val="40000"/>
-        <a:alpha val="90000"/>
-      </a:schemeClr>
-      <a:schemeClr val="accent5">
-        <a:tint val="40000"/>
-        <a:alpha val="90000"/>
-      </a:schemeClr>
-      <a:schemeClr val="accent6">
-        <a:tint val="40000"/>
-        <a:alpha val="90000"/>
-      </a:schemeClr>
-    </dgm:fillClrLst>
-    <dgm:linClrLst meth="repeat">
-      <a:schemeClr val="accent2">
-        <a:tint val="40000"/>
-        <a:alpha val="90000"/>
-      </a:schemeClr>
-      <a:schemeClr val="accent3">
-        <a:tint val="40000"/>
-        <a:alpha val="90000"/>
-      </a:schemeClr>
-      <a:schemeClr val="accent4">
-        <a:tint val="40000"/>
-        <a:alpha val="90000"/>
-      </a:schemeClr>
-      <a:schemeClr val="accent5">
-        <a:tint val="40000"/>
-        <a:alpha val="90000"/>
-      </a:schemeClr>
-      <a:schemeClr val="accent6">
-        <a:tint val="40000"/>
-        <a:alpha val="90000"/>
-      </a:schemeClr>
-    </dgm:linClrLst>
-    <dgm:effectClrLst/>
-    <dgm:txLinClrLst/>
-    <dgm:txFillClrLst meth="repeat">
-      <a:schemeClr val="dk1"/>
-    </dgm:txFillClrLst>
-    <dgm:txEffectClrLst/>
-  </dgm:styleLbl>
-  <dgm:styleLbl name="fgAcc0">
-    <dgm:fillClrLst meth="repeat">
-      <a:schemeClr val="lt1">
-        <a:alpha val="90000"/>
-      </a:schemeClr>
-    </dgm:fillClrLst>
-    <dgm:linClrLst>
-      <a:schemeClr val="accent1"/>
-    </dgm:linClrLst>
-    <dgm:effectClrLst/>
-    <dgm:txLinClrLst/>
-    <dgm:txFillClrLst meth="repeat">
-      <a:schemeClr val="dk1"/>
-    </dgm:txFillClrLst>
-    <dgm:txEffectClrLst/>
-  </dgm:styleLbl>
-  <dgm:styleLbl name="fgAcc2">
-    <dgm:fillClrLst meth="repeat">
-      <a:schemeClr val="lt1">
-        <a:alpha val="90000"/>
-      </a:schemeClr>
-    </dgm:fillClrLst>
-    <dgm:linClrLst>
-      <a:schemeClr val="accent2"/>
-    </dgm:linClrLst>
-    <dgm:effectClrLst/>
-    <dgm:txLinClrLst/>
-    <dgm:txFillClrLst meth="repeat">
-      <a:schemeClr val="dk1"/>
-    </dgm:txFillClrLst>
-    <dgm:txEffectClrLst/>
-  </dgm:styleLbl>
-  <dgm:styleLbl name="fgAcc3">
-    <dgm:fillClrLst meth="repeat">
-      <a:schemeClr val="lt1">
-        <a:alpha val="90000"/>
-      </a:schemeClr>
-    </dgm:fillClrLst>
-    <dgm:linClrLst>
-      <a:schemeClr val="accent3"/>
-    </dgm:linClrLst>
-    <dgm:effectClrLst/>
-    <dgm:txLinClrLst/>
-    <dgm:txFillClrLst meth="repeat">
-      <a:schemeClr val="dk1"/>
-    </dgm:txFillClrLst>
-    <dgm:txEffectClrLst/>
-  </dgm:styleLbl>
-  <dgm:styleLbl name="fgAcc4">
-    <dgm:fillClrLst meth="repeat">
-      <a:schemeClr val="lt1">
-        <a:alpha val="90000"/>
-      </a:schemeClr>
-    </dgm:fillClrLst>
-    <dgm:linClrLst>
-      <a:schemeClr val="accent4"/>
-    </dgm:linClrLst>
-    <dgm:effectClrLst/>
-    <dgm:txLinClrLst/>
-    <dgm:txFillClrLst meth="repeat">
-      <a:schemeClr val="dk1"/>
-    </dgm:txFillClrLst>
-    <dgm:txEffectClrLst/>
-  </dgm:styleLbl>
-  <dgm:styleLbl name="bgShp">
-    <dgm:fillClrLst meth="repeat">
-      <a:schemeClr val="accent2"/>
-      <a:schemeClr val="accent3"/>
-      <a:schemeClr val="accent4"/>
-      <a:schemeClr val="accent5"/>
-      <a:schemeClr val="accent6"/>
-    </dgm:fillClrLst>
-    <dgm:linClrLst meth="repeat">
-      <a:schemeClr val="lt1">
-        <a:alpha val="0"/>
-      </a:schemeClr>
-    </dgm:linClrLst>
-    <dgm:effectClrLst/>
-    <dgm:txLinClrLst/>
-    <dgm:txFillClrLst/>
-    <dgm:txEffectClrLst/>
-  </dgm:styleLbl>
-  <dgm:styleLbl name="dkBgShp">
-    <dgm:fillClrLst meth="repeat">
-      <a:schemeClr val="accent2">
-        <a:shade val="90000"/>
-      </a:schemeClr>
-    </dgm:fillClrLst>
-    <dgm:linClrLst meth="repeat">
-      <a:schemeClr val="dk1"/>
-    </dgm:linClrLst>
-    <dgm:effectClrLst/>
-    <dgm:txLinClrLst/>
-    <dgm:txFillClrLst meth="repeat">
-      <a:schemeClr val="lt1"/>
-    </dgm:txFillClrLst>
-    <dgm:txEffectClrLst/>
-  </dgm:styleLbl>
-  <dgm:styleLbl name="trBgShp">
-    <dgm:fillClrLst meth="repeat">
-      <a:schemeClr val="accent1">
-        <a:tint val="50000"/>
-        <a:alpha val="40000"/>
-      </a:schemeClr>
-    </dgm:fillClrLst>
-    <dgm:linClrLst meth="repeat">
-      <a:schemeClr val="accent2"/>
-    </dgm:linClrLst>
-    <dgm:effectClrLst/>
-    <dgm:txLinClrLst/>
-    <dgm:txFillClrLst meth="repeat">
-      <a:schemeClr val="lt1"/>
-    </dgm:txFillClrLst>
-    <dgm:txEffectClrLst/>
-  </dgm:styleLbl>
-  <dgm:styleLbl name="fgShp">
-    <dgm:fillClrLst meth="repeat">
-      <a:schemeClr val="accent2">
-        <a:tint val="40000"/>
-      </a:schemeClr>
-    </dgm:fillClrLst>
-    <dgm:linClrLst meth="repeat">
-      <a:schemeClr val="lt1"/>
-    </dgm:linClrLst>
-    <dgm:effectClrLst/>
-    <dgm:txLinClrLst/>
-    <dgm:txFillClrLst meth="repeat">
-      <a:schemeClr val="dk1"/>
-    </dgm:txFillClrLst>
-    <dgm:txEffectClrLst/>
-  </dgm:styleLbl>
-  <dgm:styleLbl name="revTx">
-    <dgm:fillClrLst meth="repeat">
-      <a:schemeClr val="lt1">
-        <a:alpha val="0"/>
-      </a:schemeClr>
-    </dgm:fillClrLst>
-    <dgm:linClrLst meth="repeat">
-      <a:schemeClr val="dk1">
-        <a:alpha val="0"/>
-      </a:schemeClr>
-    </dgm:linClrLst>
-    <dgm:effectClrLst/>
-    <dgm:txLinClrLst/>
-    <dgm:txFillClrLst meth="repeat">
-      <a:schemeClr val="tx1"/>
-    </dgm:txFillClrLst>
-    <dgm:txEffectClrLst/>
-  </dgm:styleLbl>
-</dgm:colorsDef>
-</file>
-
-<file path=ppt/diagrams/data1.xml><?xml version="1.0" encoding="utf-8"?>
-<dgm:dataModel xmlns:dgm="http://schemas.openxmlformats.org/drawingml/2006/diagram" xmlns:a="http://schemas.openxmlformats.org/drawingml/2006/main">
-  <dgm:ptLst>
-    <dgm:pt modelId="{01A66772-F185-4D58-B8BB-E9370D7A7A2B}" type="doc">
-      <dgm:prSet loTypeId="urn:microsoft.com/office/officeart/2018/5/layout/IconCircleLabelList" loCatId="icon" qsTypeId="urn:microsoft.com/office/officeart/2005/8/quickstyle/simple1" qsCatId="simple" csTypeId="urn:microsoft.com/office/officeart/2018/5/colors/Iconchunking_neutralicon_colorful1" csCatId="colorful" phldr="1"/>
-      <dgm:spPr/>
-      <dgm:t>
-        <a:bodyPr/>
-        <a:lstStyle/>
-        <a:p>
-          <a:endParaRPr lang="en-US"/>
-        </a:p>
-      </dgm:t>
-    </dgm:pt>
-    <dgm:pt modelId="{40FC4FFE-8987-4A26-B7F4-8A516F18ADAE}">
-      <dgm:prSet/>
-      <dgm:spPr/>
-      <dgm:t>
-        <a:bodyPr/>
-        <a:lstStyle/>
-        <a:p>
-          <a:pPr>
-            <a:lnSpc>
-              <a:spcPct val="100000"/>
-            </a:lnSpc>
-            <a:defRPr cap="all"/>
-          </a:pPr>
-          <a:r>
-            <a:rPr lang="en-US" dirty="0"/>
-            <a:t>Lorem ipsum dolor sit amet, consectetuer adipiscing elit. </a:t>
-          </a:r>
-        </a:p>
-      </dgm:t>
-    </dgm:pt>
-    <dgm:pt modelId="{CAD7EF86-FB23-41F6-BF42-040B36DEFDB1}" type="parTrans" cxnId="{C7AD8469-3C68-4AF9-AB82-79B0043AA120}">
-      <dgm:prSet/>
-      <dgm:spPr/>
-      <dgm:t>
-        <a:bodyPr/>
-        <a:lstStyle/>
-        <a:p>
-          <a:endParaRPr lang="en-US"/>
-        </a:p>
-      </dgm:t>
-    </dgm:pt>
-    <dgm:pt modelId="{5B62599A-5C9B-48E7-896E-EA782AC60C8B}" type="sibTrans" cxnId="{C7AD8469-3C68-4AF9-AB82-79B0043AA120}">
-      <dgm:prSet/>
-      <dgm:spPr/>
-      <dgm:t>
-        <a:bodyPr/>
-        <a:lstStyle/>
-        <a:p>
-          <a:endParaRPr lang="en-US"/>
-        </a:p>
-      </dgm:t>
-    </dgm:pt>
-    <dgm:pt modelId="{49225C73-1633-42F1-AB3B-7CB183E5F8B8}">
-      <dgm:prSet/>
-      <dgm:spPr/>
-      <dgm:t>
-        <a:bodyPr/>
-        <a:lstStyle/>
-        <a:p>
-          <a:pPr>
-            <a:lnSpc>
-              <a:spcPct val="100000"/>
-            </a:lnSpc>
-            <a:defRPr cap="all"/>
-          </a:pPr>
-          <a:r>
-            <a:rPr lang="en-US" dirty="0"/>
-            <a:t>Nunc viverra imperdiet enim. Fusce est. Vivamus a tellus.</a:t>
-          </a:r>
-        </a:p>
-      </dgm:t>
-    </dgm:pt>
-    <dgm:pt modelId="{1A0E2090-1D4F-438A-8766-B6030CE01ADD}" type="parTrans" cxnId="{A9154303-8225-4248-91DC-1B0156A35F07}">
-      <dgm:prSet/>
-      <dgm:spPr/>
-      <dgm:t>
-        <a:bodyPr/>
-        <a:lstStyle/>
-        <a:p>
-          <a:endParaRPr lang="en-US"/>
-        </a:p>
-      </dgm:t>
-    </dgm:pt>
-    <dgm:pt modelId="{9646853A-8964-4519-A5B1-0B7D18B2983D}" type="sibTrans" cxnId="{A9154303-8225-4248-91DC-1B0156A35F07}">
-      <dgm:prSet/>
-      <dgm:spPr/>
-      <dgm:t>
-        <a:bodyPr/>
-        <a:lstStyle/>
-        <a:p>
-          <a:endParaRPr lang="en-US"/>
-        </a:p>
-      </dgm:t>
-    </dgm:pt>
-    <dgm:pt modelId="{1C383F32-22E8-4F62-A3E0-BDC3D5F48992}">
-      <dgm:prSet/>
-      <dgm:spPr/>
-      <dgm:t>
-        <a:bodyPr/>
-        <a:lstStyle/>
-        <a:p>
-          <a:pPr>
-            <a:lnSpc>
-              <a:spcPct val="100000"/>
-            </a:lnSpc>
-            <a:defRPr cap="all"/>
-          </a:pPr>
-          <a:r>
-            <a:rPr lang="en-US" dirty="0"/>
-            <a:t>Pellentesque habitant morbi tristique senectus et netus.</a:t>
-          </a:r>
-        </a:p>
-      </dgm:t>
-    </dgm:pt>
-    <dgm:pt modelId="{A7920A2F-3244-4159-AF04-6A1D38B7B317}" type="parTrans" cxnId="{C4CCE57E-E871-46D6-BAD5-880252C95D22}">
-      <dgm:prSet/>
-      <dgm:spPr/>
-      <dgm:t>
-        <a:bodyPr/>
-        <a:lstStyle/>
-        <a:p>
-          <a:endParaRPr lang="en-US"/>
-        </a:p>
-      </dgm:t>
-    </dgm:pt>
-    <dgm:pt modelId="{8500F72A-2C6D-4FDF-9C1D-CA691380EB0B}" type="sibTrans" cxnId="{C4CCE57E-E871-46D6-BAD5-880252C95D22}">
-      <dgm:prSet/>
-      <dgm:spPr/>
-      <dgm:t>
-        <a:bodyPr/>
-        <a:lstStyle/>
-        <a:p>
-          <a:endParaRPr lang="en-US"/>
-        </a:p>
-      </dgm:t>
-    </dgm:pt>
-    <dgm:pt modelId="{50B3CE7C-E10B-4E23-BD93-03664997C932}" type="pres">
-      <dgm:prSet presAssocID="{01A66772-F185-4D58-B8BB-E9370D7A7A2B}" presName="root" presStyleCnt="0">
-        <dgm:presLayoutVars>
-          <dgm:dir/>
-          <dgm:resizeHandles val="exact"/>
-        </dgm:presLayoutVars>
-      </dgm:prSet>
-      <dgm:spPr/>
-    </dgm:pt>
-    <dgm:pt modelId="{DE9CE479-E4AE-4283-AEF1-10C1535B4324}" type="pres">
-      <dgm:prSet presAssocID="{40FC4FFE-8987-4A26-B7F4-8A516F18ADAE}" presName="compNode" presStyleCnt="0"/>
-      <dgm:spPr/>
-    </dgm:pt>
-    <dgm:pt modelId="{B59FCF02-CAD2-4D6F-9542-AD86711168CA}" type="pres">
-      <dgm:prSet presAssocID="{40FC4FFE-8987-4A26-B7F4-8A516F18ADAE}" presName="iconBgRect" presStyleLbl="bgShp" presStyleIdx="0" presStyleCnt="3"/>
-      <dgm:spPr/>
-    </dgm:pt>
-    <dgm:pt modelId="{7C175B98-93F4-4D7C-BB95-1514AB879CD5}" type="pres">
-      <dgm:prSet presAssocID="{40FC4FFE-8987-4A26-B7F4-8A516F18ADAE}" presName="iconRect" presStyleLbl="node1" presStyleIdx="0" presStyleCnt="3"/>
-      <dgm:spPr>
-        <a:blipFill>
-          <a:blip xmlns:r="http://schemas.openxmlformats.org/officeDocument/2006/relationships" r:embed="rId1">
-            <a:extLst>
-              <a:ext uri="{28A0092B-C50C-407E-A947-70E740481C1C}">
-                <a14:useLocalDpi xmlns:a14="http://schemas.microsoft.com/office/drawing/2010/main" val="0"/>
-              </a:ext>
-              <a:ext uri="{96DAC541-7B7A-43D3-8B79-37D633B846F1}">
-                <asvg:svgBlip xmlns:asvg="http://schemas.microsoft.com/office/drawing/2016/SVG/main" r:embed="rId2"/>
-              </a:ext>
-            </a:extLst>
-          </a:blip>
-          <a:srcRect/>
-          <a:stretch>
-            <a:fillRect/>
-          </a:stretch>
-        </a:blipFill>
-        <a:ln>
-          <a:noFill/>
-        </a:ln>
-      </dgm:spPr>
-      <dgm:extLst>
-        <a:ext uri="{E40237B7-FDA0-4F09-8148-C483321AD2D9}">
-          <dgm14:cNvPr xmlns:dgm14="http://schemas.microsoft.com/office/drawing/2010/diagram" id="0" name="" descr="Bar graph with downward trend"/>
-        </a:ext>
-      </dgm:extLst>
-    </dgm:pt>
-    <dgm:pt modelId="{677A3090-5F01-43FD-9FA6-C0420AD80FD6}" type="pres">
-      <dgm:prSet presAssocID="{40FC4FFE-8987-4A26-B7F4-8A516F18ADAE}" presName="spaceRect" presStyleCnt="0"/>
-      <dgm:spPr/>
-    </dgm:pt>
-    <dgm:pt modelId="{127117FB-F8A7-4A20-A8A7-EC686DDC76D0}" type="pres">
-      <dgm:prSet presAssocID="{40FC4FFE-8987-4A26-B7F4-8A516F18ADAE}" presName="textRect" presStyleLbl="revTx" presStyleIdx="0" presStyleCnt="3">
-        <dgm:presLayoutVars>
-          <dgm:chMax val="1"/>
-          <dgm:chPref val="1"/>
-        </dgm:presLayoutVars>
-      </dgm:prSet>
-      <dgm:spPr/>
-    </dgm:pt>
-    <dgm:pt modelId="{FD1EED9C-83D3-41AD-A09B-D3B36354168F}" type="pres">
-      <dgm:prSet presAssocID="{5B62599A-5C9B-48E7-896E-EA782AC60C8B}" presName="sibTrans" presStyleCnt="0"/>
-      <dgm:spPr/>
-    </dgm:pt>
-    <dgm:pt modelId="{C998AB0A-577D-44AA-A068-F634DDE7BD47}" type="pres">
-      <dgm:prSet presAssocID="{49225C73-1633-42F1-AB3B-7CB183E5F8B8}" presName="compNode" presStyleCnt="0"/>
-      <dgm:spPr/>
-    </dgm:pt>
-    <dgm:pt modelId="{BCD8CDD9-0C56-4401-ADB1-8B48DAB2C96F}" type="pres">
-      <dgm:prSet presAssocID="{49225C73-1633-42F1-AB3B-7CB183E5F8B8}" presName="iconBgRect" presStyleLbl="bgShp" presStyleIdx="1" presStyleCnt="3"/>
-      <dgm:spPr/>
-    </dgm:pt>
-    <dgm:pt modelId="{DB4CA7C4-FCA1-4127-B20A-2A5C031A3CF4}" type="pres">
-      <dgm:prSet presAssocID="{49225C73-1633-42F1-AB3B-7CB183E5F8B8}" presName="iconRect" presStyleLbl="node1" presStyleIdx="1" presStyleCnt="3"/>
-      <dgm:spPr>
-        <a:blipFill>
-          <a:blip xmlns:r="http://schemas.openxmlformats.org/officeDocument/2006/relationships" r:embed="rId3">
-            <a:extLst>
-              <a:ext uri="{28A0092B-C50C-407E-A947-70E740481C1C}">
-                <a14:useLocalDpi xmlns:a14="http://schemas.microsoft.com/office/drawing/2010/main" val="0"/>
-              </a:ext>
-              <a:ext uri="{96DAC541-7B7A-43D3-8B79-37D633B846F1}">
-                <asvg:svgBlip xmlns:asvg="http://schemas.microsoft.com/office/drawing/2016/SVG/main" r:embed="rId4"/>
-              </a:ext>
-            </a:extLst>
-          </a:blip>
-          <a:srcRect/>
-          <a:stretch>
-            <a:fillRect/>
-          </a:stretch>
-        </a:blipFill>
-        <a:ln>
-          <a:noFill/>
-        </a:ln>
-      </dgm:spPr>
-      <dgm:extLst>
-        <a:ext uri="{E40237B7-FDA0-4F09-8148-C483321AD2D9}">
-          <dgm14:cNvPr xmlns:dgm14="http://schemas.microsoft.com/office/drawing/2010/diagram" id="0" name="" descr="Presentation with bar chart"/>
-        </a:ext>
-      </dgm:extLst>
-    </dgm:pt>
-    <dgm:pt modelId="{9B0C8FBF-0BDD-48A5-967E-F3FE71659F6A}" type="pres">
-      <dgm:prSet presAssocID="{49225C73-1633-42F1-AB3B-7CB183E5F8B8}" presName="spaceRect" presStyleCnt="0"/>
-      <dgm:spPr/>
-    </dgm:pt>
-    <dgm:pt modelId="{7E6FE37A-5DB0-4899-9FCB-0CE39BC185F8}" type="pres">
-      <dgm:prSet presAssocID="{49225C73-1633-42F1-AB3B-7CB183E5F8B8}" presName="textRect" presStyleLbl="revTx" presStyleIdx="1" presStyleCnt="3">
-        <dgm:presLayoutVars>
-          <dgm:chMax val="1"/>
-          <dgm:chPref val="1"/>
-        </dgm:presLayoutVars>
-      </dgm:prSet>
-      <dgm:spPr/>
-    </dgm:pt>
-    <dgm:pt modelId="{5A266296-0042-402F-92EF-D59AB148E92E}" type="pres">
-      <dgm:prSet presAssocID="{9646853A-8964-4519-A5B1-0B7D18B2983D}" presName="sibTrans" presStyleCnt="0"/>
-      <dgm:spPr/>
-    </dgm:pt>
-    <dgm:pt modelId="{ECFA770B-DE2C-4683-A038-58D0FE44BC27}" type="pres">
-      <dgm:prSet presAssocID="{1C383F32-22E8-4F62-A3E0-BDC3D5F48992}" presName="compNode" presStyleCnt="0"/>
-      <dgm:spPr/>
-    </dgm:pt>
-    <dgm:pt modelId="{FF93E135-77D6-48A0-8871-9BC93D705D06}" type="pres">
-      <dgm:prSet presAssocID="{1C383F32-22E8-4F62-A3E0-BDC3D5F48992}" presName="iconBgRect" presStyleLbl="bgShp" presStyleIdx="2" presStyleCnt="3"/>
-      <dgm:spPr/>
-    </dgm:pt>
-    <dgm:pt modelId="{39509775-983E-4110-B989-EE2CD6514BE0}" type="pres">
-      <dgm:prSet presAssocID="{1C383F32-22E8-4F62-A3E0-BDC3D5F48992}" presName="iconRect" presStyleLbl="node1" presStyleIdx="2" presStyleCnt="3"/>
-      <dgm:spPr>
-        <a:blipFill>
-          <a:blip xmlns:r="http://schemas.openxmlformats.org/officeDocument/2006/relationships" r:embed="rId5">
-            <a:extLst>
-              <a:ext uri="{28A0092B-C50C-407E-A947-70E740481C1C}">
-                <a14:useLocalDpi xmlns:a14="http://schemas.microsoft.com/office/drawing/2010/main" val="0"/>
-              </a:ext>
-              <a:ext uri="{96DAC541-7B7A-43D3-8B79-37D633B846F1}">
-                <asvg:svgBlip xmlns:asvg="http://schemas.microsoft.com/office/drawing/2016/SVG/main" r:embed="rId6"/>
-              </a:ext>
-            </a:extLst>
-          </a:blip>
-          <a:srcRect/>
-          <a:stretch>
-            <a:fillRect/>
-          </a:stretch>
-        </a:blipFill>
-        <a:ln>
-          <a:noFill/>
-        </a:ln>
-      </dgm:spPr>
-      <dgm:extLst>
-        <a:ext uri="{E40237B7-FDA0-4F09-8148-C483321AD2D9}">
-          <dgm14:cNvPr xmlns:dgm14="http://schemas.microsoft.com/office/drawing/2010/diagram" id="0" name="" descr="Stopwatch"/>
-        </a:ext>
-      </dgm:extLst>
-    </dgm:pt>
-    <dgm:pt modelId="{493B43B2-705C-4AE5-8A77-D8DEEDA1B5CF}" type="pres">
-      <dgm:prSet presAssocID="{1C383F32-22E8-4F62-A3E0-BDC3D5F48992}" presName="spaceRect" presStyleCnt="0"/>
-      <dgm:spPr/>
-    </dgm:pt>
-    <dgm:pt modelId="{1AEDC777-00B3-41D7-9AE1-23D741E941C3}" type="pres">
-      <dgm:prSet presAssocID="{1C383F32-22E8-4F62-A3E0-BDC3D5F48992}" presName="textRect" presStyleLbl="revTx" presStyleIdx="2" presStyleCnt="3">
-        <dgm:presLayoutVars>
-          <dgm:chMax val="1"/>
-          <dgm:chPref val="1"/>
-        </dgm:presLayoutVars>
-      </dgm:prSet>
-      <dgm:spPr/>
-    </dgm:pt>
-  </dgm:ptLst>
-  <dgm:cxnLst>
-    <dgm:cxn modelId="{A9154303-8225-4248-91DC-1B0156A35F07}" srcId="{01A66772-F185-4D58-B8BB-E9370D7A7A2B}" destId="{49225C73-1633-42F1-AB3B-7CB183E5F8B8}" srcOrd="1" destOrd="0" parTransId="{1A0E2090-1D4F-438A-8766-B6030CE01ADD}" sibTransId="{9646853A-8964-4519-A5B1-0B7D18B2983D}"/>
-    <dgm:cxn modelId="{7A710F69-5154-4855-ACF5-BC7C1BF85A80}" type="presOf" srcId="{49225C73-1633-42F1-AB3B-7CB183E5F8B8}" destId="{7E6FE37A-5DB0-4899-9FCB-0CE39BC185F8}" srcOrd="0" destOrd="0" presId="urn:microsoft.com/office/officeart/2018/5/layout/IconCircleLabelList"/>
-    <dgm:cxn modelId="{C7AD8469-3C68-4AF9-AB82-79B0043AA120}" srcId="{01A66772-F185-4D58-B8BB-E9370D7A7A2B}" destId="{40FC4FFE-8987-4A26-B7F4-8A516F18ADAE}" srcOrd="0" destOrd="0" parTransId="{CAD7EF86-FB23-41F6-BF42-040B36DEFDB1}" sibTransId="{5B62599A-5C9B-48E7-896E-EA782AC60C8B}"/>
-    <dgm:cxn modelId="{676D3A6A-6EA7-4483-BB12-0BD4A7D7AF9D}" type="presOf" srcId="{01A66772-F185-4D58-B8BB-E9370D7A7A2B}" destId="{50B3CE7C-E10B-4E23-BD93-03664997C932}" srcOrd="0" destOrd="0" presId="urn:microsoft.com/office/officeart/2018/5/layout/IconCircleLabelList"/>
-    <dgm:cxn modelId="{1496FC70-DB8B-48D4-98DE-DD2856E389EE}" type="presOf" srcId="{1C383F32-22E8-4F62-A3E0-BDC3D5F48992}" destId="{1AEDC777-00B3-41D7-9AE1-23D741E941C3}" srcOrd="0" destOrd="0" presId="urn:microsoft.com/office/officeart/2018/5/layout/IconCircleLabelList"/>
-    <dgm:cxn modelId="{C4CCE57E-E871-46D6-BAD5-880252C95D22}" srcId="{01A66772-F185-4D58-B8BB-E9370D7A7A2B}" destId="{1C383F32-22E8-4F62-A3E0-BDC3D5F48992}" srcOrd="2" destOrd="0" parTransId="{A7920A2F-3244-4159-AF04-6A1D38B7B317}" sibTransId="{8500F72A-2C6D-4FDF-9C1D-CA691380EB0B}"/>
-    <dgm:cxn modelId="{355227E3-55E0-4343-BC8D-FC0EB1694F48}" type="presOf" srcId="{40FC4FFE-8987-4A26-B7F4-8A516F18ADAE}" destId="{127117FB-F8A7-4A20-A8A7-EC686DDC76D0}" srcOrd="0" destOrd="0" presId="urn:microsoft.com/office/officeart/2018/5/layout/IconCircleLabelList"/>
-    <dgm:cxn modelId="{555498CB-3ED1-404E-A25F-EB243EFC5FB1}" type="presParOf" srcId="{50B3CE7C-E10B-4E23-BD93-03664997C932}" destId="{DE9CE479-E4AE-4283-AEF1-10C1535B4324}" srcOrd="0" destOrd="0" presId="urn:microsoft.com/office/officeart/2018/5/layout/IconCircleLabelList"/>
-    <dgm:cxn modelId="{11F12D49-CD08-4D50-BD13-3ECBC3A476A4}" type="presParOf" srcId="{DE9CE479-E4AE-4283-AEF1-10C1535B4324}" destId="{B59FCF02-CAD2-4D6F-9542-AD86711168CA}" srcOrd="0" destOrd="0" presId="urn:microsoft.com/office/officeart/2018/5/layout/IconCircleLabelList"/>
-    <dgm:cxn modelId="{F443A659-540B-487B-97F9-49219CF60D6B}" type="presParOf" srcId="{DE9CE479-E4AE-4283-AEF1-10C1535B4324}" destId="{7C175B98-93F4-4D7C-BB95-1514AB879CD5}" srcOrd="1" destOrd="0" presId="urn:microsoft.com/office/officeart/2018/5/layout/IconCircleLabelList"/>
-    <dgm:cxn modelId="{A503D7AB-7D64-4163-93B5-1CEEDAE81823}" type="presParOf" srcId="{DE9CE479-E4AE-4283-AEF1-10C1535B4324}" destId="{677A3090-5F01-43FD-9FA6-C0420AD80FD6}" srcOrd="2" destOrd="0" presId="urn:microsoft.com/office/officeart/2018/5/layout/IconCircleLabelList"/>
-    <dgm:cxn modelId="{780188ED-7DCE-45BB-B6AF-91BE48969612}" type="presParOf" srcId="{DE9CE479-E4AE-4283-AEF1-10C1535B4324}" destId="{127117FB-F8A7-4A20-A8A7-EC686DDC76D0}" srcOrd="3" destOrd="0" presId="urn:microsoft.com/office/officeart/2018/5/layout/IconCircleLabelList"/>
-    <dgm:cxn modelId="{155719F8-A89B-4E96-BC49-C48BC717F480}" type="presParOf" srcId="{50B3CE7C-E10B-4E23-BD93-03664997C932}" destId="{FD1EED9C-83D3-41AD-A09B-D3B36354168F}" srcOrd="1" destOrd="0" presId="urn:microsoft.com/office/officeart/2018/5/layout/IconCircleLabelList"/>
-    <dgm:cxn modelId="{2772E199-56B0-4310-A55E-67D00CA3E59E}" type="presParOf" srcId="{50B3CE7C-E10B-4E23-BD93-03664997C932}" destId="{C998AB0A-577D-44AA-A068-F634DDE7BD47}" srcOrd="2" destOrd="0" presId="urn:microsoft.com/office/officeart/2018/5/layout/IconCircleLabelList"/>
-    <dgm:cxn modelId="{4E351D18-D97F-4B92-A608-2E9600B91C28}" type="presParOf" srcId="{C998AB0A-577D-44AA-A068-F634DDE7BD47}" destId="{BCD8CDD9-0C56-4401-ADB1-8B48DAB2C96F}" srcOrd="0" destOrd="0" presId="urn:microsoft.com/office/officeart/2018/5/layout/IconCircleLabelList"/>
-    <dgm:cxn modelId="{B3DC724C-4569-4E9D-BD5A-49E4CD991FD0}" type="presParOf" srcId="{C998AB0A-577D-44AA-A068-F634DDE7BD47}" destId="{DB4CA7C4-FCA1-4127-B20A-2A5C031A3CF4}" srcOrd="1" destOrd="0" presId="urn:microsoft.com/office/officeart/2018/5/layout/IconCircleLabelList"/>
-    <dgm:cxn modelId="{AD1AB552-CCE0-4911-BB9E-5D4A60B21F4F}" type="presParOf" srcId="{C998AB0A-577D-44AA-A068-F634DDE7BD47}" destId="{9B0C8FBF-0BDD-48A5-967E-F3FE71659F6A}" srcOrd="2" destOrd="0" presId="urn:microsoft.com/office/officeart/2018/5/layout/IconCircleLabelList"/>
-    <dgm:cxn modelId="{8558F796-2D01-40FE-A21A-7530EEBC3BC3}" type="presParOf" srcId="{C998AB0A-577D-44AA-A068-F634DDE7BD47}" destId="{7E6FE37A-5DB0-4899-9FCB-0CE39BC185F8}" srcOrd="3" destOrd="0" presId="urn:microsoft.com/office/officeart/2018/5/layout/IconCircleLabelList"/>
-    <dgm:cxn modelId="{1532E2BE-82E9-40A4-A6F7-40B60FC879AE}" type="presParOf" srcId="{50B3CE7C-E10B-4E23-BD93-03664997C932}" destId="{5A266296-0042-402F-92EF-D59AB148E92E}" srcOrd="3" destOrd="0" presId="urn:microsoft.com/office/officeart/2018/5/layout/IconCircleLabelList"/>
-    <dgm:cxn modelId="{3A7F4DB9-1469-4F58-B633-24B7EEE084D1}" type="presParOf" srcId="{50B3CE7C-E10B-4E23-BD93-03664997C932}" destId="{ECFA770B-DE2C-4683-A038-58D0FE44BC27}" srcOrd="4" destOrd="0" presId="urn:microsoft.com/office/officeart/2018/5/layout/IconCircleLabelList"/>
-    <dgm:cxn modelId="{91311827-CDAC-4BA8-B4A3-117AFD1CEE2D}" type="presParOf" srcId="{ECFA770B-DE2C-4683-A038-58D0FE44BC27}" destId="{FF93E135-77D6-48A0-8871-9BC93D705D06}" srcOrd="0" destOrd="0" presId="urn:microsoft.com/office/officeart/2018/5/layout/IconCircleLabelList"/>
-    <dgm:cxn modelId="{83B7CA40-11B7-4507-8422-A40F02D469B2}" type="presParOf" srcId="{ECFA770B-DE2C-4683-A038-58D0FE44BC27}" destId="{39509775-983E-4110-B989-EE2CD6514BE0}" srcOrd="1" destOrd="0" presId="urn:microsoft.com/office/officeart/2018/5/layout/IconCircleLabelList"/>
-    <dgm:cxn modelId="{A44BB251-01EB-4DEF-A28C-6D495183E4DC}" type="presParOf" srcId="{ECFA770B-DE2C-4683-A038-58D0FE44BC27}" destId="{493B43B2-705C-4AE5-8A77-D8DEEDA1B5CF}" srcOrd="2" destOrd="0" presId="urn:microsoft.com/office/officeart/2018/5/layout/IconCircleLabelList"/>
-    <dgm:cxn modelId="{1EFA52DF-3C80-4DAA-BED6-AFE2F81796B2}" type="presParOf" srcId="{ECFA770B-DE2C-4683-A038-58D0FE44BC27}" destId="{1AEDC777-00B3-41D7-9AE1-23D741E941C3}" srcOrd="3" destOrd="0" presId="urn:microsoft.com/office/officeart/2018/5/layout/IconCircleLabelList"/>
-  </dgm:cxnLst>
-  <dgm:bg/>
-  <dgm:whole/>
-  <dgm:extLst>
-    <a:ext uri="http://schemas.microsoft.com/office/drawing/2008/diagram">
-      <dsp:dataModelExt xmlns:dsp="http://schemas.microsoft.com/office/drawing/2008/diagram" relId="rId6" minVer="http://schemas.openxmlformats.org/drawingml/2006/diagram"/>
-    </a:ext>
-  </dgm:extLst>
-</dgm:dataModel>
-</file>
-
-<file path=ppt/diagrams/drawing1.xml><?xml version="1.0" encoding="utf-8"?>
-<dsp:drawing xmlns:dgm="http://schemas.openxmlformats.org/drawingml/2006/diagram" xmlns:dsp="http://schemas.microsoft.com/office/drawing/2008/diagram" xmlns:a="http://schemas.openxmlformats.org/drawingml/2006/main">
-  <dsp:spTree>
-    <dsp:nvGrpSpPr>
-      <dsp:cNvPr id="0" name=""/>
-      <dsp:cNvGrpSpPr/>
-    </dsp:nvGrpSpPr>
-    <dsp:grpSpPr/>
-    <dsp:sp modelId="{B59FCF02-CAD2-4D6F-9542-AD86711168CA}">
-      <dsp:nvSpPr>
-        <dsp:cNvPr id="0" name=""/>
-        <dsp:cNvSpPr/>
-      </dsp:nvSpPr>
-      <dsp:spPr>
-        <a:xfrm>
-          <a:off x="616949" y="310305"/>
-          <a:ext cx="1818562" cy="1818562"/>
-        </a:xfrm>
-        <a:prstGeom prst="ellipse">
-          <a:avLst/>
-        </a:prstGeom>
-        <a:solidFill>
-          <a:schemeClr val="accent2">
-            <a:hueOff val="0"/>
-            <a:satOff val="0"/>
-            <a:lumOff val="0"/>
-            <a:alphaOff val="0"/>
-          </a:schemeClr>
-        </a:solidFill>
-        <a:ln>
-          <a:noFill/>
-        </a:ln>
-        <a:effectLst/>
-      </dsp:spPr>
-      <dsp:style>
-        <a:lnRef idx="0">
-          <a:scrgbClr r="0" g="0" b="0"/>
-        </a:lnRef>
-        <a:fillRef idx="1">
-          <a:scrgbClr r="0" g="0" b="0"/>
-        </a:fillRef>
-        <a:effectRef idx="0">
-          <a:scrgbClr r="0" g="0" b="0"/>
-        </a:effectRef>
-        <a:fontRef idx="minor"/>
-      </dsp:style>
-    </dsp:sp>
-    <dsp:sp modelId="{7C175B98-93F4-4D7C-BB95-1514AB879CD5}">
-      <dsp:nvSpPr>
-        <dsp:cNvPr id="0" name=""/>
-        <dsp:cNvSpPr/>
-      </dsp:nvSpPr>
-      <dsp:spPr>
-        <a:xfrm>
-          <a:off x="1004512" y="697868"/>
-          <a:ext cx="1043437" cy="1043437"/>
-        </a:xfrm>
-        <a:prstGeom prst="rect">
-          <a:avLst/>
-        </a:prstGeom>
-        <a:blipFill>
-          <a:blip xmlns:r="http://schemas.openxmlformats.org/officeDocument/2006/relationships" r:embed="rId1">
-            <a:extLst>
-              <a:ext uri="{28A0092B-C50C-407E-A947-70E740481C1C}">
-                <a14:useLocalDpi xmlns:a14="http://schemas.microsoft.com/office/drawing/2010/main" val="0"/>
-              </a:ext>
-              <a:ext uri="{96DAC541-7B7A-43D3-8B79-37D633B846F1}">
-                <asvg:svgBlip xmlns:asvg="http://schemas.microsoft.com/office/drawing/2016/SVG/main" r:embed="rId2"/>
-              </a:ext>
-            </a:extLst>
-          </a:blip>
-          <a:srcRect/>
-          <a:stretch>
-            <a:fillRect/>
-          </a:stretch>
-        </a:blipFill>
-        <a:ln w="12700" cap="flat" cmpd="sng" algn="ctr">
-          <a:noFill/>
-          <a:prstDash val="solid"/>
-        </a:ln>
-        <a:effectLst/>
-      </dsp:spPr>
-      <dsp:style>
-        <a:lnRef idx="2">
-          <a:scrgbClr r="0" g="0" b="0"/>
-        </a:lnRef>
-        <a:fillRef idx="1">
-          <a:scrgbClr r="0" g="0" b="0"/>
-        </a:fillRef>
-        <a:effectRef idx="0">
-          <a:scrgbClr r="0" g="0" b="0"/>
-        </a:effectRef>
-        <a:fontRef idx="minor">
-          <a:schemeClr val="lt1"/>
-        </a:fontRef>
-      </dsp:style>
-    </dsp:sp>
-    <dsp:sp modelId="{127117FB-F8A7-4A20-A8A7-EC686DDC76D0}">
-      <dsp:nvSpPr>
-        <dsp:cNvPr id="0" name=""/>
-        <dsp:cNvSpPr/>
-      </dsp:nvSpPr>
-      <dsp:spPr>
-        <a:xfrm>
-          <a:off x="35606" y="2695306"/>
-          <a:ext cx="2981250" cy="720000"/>
-        </a:xfrm>
-        <a:prstGeom prst="rect">
-          <a:avLst/>
-        </a:prstGeom>
-        <a:noFill/>
-        <a:ln>
-          <a:noFill/>
-        </a:ln>
-        <a:effectLst/>
-      </dsp:spPr>
-      <dsp:style>
-        <a:lnRef idx="0">
-          <a:scrgbClr r="0" g="0" b="0"/>
-        </a:lnRef>
-        <a:fillRef idx="0">
-          <a:scrgbClr r="0" g="0" b="0"/>
-        </a:fillRef>
-        <a:effectRef idx="0">
-          <a:scrgbClr r="0" g="0" b="0"/>
-        </a:effectRef>
-        <a:fontRef idx="minor"/>
-      </dsp:style>
-      <dsp:txBody>
-        <a:bodyPr spcFirstLastPara="0" vert="horz" wrap="square" lIns="0" tIns="0" rIns="0" bIns="0" numCol="1" spcCol="1270" anchor="t" anchorCtr="0">
-          <a:noAutofit/>
-        </a:bodyPr>
-        <a:lstStyle/>
-        <a:p>
-          <a:pPr marL="0" lvl="0" indent="0" algn="ctr" defTabSz="666750">
-            <a:lnSpc>
-              <a:spcPct val="100000"/>
-            </a:lnSpc>
-            <a:spcBef>
-              <a:spcPct val="0"/>
-            </a:spcBef>
-            <a:spcAft>
-              <a:spcPct val="35000"/>
-            </a:spcAft>
-            <a:buNone/>
-            <a:defRPr cap="all"/>
-          </a:pPr>
-          <a:r>
-            <a:rPr lang="en-US" sz="1500" kern="1200" dirty="0"/>
-            <a:t>Lorem ipsum dolor sit amet, consectetuer adipiscing elit. </a:t>
-          </a:r>
-        </a:p>
-      </dsp:txBody>
-      <dsp:txXfrm>
-        <a:off x="35606" y="2695306"/>
-        <a:ext cx="2981250" cy="720000"/>
-      </dsp:txXfrm>
-    </dsp:sp>
-    <dsp:sp modelId="{BCD8CDD9-0C56-4401-ADB1-8B48DAB2C96F}">
-      <dsp:nvSpPr>
-        <dsp:cNvPr id="0" name=""/>
-        <dsp:cNvSpPr/>
-      </dsp:nvSpPr>
-      <dsp:spPr>
-        <a:xfrm>
-          <a:off x="4119918" y="310305"/>
-          <a:ext cx="1818562" cy="1818562"/>
-        </a:xfrm>
-        <a:prstGeom prst="ellipse">
-          <a:avLst/>
-        </a:prstGeom>
-        <a:solidFill>
-          <a:schemeClr val="accent3">
-            <a:hueOff val="0"/>
-            <a:satOff val="0"/>
-            <a:lumOff val="0"/>
-            <a:alphaOff val="0"/>
-          </a:schemeClr>
-        </a:solidFill>
-        <a:ln>
-          <a:noFill/>
-        </a:ln>
-        <a:effectLst/>
-      </dsp:spPr>
-      <dsp:style>
-        <a:lnRef idx="0">
-          <a:scrgbClr r="0" g="0" b="0"/>
-        </a:lnRef>
-        <a:fillRef idx="1">
-          <a:scrgbClr r="0" g="0" b="0"/>
-        </a:fillRef>
-        <a:effectRef idx="0">
-          <a:scrgbClr r="0" g="0" b="0"/>
-        </a:effectRef>
-        <a:fontRef idx="minor"/>
-      </dsp:style>
-    </dsp:sp>
-    <dsp:sp modelId="{DB4CA7C4-FCA1-4127-B20A-2A5C031A3CF4}">
-      <dsp:nvSpPr>
-        <dsp:cNvPr id="0" name=""/>
-        <dsp:cNvSpPr/>
-      </dsp:nvSpPr>
-      <dsp:spPr>
-        <a:xfrm>
-          <a:off x="4507481" y="697868"/>
-          <a:ext cx="1043437" cy="1043437"/>
-        </a:xfrm>
-        <a:prstGeom prst="rect">
-          <a:avLst/>
-        </a:prstGeom>
-        <a:blipFill>
-          <a:blip xmlns:r="http://schemas.openxmlformats.org/officeDocument/2006/relationships" r:embed="rId3">
-            <a:extLst>
-              <a:ext uri="{28A0092B-C50C-407E-A947-70E740481C1C}">
-                <a14:useLocalDpi xmlns:a14="http://schemas.microsoft.com/office/drawing/2010/main" val="0"/>
-              </a:ext>
-              <a:ext uri="{96DAC541-7B7A-43D3-8B79-37D633B846F1}">
-                <asvg:svgBlip xmlns:asvg="http://schemas.microsoft.com/office/drawing/2016/SVG/main" r:embed="rId4"/>
-              </a:ext>
-            </a:extLst>
-          </a:blip>
-          <a:srcRect/>
-          <a:stretch>
-            <a:fillRect/>
-          </a:stretch>
-        </a:blipFill>
-        <a:ln w="12700" cap="flat" cmpd="sng" algn="ctr">
-          <a:noFill/>
-          <a:prstDash val="solid"/>
-        </a:ln>
-        <a:effectLst/>
-      </dsp:spPr>
-      <dsp:style>
-        <a:lnRef idx="2">
-          <a:scrgbClr r="0" g="0" b="0"/>
-        </a:lnRef>
-        <a:fillRef idx="1">
-          <a:scrgbClr r="0" g="0" b="0"/>
-        </a:fillRef>
-        <a:effectRef idx="0">
-          <a:scrgbClr r="0" g="0" b="0"/>
-        </a:effectRef>
-        <a:fontRef idx="minor">
-          <a:schemeClr val="lt1"/>
-        </a:fontRef>
-      </dsp:style>
-    </dsp:sp>
-    <dsp:sp modelId="{7E6FE37A-5DB0-4899-9FCB-0CE39BC185F8}">
-      <dsp:nvSpPr>
-        <dsp:cNvPr id="0" name=""/>
-        <dsp:cNvSpPr/>
-      </dsp:nvSpPr>
-      <dsp:spPr>
-        <a:xfrm>
-          <a:off x="3538574" y="2695306"/>
-          <a:ext cx="2981250" cy="720000"/>
-        </a:xfrm>
-        <a:prstGeom prst="rect">
-          <a:avLst/>
-        </a:prstGeom>
-        <a:noFill/>
-        <a:ln>
-          <a:noFill/>
-        </a:ln>
-        <a:effectLst/>
-      </dsp:spPr>
-      <dsp:style>
-        <a:lnRef idx="0">
-          <a:scrgbClr r="0" g="0" b="0"/>
-        </a:lnRef>
-        <a:fillRef idx="0">
-          <a:scrgbClr r="0" g="0" b="0"/>
-        </a:fillRef>
-        <a:effectRef idx="0">
-          <a:scrgbClr r="0" g="0" b="0"/>
-        </a:effectRef>
-        <a:fontRef idx="minor"/>
-      </dsp:style>
-      <dsp:txBody>
-        <a:bodyPr spcFirstLastPara="0" vert="horz" wrap="square" lIns="0" tIns="0" rIns="0" bIns="0" numCol="1" spcCol="1270" anchor="t" anchorCtr="0">
-          <a:noAutofit/>
-        </a:bodyPr>
-        <a:lstStyle/>
-        <a:p>
-          <a:pPr marL="0" lvl="0" indent="0" algn="ctr" defTabSz="666750">
-            <a:lnSpc>
-              <a:spcPct val="100000"/>
-            </a:lnSpc>
-            <a:spcBef>
-              <a:spcPct val="0"/>
-            </a:spcBef>
-            <a:spcAft>
-              <a:spcPct val="35000"/>
-            </a:spcAft>
-            <a:buNone/>
-            <a:defRPr cap="all"/>
-          </a:pPr>
-          <a:r>
-            <a:rPr lang="en-US" sz="1500" kern="1200" dirty="0"/>
-            <a:t>Nunc viverra imperdiet enim. Fusce est. Vivamus a tellus.</a:t>
-          </a:r>
-        </a:p>
-      </dsp:txBody>
-      <dsp:txXfrm>
-        <a:off x="3538574" y="2695306"/>
-        <a:ext cx="2981250" cy="720000"/>
-      </dsp:txXfrm>
-    </dsp:sp>
-    <dsp:sp modelId="{FF93E135-77D6-48A0-8871-9BC93D705D06}">
-      <dsp:nvSpPr>
-        <dsp:cNvPr id="0" name=""/>
-        <dsp:cNvSpPr/>
-      </dsp:nvSpPr>
-      <dsp:spPr>
-        <a:xfrm>
-          <a:off x="7622887" y="310305"/>
-          <a:ext cx="1818562" cy="1818562"/>
-        </a:xfrm>
-        <a:prstGeom prst="ellipse">
-          <a:avLst/>
-        </a:prstGeom>
-        <a:solidFill>
-          <a:schemeClr val="accent4">
-            <a:hueOff val="0"/>
-            <a:satOff val="0"/>
-            <a:lumOff val="0"/>
-            <a:alphaOff val="0"/>
-          </a:schemeClr>
-        </a:solidFill>
-        <a:ln>
-          <a:noFill/>
-        </a:ln>
-        <a:effectLst/>
-      </dsp:spPr>
-      <dsp:style>
-        <a:lnRef idx="0">
-          <a:scrgbClr r="0" g="0" b="0"/>
-        </a:lnRef>
-        <a:fillRef idx="1">
-          <a:scrgbClr r="0" g="0" b="0"/>
-        </a:fillRef>
-        <a:effectRef idx="0">
-          <a:scrgbClr r="0" g="0" b="0"/>
-        </a:effectRef>
-        <a:fontRef idx="minor"/>
-      </dsp:style>
-    </dsp:sp>
-    <dsp:sp modelId="{39509775-983E-4110-B989-EE2CD6514BE0}">
-      <dsp:nvSpPr>
-        <dsp:cNvPr id="0" name=""/>
-        <dsp:cNvSpPr/>
-      </dsp:nvSpPr>
-      <dsp:spPr>
-        <a:xfrm>
-          <a:off x="8010450" y="697868"/>
-          <a:ext cx="1043437" cy="1043437"/>
-        </a:xfrm>
-        <a:prstGeom prst="rect">
-          <a:avLst/>
-        </a:prstGeom>
-        <a:blipFill>
-          <a:blip xmlns:r="http://schemas.openxmlformats.org/officeDocument/2006/relationships" r:embed="rId5">
-            <a:extLst>
-              <a:ext uri="{28A0092B-C50C-407E-A947-70E740481C1C}">
-                <a14:useLocalDpi xmlns:a14="http://schemas.microsoft.com/office/drawing/2010/main" val="0"/>
-              </a:ext>
-              <a:ext uri="{96DAC541-7B7A-43D3-8B79-37D633B846F1}">
-                <asvg:svgBlip xmlns:asvg="http://schemas.microsoft.com/office/drawing/2016/SVG/main" r:embed="rId6"/>
-              </a:ext>
-            </a:extLst>
-          </a:blip>
-          <a:srcRect/>
-          <a:stretch>
-            <a:fillRect/>
-          </a:stretch>
-        </a:blipFill>
-        <a:ln w="12700" cap="flat" cmpd="sng" algn="ctr">
-          <a:noFill/>
-          <a:prstDash val="solid"/>
-        </a:ln>
-        <a:effectLst/>
-      </dsp:spPr>
-      <dsp:style>
-        <a:lnRef idx="2">
-          <a:scrgbClr r="0" g="0" b="0"/>
-        </a:lnRef>
-        <a:fillRef idx="1">
-          <a:scrgbClr r="0" g="0" b="0"/>
-        </a:fillRef>
-        <a:effectRef idx="0">
-          <a:scrgbClr r="0" g="0" b="0"/>
-        </a:effectRef>
-        <a:fontRef idx="minor">
-          <a:schemeClr val="lt1"/>
-        </a:fontRef>
-      </dsp:style>
-    </dsp:sp>
-    <dsp:sp modelId="{1AEDC777-00B3-41D7-9AE1-23D741E941C3}">
-      <dsp:nvSpPr>
-        <dsp:cNvPr id="0" name=""/>
-        <dsp:cNvSpPr/>
-      </dsp:nvSpPr>
-      <dsp:spPr>
-        <a:xfrm>
-          <a:off x="7041543" y="2695306"/>
-          <a:ext cx="2981250" cy="720000"/>
-        </a:xfrm>
-        <a:prstGeom prst="rect">
-          <a:avLst/>
-        </a:prstGeom>
-        <a:noFill/>
-        <a:ln>
-          <a:noFill/>
-        </a:ln>
-        <a:effectLst/>
-      </dsp:spPr>
-      <dsp:style>
-        <a:lnRef idx="0">
-          <a:scrgbClr r="0" g="0" b="0"/>
-        </a:lnRef>
-        <a:fillRef idx="0">
-          <a:scrgbClr r="0" g="0" b="0"/>
-        </a:fillRef>
-        <a:effectRef idx="0">
-          <a:scrgbClr r="0" g="0" b="0"/>
-        </a:effectRef>
-        <a:fontRef idx="minor"/>
-      </dsp:style>
-      <dsp:txBody>
-        <a:bodyPr spcFirstLastPara="0" vert="horz" wrap="square" lIns="0" tIns="0" rIns="0" bIns="0" numCol="1" spcCol="1270" anchor="t" anchorCtr="0">
-          <a:noAutofit/>
-        </a:bodyPr>
-        <a:lstStyle/>
-        <a:p>
-          <a:pPr marL="0" lvl="0" indent="0" algn="ctr" defTabSz="666750">
-            <a:lnSpc>
-              <a:spcPct val="100000"/>
-            </a:lnSpc>
-            <a:spcBef>
-              <a:spcPct val="0"/>
-            </a:spcBef>
-            <a:spcAft>
-              <a:spcPct val="35000"/>
-            </a:spcAft>
-            <a:buNone/>
-            <a:defRPr cap="all"/>
-          </a:pPr>
-          <a:r>
-            <a:rPr lang="en-US" sz="1500" kern="1200" dirty="0"/>
-            <a:t>Pellentesque habitant morbi tristique senectus et netus.</a:t>
-          </a:r>
-        </a:p>
-      </dsp:txBody>
-      <dsp:txXfrm>
-        <a:off x="7041543" y="2695306"/>
-        <a:ext cx="2981250" cy="720000"/>
-      </dsp:txXfrm>
-    </dsp:sp>
-  </dsp:spTree>
-</dsp:drawing>
-</file>
-
-<file path=ppt/diagrams/layout1.xml><?xml version="1.0" encoding="utf-8"?>
-<dgm:layoutDef xmlns:dgm="http://schemas.openxmlformats.org/drawingml/2006/diagram" xmlns:a="http://schemas.openxmlformats.org/drawingml/2006/main" uniqueId="urn:microsoft.com/office/officeart/2018/5/layout/IconCircleLabelList">
-  <dgm:title val="Icon Circle Label List"/>
-  <dgm:desc val="Use to show non-sequential or grouped chunks of information accompanied by a related visuals. Works best with icons or small pictures with short text captions."/>
-  <dgm:catLst>
-    <dgm:cat type="icon" pri="500"/>
-  </dgm:catLst>
-  <dgm:sampData useDef="1">
-    <dgm:dataModel>
-      <dgm:ptLst/>
-      <dgm:bg/>
-      <dgm:whole/>
-    </dgm:dataModel>
-  </dgm:sampData>
-  <dgm:styleData useDef="1">
-    <dgm:dataModel>
-      <dgm:ptLst/>
-      <dgm:bg/>
-      <dgm:whole/>
-    </dgm:dataModel>
-  </dgm:styleData>
-  <dgm:clrData useDef="1">
-    <dgm:dataModel>
-      <dgm:ptLst/>
-      <dgm:bg/>
-      <dgm:whole/>
-    </dgm:dataModel>
-  </dgm:clrData>
-  <dgm:layoutNode name="root">
-    <dgm:varLst>
-      <dgm:dir/>
-      <dgm:resizeHandles val="exact"/>
-    </dgm:varLst>
-    <dgm:choose name="Name0">
-      <dgm:if name="Name1" axis="self" func="var" arg="dir" op="equ" val="norm">
-        <dgm:alg type="snake">
-          <dgm:param type="grDir" val="tL"/>
-          <dgm:param type="flowDir" val="row"/>
-          <dgm:param type="contDir" val="sameDir"/>
-          <dgm:param type="off" val="ctr"/>
-          <dgm:param type="vertAlign" val="mid"/>
-          <dgm:param type="horzAlign" val="ctr"/>
-        </dgm:alg>
-      </dgm:if>
-      <dgm:else name="Name2">
-        <dgm:alg type="snake">
-          <dgm:param type="grDir" val="tR"/>
-          <dgm:param type="flowDir" val="row"/>
-          <dgm:param type="contDir" val="sameDir"/>
-          <dgm:param type="off" val="ctr"/>
-          <dgm:param type="vertAlign" val="mid"/>
-          <dgm:param type="horzAlign" val="ctr"/>
-        </dgm:alg>
-      </dgm:else>
-    </dgm:choose>
-    <dgm:shape xmlns:r="http://schemas.openxmlformats.org/officeDocument/2006/relationships" r:blip="">
-      <dgm:adjLst/>
-    </dgm:shape>
-    <dgm:presOf/>
-    <dgm:choose name="Name3">
-      <dgm:if name="Name4" axis="ch" ptType="node" func="cnt" op="lte" val="2">
-        <dgm:constrLst>
-          <dgm:constr type="h" for="ch" forName="compNode" refType="h" fact="0.4"/>
-          <dgm:constr type="w" for="ch" forName="compNode" val="100"/>
-          <dgm:constr type="w" for="ch" forName="sibTrans" refType="w" refFor="ch" refForName="compNode" fact="0.175"/>
-          <dgm:constr type="sp" refType="w" refFor="ch" refForName="compNode" op="equ" fact="0.25"/>
-          <dgm:constr type="primFontSz" for="des" ptType="node" op="equ" val="44"/>
-          <dgm:constr type="h" for="des" forName="compNode" op="equ"/>
-          <dgm:constr type="h" for="des" forName="textRect" op="equ"/>
-        </dgm:constrLst>
-      </dgm:if>
-      <dgm:if name="Name5" axis="ch" ptType="node" func="cnt" op="lte" val="3">
-        <dgm:constrLst>
-          <dgm:constr type="h" for="ch" forName="compNode" refType="h" fact="0.4"/>
-          <dgm:constr type="w" for="ch" forName="compNode" val="100"/>
-          <dgm:constr type="w" for="ch" forName="sibTrans" refType="w" refFor="ch" refForName="compNode" fact="0.175"/>
-          <dgm:constr type="sp" refType="w" refFor="ch" refForName="compNode" op="equ" fact="0.25"/>
-          <dgm:constr type="primFontSz" for="des" ptType="node" op="equ" val="40"/>
-          <dgm:constr type="h" for="des" forName="compNode" op="equ"/>
-          <dgm:constr type="h" for="des" forName="textRect" op="equ"/>
-        </dgm:constrLst>
-      </dgm:if>
-      <dgm:if name="Name6" axis="ch" ptType="node" func="cnt" op="lte" val="4">
-        <dgm:constrLst>
-          <dgm:constr type="h" for="ch" forName="compNode" refType="h" fact="0.4"/>
-          <dgm:constr type="w" for="ch" forName="compNode" refType="w"/>
-          <dgm:constr type="w" for="ch" forName="sibTrans" refType="w" refFor="ch" refForName="compNode" fact="0.175"/>
-          <dgm:constr type="sp" refType="w" refFor="ch" refForName="compNode" op="equ" fact="0.25"/>
-          <dgm:constr type="primFontSz" for="des" ptType="node" op="equ" val="32"/>
-          <dgm:constr type="h" for="des" forName="compNode" op="equ"/>
-          <dgm:constr type="h" for="des" forName="textRect" op="equ"/>
-        </dgm:constrLst>
-      </dgm:if>
-      <dgm:else name="Name7">
-        <dgm:constrLst>
-          <dgm:constr type="h" for="ch" forName="compNode" refType="h" fact="0.4"/>
-          <dgm:constr type="w" for="ch" forName="compNode" refType="w"/>
-          <dgm:constr type="w" for="ch" forName="sibTrans" refType="w" refFor="ch" refForName="compNode" fact="0.175"/>
-          <dgm:constr type="sp" refType="w" refFor="ch" refForName="compNode" op="equ" fact="0.25"/>
-          <dgm:constr type="primFontSz" for="des" ptType="node" op="equ" val="24"/>
-          <dgm:constr type="h" for="des" forName="compNode" op="equ"/>
-          <dgm:constr type="h" for="des" forName="textRect" op="equ"/>
-        </dgm:constrLst>
-      </dgm:else>
-    </dgm:choose>
-    <dgm:ruleLst>
-      <dgm:rule type="w" for="ch" forName="compNode" val="50" fact="NaN" max="NaN"/>
-    </dgm:ruleLst>
-    <dgm:forEach name="Name8" axis="ch" ptType="node">
-      <dgm:layoutNode name="compNode">
-        <dgm:alg type="composite"/>
-        <dgm:shape xmlns:r="http://schemas.openxmlformats.org/officeDocument/2006/relationships" r:blip="">
-          <dgm:adjLst/>
-        </dgm:shape>
-        <dgm:presOf axis="self"/>
-        <dgm:constrLst>
-          <dgm:constr type="w" for="ch" forName="iconBgRect" refType="w" fact="0.61"/>
-          <dgm:constr type="h" for="ch" forName="iconBgRect" refType="w" refFor="ch" refForName="iconBgRect"/>
-          <dgm:constr type="t" for="ch" forName="iconBgRect"/>
-          <dgm:constr type="ctrX" for="ch" forName="iconBgRect" refType="w" fact="0.5"/>
-          <dgm:constr type="w" for="ch" forName="iconRect" refType="w" fact="0.35"/>
-          <dgm:constr type="h" for="ch" forName="iconRect" refType="w" refFor="ch" refForName="iconRect"/>
-          <dgm:constr type="ctrX" for="ch" forName="iconRect" refType="ctrX" refFor="ch" refForName="iconBgRect"/>
-          <dgm:constr type="ctrY" for="ch" forName="iconRect" refType="ctrY" refFor="ch" refForName="iconBgRect"/>
-          <dgm:constr type="h" for="ch" forName="spaceRect" refType="w" fact="0.19"/>
-          <dgm:constr type="w" for="ch" forName="spaceRect" refType="w"/>
-          <dgm:constr type="l" for="ch" forName="spaceRect"/>
-          <dgm:constr type="t" for="ch" forName="spaceRect" refType="b" refFor="ch" refForName="iconBgRect"/>
-          <dgm:constr type="h" for="ch" forName="textRect" val="20"/>
-          <dgm:constr type="w" for="ch" forName="textRect" refType="w"/>
-          <dgm:constr type="l" for="ch" forName="textRect"/>
-          <dgm:constr type="t" for="ch" forName="textRect" refType="b" refFor="ch" refForName="spaceRect"/>
-        </dgm:constrLst>
-        <dgm:ruleLst>
-          <dgm:rule type="h" val="INF" fact="NaN" max="NaN"/>
-        </dgm:ruleLst>
-        <dgm:layoutNode name="iconBgRect" styleLbl="bgShp">
-          <dgm:alg type="sp"/>
-          <dgm:shape xmlns:r="http://schemas.openxmlformats.org/officeDocument/2006/relationships" type="ellipse" r:blip="">
-            <dgm:adjLst/>
-          </dgm:shape>
-          <dgm:presOf/>
-          <dgm:constrLst/>
-          <dgm:ruleLst/>
-        </dgm:layoutNode>
-        <dgm:layoutNode name="iconRect" styleLbl="node1">
-          <dgm:alg type="sp"/>
-          <dgm:shape xmlns:r="http://schemas.openxmlformats.org/officeDocument/2006/relationships" type="rect" r:blip="" blipPhldr="1">
-            <dgm:adjLst/>
-          </dgm:shape>
-          <dgm:presOf/>
-          <dgm:constrLst/>
-          <dgm:ruleLst/>
-        </dgm:layoutNode>
-        <dgm:layoutNode name="spaceRect">
-          <dgm:alg type="sp"/>
-          <dgm:shape xmlns:r="http://schemas.openxmlformats.org/officeDocument/2006/relationships" r:blip="">
-            <dgm:adjLst/>
-          </dgm:shape>
-          <dgm:presOf/>
-          <dgm:constrLst/>
-          <dgm:ruleLst/>
-        </dgm:layoutNode>
-        <dgm:layoutNode name="textRect" styleLbl="revTx">
-          <dgm:varLst>
-            <dgm:chMax val="1"/>
-            <dgm:chPref val="1"/>
-          </dgm:varLst>
-          <dgm:alg type="tx">
-            <dgm:param type="txAnchorVert" val="t"/>
-          </dgm:alg>
-          <dgm:shape xmlns:r="http://schemas.openxmlformats.org/officeDocument/2006/relationships" type="rect" r:blip="">
-            <dgm:adjLst/>
-          </dgm:shape>
-          <dgm:presOf axis="self" ptType="node"/>
-          <dgm:constrLst>
-            <dgm:constr type="lMarg"/>
-            <dgm:constr type="rMarg"/>
-            <dgm:constr type="tMarg"/>
-            <dgm:constr type="bMarg"/>
-          </dgm:constrLst>
-          <dgm:ruleLst>
-            <dgm:rule type="primFontSz" val="11" fact="NaN" max="NaN"/>
-            <dgm:rule type="h" val="INF" fact="NaN" max="NaN"/>
-          </dgm:ruleLst>
-        </dgm:layoutNode>
-      </dgm:layoutNode>
-      <dgm:forEach name="Name9" axis="followSib" ptType="sibTrans" cnt="1">
-        <dgm:layoutNode name="sibTrans">
-          <dgm:alg type="sp"/>
-          <dgm:shape xmlns:r="http://schemas.openxmlformats.org/officeDocument/2006/relationships" r:blip="">
-            <dgm:adjLst/>
-          </dgm:shape>
-          <dgm:presOf axis="self"/>
-          <dgm:constrLst/>
-          <dgm:ruleLst/>
-        </dgm:layoutNode>
-      </dgm:forEach>
-    </dgm:forEach>
-  </dgm:layoutNode>
-  <dgm:extLst>
-    <a:ext uri="{68A01E43-0DF5-4B5B-8FA6-DAF915123BFB}">
-      <dgm1612:lstStyle xmlns:dgm1612="http://schemas.microsoft.com/office/drawing/2016/12/diagram">
-        <a:lvl1pPr>
-          <a:lnSpc>
-            <a:spcPct val="100000"/>
-          </a:lnSpc>
-          <a:defRPr cap="all"/>
-        </a:lvl1pPr>
-      </dgm1612:lstStyle>
-    </a:ext>
-  </dgm:extLst>
-</dgm:layoutDef>
-</file>
-
-<file path=ppt/diagrams/quickStyle1.xml><?xml version="1.0" encoding="utf-8"?>
-<dgm:styleDef xmlns:dgm="http://schemas.openxmlformats.org/drawingml/2006/diagram" xmlns:a="http://schemas.openxmlformats.org/drawingml/2006/main" uniqueId="urn:microsoft.com/office/officeart/2005/8/quickstyle/simple1">
-  <dgm:title val=""/>
-  <dgm:desc val=""/>
-  <dgm:catLst>
-    <dgm:cat type="simple" pri="10100"/>
-  </dgm:catLst>
-  <dgm:scene3d>
-    <a:camera prst="orthographicFront"/>
-    <a:lightRig rig="threePt" dir="t"/>
-  </dgm:scene3d>
-  <dgm:styleLbl name="node0">
-    <dgm:scene3d>
-      <a:camera prst="orthographicFront"/>
-      <a:lightRig rig="threePt" dir="t"/>
-    </dgm:scene3d>
-    <dgm:sp3d/>
-    <dgm:txPr/>
-    <dgm:style>
-      <a:lnRef idx="2">
-        <a:scrgbClr r="0" g="0" b="0"/>
-      </a:lnRef>
-      <a:fillRef idx="1">
-        <a:scrgbClr r="0" g="0" b="0"/>
-      </a:fillRef>
-      <a:effectRef idx="0">
-        <a:scrgbClr r="0" g="0" b="0"/>
-      </a:effectRef>
-      <a:fontRef idx="minor">
-        <a:schemeClr val="lt1"/>
-      </a:fontRef>
-    </dgm:style>
-  </dgm:styleLbl>
-  <dgm:styleLbl name="lnNode1">
-    <dgm:scene3d>
-      <a:camera prst="orthographicFront"/>
-      <a:lightRig rig="threePt" dir="t"/>
-    </dgm:scene3d>
-    <dgm:sp3d/>
-    <dgm:txPr/>
-    <dgm:style>
-      <a:lnRef idx="2">
-        <a:scrgbClr r="0" g="0" b="0"/>
-      </a:lnRef>
-      <a:fillRef idx="1">
-        <a:scrgbClr r="0" g="0" b="0"/>
-      </a:fillRef>
-      <a:effectRef idx="0">
-        <a:scrgbClr r="0" g="0" b="0"/>
-      </a:effectRef>
-      <a:fontRef idx="minor">
-        <a:schemeClr val="lt1"/>
-      </a:fontRef>
-    </dgm:style>
-  </dgm:styleLbl>
-  <dgm:styleLbl name="vennNode1">
-    <dgm:scene3d>
-      <a:camera prst="orthographicFront"/>
-      <a:lightRig rig="threePt" dir="t"/>
-    </dgm:scene3d>
-    <dgm:sp3d/>
-    <dgm:txPr/>
-    <dgm:style>
-      <a:lnRef idx="2">
-        <a:scrgbClr r="0" g="0" b="0"/>
-      </a:lnRef>
-      <a:fillRef idx="1">
-        <a:scrgbClr r="0" g="0" b="0"/>
-      </a:fillRef>
-      <a:effectRef idx="0">
-        <a:scrgbClr r="0" g="0" b="0"/>
-      </a:effectRef>
-      <a:fontRef idx="minor">
-        <a:schemeClr val="tx1"/>
-      </a:fontRef>
-    </dgm:style>
-  </dgm:styleLbl>
-  <dgm:styleLbl name="alignNode1">
-    <dgm:scene3d>
-      <a:camera prst="orthographicFront"/>
-      <a:lightRig rig="threePt" dir="t"/>
-    </dgm:scene3d>
-    <dgm:sp3d/>
-    <dgm:txPr/>
-    <dgm:style>
-      <a:lnRef idx="2">
-        <a:scrgbClr r="0" g="0" b="0"/>
-      </a:lnRef>
-      <a:fillRef idx="1">
-        <a:scrgbClr r="0" g="0" b="0"/>
-      </a:fillRef>
-      <a:effectRef idx="0">
-        <a:scrgbClr r="0" g="0" b="0"/>
-      </a:effectRef>
-      <a:fontRef idx="minor">
-        <a:schemeClr val="lt1"/>
-      </a:fontRef>
-    </dgm:style>
-  </dgm:styleLbl>
-  <dgm:styleLbl name="node1">
-    <dgm:scene3d>
-      <a:camera prst="orthographicFront"/>
-      <a:lightRig rig="threePt" dir="t"/>
-    </dgm:scene3d>
-    <dgm:sp3d/>
-    <dgm:txPr/>
-    <dgm:style>
-      <a:lnRef idx="2">
-        <a:scrgbClr r="0" g="0" b="0"/>
-      </a:lnRef>
-      <a:fillRef idx="1">
-        <a:scrgbClr r="0" g="0" b="0"/>
-      </a:fillRef>
-      <a:effectRef idx="0">
-        <a:scrgbClr r="0" g="0" b="0"/>
-      </a:effectRef>
-      <a:fontRef idx="minor">
-        <a:schemeClr val="lt1"/>
-      </a:fontRef>
-    </dgm:style>
-  </dgm:styleLbl>
-  <dgm:styleLbl name="node2">
-    <dgm:scene3d>
-      <a:camera prst="orthographicFront"/>
-      <a:lightRig rig="threePt" dir="t"/>
-    </dgm:scene3d>
-    <dgm:sp3d/>
-    <dgm:txPr/>
-    <dgm:style>
-      <a:lnRef idx="2">
-        <a:scrgbClr r="0" g="0" b="0"/>
-      </a:lnRef>
-      <a:fillRef idx="1">
-        <a:scrgbClr r="0" g="0" b="0"/>
-      </a:fillRef>
-      <a:effectRef idx="0">
-        <a:scrgbClr r="0" g="0" b="0"/>
-      </a:effectRef>
-      <a:fontRef idx="minor">
-        <a:schemeClr val="lt1"/>
-      </a:fontRef>
-    </dgm:style>
-  </dgm:styleLbl>
-  <dgm:styleLbl name="node3">
-    <dgm:scene3d>
-      <a:camera prst="orthographicFront"/>
-      <a:lightRig rig="threePt" dir="t"/>
-    </dgm:scene3d>
-    <dgm:sp3d/>
-    <dgm:txPr/>
-    <dgm:style>
-      <a:lnRef idx="2">
-        <a:scrgbClr r="0" g="0" b="0"/>
-      </a:lnRef>
-      <a:fillRef idx="1">
-        <a:scrgbClr r="0" g="0" b="0"/>
-      </a:fillRef>
-      <a:effectRef idx="0">
-        <a:scrgbClr r="0" g="0" b="0"/>
-      </a:effectRef>
-      <a:fontRef idx="minor">
-        <a:schemeClr val="lt1"/>
-      </a:fontRef>
-    </dgm:style>
-  </dgm:styleLbl>
-  <dgm:styleLbl name="node4">
-    <dgm:scene3d>
-      <a:camera prst="orthographicFront"/>
-      <a:lightRig rig="threePt" dir="t"/>
-    </dgm:scene3d>
-    <dgm:sp3d/>
-    <dgm:txPr/>
-    <dgm:style>
-      <a:lnRef idx="2">
-        <a:scrgbClr r="0" g="0" b="0"/>
-      </a:lnRef>
-      <a:fillRef idx="1">
-        <a:scrgbClr r="0" g="0" b="0"/>
-      </a:fillRef>
-      <a:effectRef idx="0">
-        <a:scrgbClr r="0" g="0" b="0"/>
-      </a:effectRef>
-      <a:fontRef idx="minor">
-        <a:schemeClr val="lt1"/>
-      </a:fontRef>
-    </dgm:style>
-  </dgm:styleLbl>
-  <dgm:styleLbl name="fgImgPlace1">
-    <dgm:scene3d>
-      <a:camera prst="orthographicFront"/>
-      <a:lightRig rig="threePt" dir="t"/>
-    </dgm:scene3d>
-    <dgm:sp3d/>
-    <dgm:txPr/>
-    <dgm:style>
-      <a:lnRef idx="2">
-        <a:scrgbClr r="0" g="0" b="0"/>
-      </a:lnRef>
-      <a:fillRef idx="1">
-        <a:scrgbClr r="0" g="0" b="0"/>
-      </a:fillRef>
-      <a:effectRef idx="0">
-        <a:scrgbClr r="0" g="0" b="0"/>
-      </a:effectRef>
-      <a:fontRef idx="minor"/>
-    </dgm:style>
-  </dgm:styleLbl>
-  <dgm:styleLbl name="alignImgPlace1">
-    <dgm:scene3d>
-      <a:camera prst="orthographicFront"/>
-      <a:lightRig rig="threePt" dir="t"/>
-    </dgm:scene3d>
-    <dgm:sp3d/>
-    <dgm:txPr/>
-    <dgm:style>
-      <a:lnRef idx="2">
-        <a:scrgbClr r="0" g="0" b="0"/>
-      </a:lnRef>
-      <a:fillRef idx="1">
-        <a:scrgbClr r="0" g="0" b="0"/>
-      </a:fillRef>
-      <a:effectRef idx="0">
-        <a:scrgbClr r="0" g="0" b="0"/>
-      </a:effectRef>
-      <a:fontRef idx="minor"/>
-    </dgm:style>
-  </dgm:styleLbl>
-  <dgm:styleLbl name="bgImgPlace1">
-    <dgm:scene3d>
-      <a:camera prst="orthographicFront"/>
-      <a:lightRig rig="threePt" dir="t"/>
-    </dgm:scene3d>
-    <dgm:sp3d/>
-    <dgm:txPr/>
-    <dgm:style>
-      <a:lnRef idx="2">
-        <a:scrgbClr r="0" g="0" b="0"/>
-      </a:lnRef>
-      <a:fillRef idx="1">
-        <a:scrgbClr r="0" g="0" b="0"/>
-      </a:fillRef>
-      <a:effectRef idx="0">
-        <a:scrgbClr r="0" g="0" b="0"/>
-      </a:effectRef>
-      <a:fontRef idx="minor"/>
-    </dgm:style>
-  </dgm:styleLbl>
-  <dgm:styleLbl name="sibTrans2D1">
-    <dgm:scene3d>
-      <a:camera prst="orthographicFront"/>
-      <a:lightRig rig="threePt" dir="t"/>
-    </dgm:scene3d>
-    <dgm:sp3d/>
-    <dgm:txPr/>
-    <dgm:style>
-      <a:lnRef idx="0">
-        <a:scrgbClr r="0" g="0" b="0"/>
-      </a:lnRef>
-      <a:fillRef idx="1">
-        <a:scrgbClr r="0" g="0" b="0"/>
-      </a:fillRef>
-      <a:effectRef idx="0">
-        <a:scrgbClr r="0" g="0" b="0"/>
-      </a:effectRef>
-      <a:fontRef idx="minor">
-        <a:schemeClr val="lt1"/>
-      </a:fontRef>
-    </dgm:style>
-  </dgm:styleLbl>
-  <dgm:styleLbl name="fgSibTrans2D1">
-    <dgm:scene3d>
-      <a:camera prst="orthographicFront"/>
-      <a:lightRig rig="threePt" dir="t"/>
-    </dgm:scene3d>
-    <dgm:sp3d/>
-    <dgm:txPr/>
-    <dgm:style>
-      <a:lnRef idx="0">
-        <a:scrgbClr r="0" g="0" b="0"/>
-      </a:lnRef>
-      <a:fillRef idx="1">
-        <a:scrgbClr r="0" g="0" b="0"/>
-      </a:fillRef>
-      <a:effectRef idx="0">
-        <a:scrgbClr r="0" g="0" b="0"/>
-      </a:effectRef>
-      <a:fontRef idx="minor">
-        <a:schemeClr val="lt1"/>
-      </a:fontRef>
-    </dgm:style>
-  </dgm:styleLbl>
-  <dgm:styleLbl name="bgSibTrans2D1">
-    <dgm:scene3d>
-      <a:camera prst="orthographicFront"/>
-      <a:lightRig rig="threePt" dir="t"/>
-    </dgm:scene3d>
-    <dgm:sp3d/>
-    <dgm:txPr/>
-    <dgm:style>
-      <a:lnRef idx="0">
-        <a:scrgbClr r="0" g="0" b="0"/>
-      </a:lnRef>
-      <a:fillRef idx="1">
-        <a:scrgbClr r="0" g="0" b="0"/>
-      </a:fillRef>
-      <a:effectRef idx="0">
-        <a:scrgbClr r="0" g="0" b="0"/>
-      </a:effectRef>
-      <a:fontRef idx="minor">
-        <a:schemeClr val="lt1"/>
-      </a:fontRef>
-    </dgm:style>
-  </dgm:styleLbl>
-  <dgm:styleLbl name="sibTrans1D1">
-    <dgm:scene3d>
-      <a:camera prst="orthographicFront"/>
-      <a:lightRig rig="threePt" dir="t"/>
-    </dgm:scene3d>
-    <dgm:sp3d/>
-    <dgm:txPr/>
-    <dgm:style>
-      <a:lnRef idx="1">
-        <a:scrgbClr r="0" g="0" b="0"/>
-      </a:lnRef>
-      <a:fillRef idx="0">
-        <a:scrgbClr r="0" g="0" b="0"/>
-      </a:fillRef>
-      <a:effectRef idx="0">
-        <a:scrgbClr r="0" g="0" b="0"/>
-      </a:effectRef>
-      <a:fontRef idx="minor"/>
-    </dgm:style>
-  </dgm:styleLbl>
-  <dgm:styleLbl name="callout">
-    <dgm:scene3d>
-      <a:camera prst="orthographicFront"/>
-      <a:lightRig rig="threePt" dir="t"/>
-    </dgm:scene3d>
-    <dgm:sp3d/>
-    <dgm:txPr/>
-    <dgm:style>
-      <a:lnRef idx="2">
-        <a:scrgbClr r="0" g="0" b="0"/>
-      </a:lnRef>
-      <a:fillRef idx="1">
-        <a:scrgbClr r="0" g="0" b="0"/>
-      </a:fillRef>
-      <a:effectRef idx="0">
-        <a:scrgbClr r="0" g="0" b="0"/>
-      </a:effectRef>
-      <a:fontRef idx="minor"/>
-    </dgm:style>
-  </dgm:styleLbl>
-  <dgm:styleLbl name="asst0">
-    <dgm:scene3d>
-      <a:camera prst="orthographicFront"/>
-      <a:lightRig rig="threePt" dir="t"/>
-    </dgm:scene3d>
-    <dgm:sp3d/>
-    <dgm:txPr/>
-    <dgm:style>
-      <a:lnRef idx="2">
-        <a:scrgbClr r="0" g="0" b="0"/>
-      </a:lnRef>
-      <a:fillRef idx="1">
-        <a:scrgbClr r="0" g="0" b="0"/>
-      </a:fillRef>
-      <a:effectRef idx="0">
-        <a:scrgbClr r="0" g="0" b="0"/>
-      </a:effectRef>
-      <a:fontRef idx="minor">
-        <a:schemeClr val="lt1"/>
-      </a:fontRef>
-    </dgm:style>
-  </dgm:styleLbl>
-  <dgm:styleLbl name="asst1">
-    <dgm:scene3d>
-      <a:camera prst="orthographicFront"/>
-      <a:lightRig rig="threePt" dir="t"/>
-    </dgm:scene3d>
-    <dgm:sp3d/>
-    <dgm:txPr/>
-    <dgm:style>
-      <a:lnRef idx="2">
-        <a:scrgbClr r="0" g="0" b="0"/>
-      </a:lnRef>
-      <a:fillRef idx="1">
-        <a:scrgbClr r="0" g="0" b="0"/>
-      </a:fillRef>
-      <a:effectRef idx="0">
-        <a:scrgbClr r="0" g="0" b="0"/>
-      </a:effectRef>
-      <a:fontRef idx="minor">
-        <a:schemeClr val="lt1"/>
-      </a:fontRef>
-    </dgm:style>
-  </dgm:styleLbl>
-  <dgm:styleLbl name="asst2">
-    <dgm:scene3d>
-      <a:camera prst="orthographicFront"/>
-      <a:lightRig rig="threePt" dir="t"/>
-    </dgm:scene3d>
-    <dgm:sp3d/>
-    <dgm:txPr/>
-    <dgm:style>
-      <a:lnRef idx="2">
-        <a:scrgbClr r="0" g="0" b="0"/>
-      </a:lnRef>
-      <a:fillRef idx="1">
-        <a:scrgbClr r="0" g="0" b="0"/>
-      </a:fillRef>
-      <a:effectRef idx="0">
-        <a:scrgbClr r="0" g="0" b="0"/>
-      </a:effectRef>
-      <a:fontRef idx="minor">
-        <a:schemeClr val="lt1"/>
-      </a:fontRef>
-    </dgm:style>
-  </dgm:styleLbl>
-  <dgm:styleLbl name="asst3">
-    <dgm:scene3d>
-      <a:camera prst="orthographicFront"/>
-      <a:lightRig rig="threePt" dir="t"/>
-    </dgm:scene3d>
-    <dgm:sp3d/>
-    <dgm:txPr/>
-    <dgm:style>
-      <a:lnRef idx="2">
-        <a:scrgbClr r="0" g="0" b="0"/>
-      </a:lnRef>
-      <a:fillRef idx="1">
-        <a:scrgbClr r="0" g="0" b="0"/>
-      </a:fillRef>
-      <a:effectRef idx="0">
-        <a:scrgbClr r="0" g="0" b="0"/>
-      </a:effectRef>
-      <a:fontRef idx="minor">
-        <a:schemeClr val="lt1"/>
-      </a:fontRef>
-    </dgm:style>
-  </dgm:styleLbl>
-  <dgm:styleLbl name="asst4">
-    <dgm:scene3d>
-      <a:camera prst="orthographicFront"/>
-      <a:lightRig rig="threePt" dir="t"/>
-    </dgm:scene3d>
-    <dgm:sp3d/>
-    <dgm:txPr/>
-    <dgm:style>
-      <a:lnRef idx="2">
-        <a:scrgbClr r="0" g="0" b="0"/>
-      </a:lnRef>
-      <a:fillRef idx="1">
-        <a:scrgbClr r="0" g="0" b="0"/>
-      </a:fillRef>
-      <a:effectRef idx="0">
-        <a:scrgbClr r="0" g="0" b="0"/>
-      </a:effectRef>
-      <a:fontRef idx="minor">
-        <a:schemeClr val="lt1"/>
-      </a:fontRef>
-    </dgm:style>
-  </dgm:styleLbl>
-  <dgm:styleLbl name="parChTrans2D1">
-    <dgm:scene3d>
-      <a:camera prst="orthographicFront"/>
-      <a:lightRig rig="threePt" dir="t"/>
-    </dgm:scene3d>
-    <dgm:sp3d/>
-    <dgm:txPr/>
-    <dgm:style>
-      <a:lnRef idx="2">
-        <a:scrgbClr r="0" g="0" b="0"/>
-      </a:lnRef>
-      <a:fillRef idx="1">
-        <a:scrgbClr r="0" g="0" b="0"/>
-      </a:fillRef>
-      <a:effectRef idx="0">
-        <a:scrgbClr r="0" g="0" b="0"/>
-      </a:effectRef>
-      <a:fontRef idx="minor">
-        <a:schemeClr val="lt1"/>
-      </a:fontRef>
-    </dgm:style>
-  </dgm:styleLbl>
-  <dgm:styleLbl name="parChTrans2D2">
-    <dgm:scene3d>
-      <a:camera prst="orthographicFront"/>
-      <a:lightRig rig="threePt" dir="t"/>
-    </dgm:scene3d>
-    <dgm:sp3d/>
-    <dgm:txPr/>
-    <dgm:style>
-      <a:lnRef idx="2">
-        <a:scrgbClr r="0" g="0" b="0"/>
-      </a:lnRef>
-      <a:fillRef idx="1">
-        <a:scrgbClr r="0" g="0" b="0"/>
-      </a:fillRef>
-      <a:effectRef idx="0">
-        <a:scrgbClr r="0" g="0" b="0"/>
-      </a:effectRef>
-      <a:fontRef idx="minor">
-        <a:schemeClr val="lt1"/>
-      </a:fontRef>
-    </dgm:style>
-  </dgm:styleLbl>
-  <dgm:styleLbl name="parChTrans2D3">
-    <dgm:scene3d>
-      <a:camera prst="orthographicFront"/>
-      <a:lightRig rig="threePt" dir="t"/>
-    </dgm:scene3d>
-    <dgm:sp3d/>
-    <dgm:txPr/>
-    <dgm:style>
-      <a:lnRef idx="2">
-        <a:scrgbClr r="0" g="0" b="0"/>
-      </a:lnRef>
-      <a:fillRef idx="1">
-        <a:scrgbClr r="0" g="0" b="0"/>
-      </a:fillRef>
-      <a:effectRef idx="0">
-        <a:scrgbClr r="0" g="0" b="0"/>
-      </a:effectRef>
-      <a:fontRef idx="minor">
-        <a:schemeClr val="lt1"/>
-      </a:fontRef>
-    </dgm:style>
-  </dgm:styleLbl>
-  <dgm:styleLbl name="parChTrans2D4">
-    <dgm:scene3d>
-      <a:camera prst="orthographicFront"/>
-      <a:lightRig rig="threePt" dir="t"/>
-    </dgm:scene3d>
-    <dgm:sp3d/>
-    <dgm:txPr/>
-    <dgm:style>
-      <a:lnRef idx="2">
-        <a:scrgbClr r="0" g="0" b="0"/>
-      </a:lnRef>
-      <a:fillRef idx="1">
-        <a:scrgbClr r="0" g="0" b="0"/>
-      </a:fillRef>
-      <a:effectRef idx="0">
-        <a:scrgbClr r="0" g="0" b="0"/>
-      </a:effectRef>
-      <a:fontRef idx="minor">
-        <a:schemeClr val="lt1"/>
-      </a:fontRef>
-    </dgm:style>
-  </dgm:styleLbl>
-  <dgm:styleLbl name="parChTrans1D1">
-    <dgm:scene3d>
-      <a:camera prst="orthographicFront"/>
-      <a:lightRig rig="threePt" dir="t"/>
-    </dgm:scene3d>
-    <dgm:sp3d/>
-    <dgm:txPr/>
-    <dgm:style>
-      <a:lnRef idx="2">
-        <a:scrgbClr r="0" g="0" b="0"/>
-      </a:lnRef>
-      <a:fillRef idx="0">
-        <a:scrgbClr r="0" g="0" b="0"/>
-      </a:fillRef>
-      <a:effectRef idx="0">
-        <a:scrgbClr r="0" g="0" b="0"/>
-      </a:effectRef>
-      <a:fontRef idx="minor"/>
-    </dgm:style>
-  </dgm:styleLbl>
-  <dgm:styleLbl name="parChTrans1D2">
-    <dgm:scene3d>
-      <a:camera prst="orthographicFront"/>
-      <a:lightRig rig="threePt" dir="t"/>
-    </dgm:scene3d>
-    <dgm:sp3d/>
-    <dgm:txPr/>
-    <dgm:style>
-      <a:lnRef idx="2">
-        <a:scrgbClr r="0" g="0" b="0"/>
-      </a:lnRef>
-      <a:fillRef idx="0">
-        <a:scrgbClr r="0" g="0" b="0"/>
-      </a:fillRef>
-      <a:effectRef idx="0">
-        <a:scrgbClr r="0" g="0" b="0"/>
-      </a:effectRef>
-      <a:fontRef idx="minor"/>
-    </dgm:style>
-  </dgm:styleLbl>
-  <dgm:styleLbl name="parChTrans1D3">
-    <dgm:scene3d>
-      <a:camera prst="orthographicFront"/>
-      <a:lightRig rig="threePt" dir="t"/>
-    </dgm:scene3d>
-    <dgm:sp3d/>
-    <dgm:txPr/>
-    <dgm:style>
-      <a:lnRef idx="2">
-        <a:scrgbClr r="0" g="0" b="0"/>
-      </a:lnRef>
-      <a:fillRef idx="0">
-        <a:scrgbClr r="0" g="0" b="0"/>
-      </a:fillRef>
-      <a:effectRef idx="0">
-        <a:scrgbClr r="0" g="0" b="0"/>
-      </a:effectRef>
-      <a:fontRef idx="minor"/>
-    </dgm:style>
-  </dgm:styleLbl>
-  <dgm:styleLbl name="parChTrans1D4">
-    <dgm:scene3d>
-      <a:camera prst="orthographicFront"/>
-      <a:lightRig rig="threePt" dir="t"/>
-    </dgm:scene3d>
-    <dgm:sp3d/>
-    <dgm:txPr/>
-    <dgm:style>
-      <a:lnRef idx="2">
-        <a:scrgbClr r="0" g="0" b="0"/>
-      </a:lnRef>
-      <a:fillRef idx="0">
-        <a:scrgbClr r="0" g="0" b="0"/>
-      </a:fillRef>
-      <a:effectRef idx="0">
-        <a:scrgbClr r="0" g="0" b="0"/>
-      </a:effectRef>
-      <a:fontRef idx="minor"/>
-    </dgm:style>
-  </dgm:styleLbl>
-  <dgm:styleLbl name="fgAcc1">
-    <dgm:scene3d>
-      <a:camera prst="orthographicFront"/>
-      <a:lightRig rig="threePt" dir="t"/>
-    </dgm:scene3d>
-    <dgm:sp3d/>
-    <dgm:txPr/>
-    <dgm:style>
-      <a:lnRef idx="2">
-        <a:scrgbClr r="0" g="0" b="0"/>
-      </a:lnRef>
-      <a:fillRef idx="1">
-        <a:scrgbClr r="0" g="0" b="0"/>
-      </a:fillRef>
-      <a:effectRef idx="0">
-        <a:scrgbClr r="0" g="0" b="0"/>
-      </a:effectRef>
-      <a:fontRef idx="minor"/>
-    </dgm:style>
-  </dgm:styleLbl>
-  <dgm:styleLbl name="conFgAcc1">
-    <dgm:scene3d>
-      <a:camera prst="orthographicFront"/>
-      <a:lightRig rig="threePt" dir="t"/>
-    </dgm:scene3d>
-    <dgm:sp3d/>
-    <dgm:txPr/>
-    <dgm:style>
-      <a:lnRef idx="2">
-        <a:scrgbClr r="0" g="0" b="0"/>
-      </a:lnRef>
-      <a:fillRef idx="1">
-        <a:scrgbClr r="0" g="0" b="0"/>
-      </a:fillRef>
-      <a:effectRef idx="0">
-        <a:scrgbClr r="0" g="0" b="0"/>
-      </a:effectRef>
-      <a:fontRef idx="minor"/>
-    </dgm:style>
-  </dgm:styleLbl>
-  <dgm:styleLbl name="alignAcc1">
-    <dgm:scene3d>
-      <a:camera prst="orthographicFront"/>
-      <a:lightRig rig="threePt" dir="t"/>
-    </dgm:scene3d>
-    <dgm:sp3d/>
-    <dgm:txPr/>
-    <dgm:style>
-      <a:lnRef idx="2">
-        <a:scrgbClr r="0" g="0" b="0"/>
-      </a:lnRef>
-      <a:fillRef idx="1">
-        <a:scrgbClr r="0" g="0" b="0"/>
-      </a:fillRef>
-      <a:effectRef idx="0">
-        <a:scrgbClr r="0" g="0" b="0"/>
-      </a:effectRef>
-      <a:fontRef idx="minor"/>
-    </dgm:style>
-  </dgm:styleLbl>
-  <dgm:styleLbl name="trAlignAcc1">
-    <dgm:scene3d>
-      <a:camera prst="orthographicFront"/>
-      <a:lightRig rig="threePt" dir="t"/>
-    </dgm:scene3d>
-    <dgm:sp3d/>
-    <dgm:txPr/>
-    <dgm:style>
-      <a:lnRef idx="1">
-        <a:scrgbClr r="0" g="0" b="0"/>
-      </a:lnRef>
-      <a:fillRef idx="1">
-        <a:scrgbClr r="0" g="0" b="0"/>
-      </a:fillRef>
-      <a:effectRef idx="0">
-        <a:scrgbClr r="0" g="0" b="0"/>
-      </a:effectRef>
-      <a:fontRef idx="minor"/>
-    </dgm:style>
-  </dgm:styleLbl>
-  <dgm:styleLbl name="bgAcc1">
-    <dgm:scene3d>
-      <a:camera prst="orthographicFront"/>
-      <a:lightRig rig="threePt" dir="t"/>
-    </dgm:scene3d>
-    <dgm:sp3d/>
-    <dgm:txPr/>
-    <dgm:style>
-      <a:lnRef idx="2">
-        <a:scrgbClr r="0" g="0" b="0"/>
-      </a:lnRef>
-      <a:fillRef idx="1">
-        <a:scrgbClr r="0" g="0" b="0"/>
-      </a:fillRef>
-      <a:effectRef idx="0">
-        <a:scrgbClr r="0" g="0" b="0"/>
-      </a:effectRef>
-      <a:fontRef idx="minor"/>
-    </dgm:style>
-  </dgm:styleLbl>
-  <dgm:styleLbl name="solidFgAcc1">
-    <dgm:scene3d>
-      <a:camera prst="orthographicFront"/>
-      <a:lightRig rig="threePt" dir="t"/>
-    </dgm:scene3d>
-    <dgm:sp3d/>
-    <dgm:txPr/>
-    <dgm:style>
-      <a:lnRef idx="2">
-        <a:scrgbClr r="0" g="0" b="0"/>
-      </a:lnRef>
-      <a:fillRef idx="1">
-        <a:scrgbClr r="0" g="0" b="0"/>
-      </a:fillRef>
-      <a:effectRef idx="0">
-        <a:scrgbClr r="0" g="0" b="0"/>
-      </a:effectRef>
-      <a:fontRef idx="minor"/>
-    </dgm:style>
-  </dgm:styleLbl>
-  <dgm:styleLbl name="solidAlignAcc1">
-    <dgm:scene3d>
-      <a:camera prst="orthographicFront"/>
-      <a:lightRig rig="threePt" dir="t"/>
-    </dgm:scene3d>
-    <dgm:sp3d/>
-    <dgm:txPr/>
-    <dgm:style>
-      <a:lnRef idx="2">
-        <a:scrgbClr r="0" g="0" b="0"/>
-      </a:lnRef>
-      <a:fillRef idx="1">
-        <a:scrgbClr r="0" g="0" b="0"/>
-      </a:fillRef>
-      <a:effectRef idx="0">
-        <a:scrgbClr r="0" g="0" b="0"/>
-      </a:effectRef>
-      <a:fontRef idx="minor"/>
-    </dgm:style>
-  </dgm:styleLbl>
-  <dgm:styleLbl name="solidBgAcc1">
-    <dgm:scene3d>
-      <a:camera prst="orthographicFront"/>
-      <a:lightRig rig="threePt" dir="t"/>
-    </dgm:scene3d>
-    <dgm:sp3d/>
-    <dgm:txPr/>
-    <dgm:style>
-      <a:lnRef idx="2">
-        <a:scrgbClr r="0" g="0" b="0"/>
-      </a:lnRef>
-      <a:fillRef idx="1">
-        <a:scrgbClr r="0" g="0" b="0"/>
-      </a:fillRef>
-      <a:effectRef idx="0">
-        <a:scrgbClr r="0" g="0" b="0"/>
-      </a:effectRef>
-      <a:fontRef idx="minor"/>
-    </dgm:style>
-  </dgm:styleLbl>
-  <dgm:styleLbl name="fgAccFollowNode1">
-    <dgm:scene3d>
-      <a:camera prst="orthographicFront"/>
-      <a:lightRig rig="threePt" dir="t"/>
-    </dgm:scene3d>
-    <dgm:sp3d/>
-    <dgm:txPr/>
-    <dgm:style>
-      <a:lnRef idx="2">
-        <a:scrgbClr r="0" g="0" b="0"/>
-      </a:lnRef>
-      <a:fillRef idx="1">
-        <a:scrgbClr r="0" g="0" b="0"/>
-      </a:fillRef>
-      <a:effectRef idx="0">
-        <a:scrgbClr r="0" g="0" b="0"/>
-      </a:effectRef>
-      <a:fontRef idx="minor"/>
-    </dgm:style>
-  </dgm:styleLbl>
-  <dgm:styleLbl name="alignAccFollowNode1">
-    <dgm:scene3d>
-      <a:camera prst="orthographicFront"/>
-      <a:lightRig rig="threePt" dir="t"/>
-    </dgm:scene3d>
-    <dgm:sp3d/>
-    <dgm:txPr/>
-    <dgm:style>
-      <a:lnRef idx="2">
-        <a:scrgbClr r="0" g="0" b="0"/>
-      </a:lnRef>
-      <a:fillRef idx="1">
-        <a:scrgbClr r="0" g="0" b="0"/>
-      </a:fillRef>
-      <a:effectRef idx="0">
-        <a:scrgbClr r="0" g="0" b="0"/>
-      </a:effectRef>
-      <a:fontRef idx="minor"/>
-    </dgm:style>
-  </dgm:styleLbl>
-  <dgm:styleLbl name="bgAccFollowNode1">
-    <dgm:scene3d>
-      <a:camera prst="orthographicFront"/>
-      <a:lightRig rig="threePt" dir="t"/>
-    </dgm:scene3d>
-    <dgm:sp3d/>
-    <dgm:txPr/>
-    <dgm:style>
-      <a:lnRef idx="2">
-        <a:scrgbClr r="0" g="0" b="0"/>
-      </a:lnRef>
-      <a:fillRef idx="1">
-        <a:scrgbClr r="0" g="0" b="0"/>
-      </a:fillRef>
-      <a:effectRef idx="0">
-        <a:scrgbClr r="0" g="0" b="0"/>
-      </a:effectRef>
-      <a:fontRef idx="minor"/>
-    </dgm:style>
-  </dgm:styleLbl>
-  <dgm:styleLbl name="fgAcc0">
-    <dgm:scene3d>
-      <a:camera prst="orthographicFront"/>
-      <a:lightRig rig="threePt" dir="t"/>
-    </dgm:scene3d>
-    <dgm:sp3d/>
-    <dgm:txPr/>
-    <dgm:style>
-      <a:lnRef idx="2">
-        <a:scrgbClr r="0" g="0" b="0"/>
-      </a:lnRef>
-      <a:fillRef idx="1">
-        <a:scrgbClr r="0" g="0" b="0"/>
-      </a:fillRef>
-      <a:effectRef idx="0">
-        <a:scrgbClr r="0" g="0" b="0"/>
-      </a:effectRef>
-      <a:fontRef idx="minor"/>
-    </dgm:style>
-  </dgm:styleLbl>
-  <dgm:styleLbl name="fgAcc2">
-    <dgm:scene3d>
-      <a:camera prst="orthographicFront"/>
-      <a:lightRig rig="threePt" dir="t"/>
-    </dgm:scene3d>
-    <dgm:sp3d/>
-    <dgm:txPr/>
-    <dgm:style>
-      <a:lnRef idx="2">
-        <a:scrgbClr r="0" g="0" b="0"/>
-      </a:lnRef>
-      <a:fillRef idx="1">
-        <a:scrgbClr r="0" g="0" b="0"/>
-      </a:fillRef>
-      <a:effectRef idx="0">
-        <a:scrgbClr r="0" g="0" b="0"/>
-      </a:effectRef>
-      <a:fontRef idx="minor"/>
-    </dgm:style>
-  </dgm:styleLbl>
-  <dgm:styleLbl name="fgAcc3">
-    <dgm:scene3d>
-      <a:camera prst="orthographicFront"/>
-      <a:lightRig rig="threePt" dir="t"/>
-    </dgm:scene3d>
-    <dgm:sp3d/>
-    <dgm:txPr/>
-    <dgm:style>
-      <a:lnRef idx="2">
-        <a:scrgbClr r="0" g="0" b="0"/>
-      </a:lnRef>
-      <a:fillRef idx="1">
-        <a:scrgbClr r="0" g="0" b="0"/>
-      </a:fillRef>
-      <a:effectRef idx="0">
-        <a:scrgbClr r="0" g="0" b="0"/>
-      </a:effectRef>
-      <a:fontRef idx="minor"/>
-    </dgm:style>
-  </dgm:styleLbl>
-  <dgm:styleLbl name="fgAcc4">
-    <dgm:scene3d>
-      <a:camera prst="orthographicFront"/>
-      <a:lightRig rig="threePt" dir="t"/>
-    </dgm:scene3d>
-    <dgm:sp3d/>
-    <dgm:txPr/>
-    <dgm:style>
-      <a:lnRef idx="2">
-        <a:scrgbClr r="0" g="0" b="0"/>
-      </a:lnRef>
-      <a:fillRef idx="1">
-        <a:scrgbClr r="0" g="0" b="0"/>
-      </a:fillRef>
-      <a:effectRef idx="0">
-        <a:scrgbClr r="0" g="0" b="0"/>
-      </a:effectRef>
-      <a:fontRef idx="minor"/>
-    </dgm:style>
-  </dgm:styleLbl>
-  <dgm:styleLbl name="bgShp">
-    <dgm:scene3d>
-      <a:camera prst="orthographicFront"/>
-      <a:lightRig rig="threePt" dir="t"/>
-    </dgm:scene3d>
-    <dgm:sp3d/>
-    <dgm:txPr/>
-    <dgm:style>
-      <a:lnRef idx="0">
-        <a:scrgbClr r="0" g="0" b="0"/>
-      </a:lnRef>
-      <a:fillRef idx="1">
-        <a:scrgbClr r="0" g="0" b="0"/>
-      </a:fillRef>
-      <a:effectRef idx="0">
-        <a:scrgbClr r="0" g="0" b="0"/>
-      </a:effectRef>
-      <a:fontRef idx="minor"/>
-    </dgm:style>
-  </dgm:styleLbl>
-  <dgm:styleLbl name="dkBgShp">
-    <dgm:scene3d>
-      <a:camera prst="orthographicFront"/>
-      <a:lightRig rig="threePt" dir="t"/>
-    </dgm:scene3d>
-    <dgm:sp3d/>
-    <dgm:txPr/>
-    <dgm:style>
-      <a:lnRef idx="0">
-        <a:scrgbClr r="0" g="0" b="0"/>
-      </a:lnRef>
-      <a:fillRef idx="1">
-        <a:scrgbClr r="0" g="0" b="0"/>
-      </a:fillRef>
-      <a:effectRef idx="0">
-        <a:scrgbClr r="0" g="0" b="0"/>
-      </a:effectRef>
-      <a:fontRef idx="minor"/>
-    </dgm:style>
-  </dgm:styleLbl>
-  <dgm:styleLbl name="trBgShp">
-    <dgm:scene3d>
-      <a:camera prst="orthographicFront"/>
-      <a:lightRig rig="threePt" dir="t"/>
-    </dgm:scene3d>
-    <dgm:sp3d/>
-    <dgm:txPr/>
-    <dgm:style>
-      <a:lnRef idx="0">
-        <a:scrgbClr r="0" g="0" b="0"/>
-      </a:lnRef>
-      <a:fillRef idx="1">
-        <a:scrgbClr r="0" g="0" b="0"/>
-      </a:fillRef>
-      <a:effectRef idx="0">
-        <a:scrgbClr r="0" g="0" b="0"/>
-      </a:effectRef>
-      <a:fontRef idx="minor"/>
-    </dgm:style>
-  </dgm:styleLbl>
-  <dgm:styleLbl name="fgShp">
-    <dgm:scene3d>
-      <a:camera prst="orthographicFront"/>
-      <a:lightRig rig="threePt" dir="t"/>
-    </dgm:scene3d>
-    <dgm:sp3d/>
-    <dgm:txPr/>
-    <dgm:style>
-      <a:lnRef idx="2">
-        <a:scrgbClr r="0" g="0" b="0"/>
-      </a:lnRef>
-      <a:fillRef idx="1">
-        <a:scrgbClr r="0" g="0" b="0"/>
-      </a:fillRef>
-      <a:effectRef idx="0">
-        <a:scrgbClr r="0" g="0" b="0"/>
-      </a:effectRef>
-      <a:fontRef idx="minor"/>
-    </dgm:style>
-  </dgm:styleLbl>
-  <dgm:styleLbl name="revTx">
-    <dgm:scene3d>
-      <a:camera prst="orthographicFront"/>
-      <a:lightRig rig="threePt" dir="t"/>
-    </dgm:scene3d>
-    <dgm:sp3d/>
-    <dgm:txPr/>
-    <dgm:style>
-      <a:lnRef idx="0">
-        <a:scrgbClr r="0" g="0" b="0"/>
-      </a:lnRef>
-      <a:fillRef idx="0">
-        <a:scrgbClr r="0" g="0" b="0"/>
-      </a:fillRef>
-      <a:effectRef idx="0">
-        <a:scrgbClr r="0" g="0" b="0"/>
-      </a:effectRef>
-      <a:fontRef idx="minor"/>
-    </dgm:style>
-  </dgm:styleLbl>
-</dgm:styleDef>
 </file>
 
 <file path=ppt/slideLayouts/slideLayout1.xml><?xml version="1.0" encoding="utf-8"?>
@@ -3569,7 +590,7 @@
           <a:p>
             <a:fld id="{EA0C0817-A112-4847-8014-A94B7D2A4EA3}" type="datetime1">
               <a:rPr lang="en-US" smtClean="0"/>
-              <a:t>10/26/2021</a:t>
+              <a:t>10/27/2021</a:t>
             </a:fld>
             <a:endParaRPr lang="en-US" dirty="0"/>
           </a:p>
@@ -3771,7 +792,7 @@
           <a:p>
             <a:fld id="{7332B432-ACDA-4023-A761-2BAB76577B62}" type="datetime1">
               <a:rPr lang="en-US" smtClean="0"/>
-              <a:t>10/26/2021</a:t>
+              <a:t>10/27/2021</a:t>
             </a:fld>
             <a:endParaRPr lang="en-US" dirty="0"/>
           </a:p>
@@ -4370,7 +1391,7 @@
           <a:p>
             <a:fld id="{D9C646AA-F36E-4540-911D-FFFC0A0EF24A}" type="datetime1">
               <a:rPr lang="en-US" smtClean="0"/>
-              <a:t>10/26/2021</a:t>
+              <a:t>10/27/2021</a:t>
             </a:fld>
             <a:endParaRPr lang="en-US" dirty="0"/>
           </a:p>
@@ -4690,7 +1711,7 @@
           <a:p>
             <a:fld id="{69186D26-FA5F-4637-B602-B7C2DC34CFD4}" type="datetime1">
               <a:rPr lang="en-US" smtClean="0"/>
-              <a:t>10/26/2021</a:t>
+              <a:t>10/27/2021</a:t>
             </a:fld>
             <a:endParaRPr lang="en-US" dirty="0"/>
           </a:p>
@@ -5127,7 +2148,7 @@
           <a:p>
             <a:fld id="{8A7F15D8-96D1-4781-BC50-CA8A088B2FE4}" type="datetime1">
               <a:rPr lang="en-US" smtClean="0"/>
-              <a:t>10/26/2021</a:t>
+              <a:t>10/27/2021</a:t>
             </a:fld>
             <a:endParaRPr lang="en-US" dirty="0"/>
           </a:p>
@@ -5245,7 +2266,7 @@
           <a:p>
             <a:fld id="{F9A96C99-B8F8-4528-BD05-0E16E943DC09}" type="datetime1">
               <a:rPr lang="en-US" smtClean="0"/>
-              <a:t>10/26/2021</a:t>
+              <a:t>10/27/2021</a:t>
             </a:fld>
             <a:endParaRPr lang="en-US" dirty="0"/>
           </a:p>
@@ -5340,7 +2361,7 @@
           <a:p>
             <a:fld id="{03636942-C211-4B28-8DBD-C953E00AF71B}" type="datetime1">
               <a:rPr lang="en-US" smtClean="0"/>
-              <a:t>10/26/2021</a:t>
+              <a:t>10/27/2021</a:t>
             </a:fld>
             <a:endParaRPr lang="en-US" dirty="0"/>
           </a:p>
@@ -5757,7 +2778,7 @@
           <a:p>
             <a:fld id="{7E8D12A6-918A-48BD-8CB9-CA713993B0EA}" type="datetime1">
               <a:rPr lang="en-US" smtClean="0"/>
-              <a:t>10/26/2021</a:t>
+              <a:t>10/27/2021</a:t>
             </a:fld>
             <a:endParaRPr lang="en-US" dirty="0"/>
           </a:p>
@@ -6019,7 +3040,7 @@
             <a:fld id="{E778CE86-875F-4587-BCF6-FA054AFC0D53}" type="datetime1">
               <a:rPr lang="en-US" smtClean="0"/>
               <a:pPr/>
-              <a:t>10/26/2021</a:t>
+              <a:t>10/27/2021</a:t>
             </a:fld>
             <a:endParaRPr lang="en-US" dirty="0"/>
           </a:p>
@@ -6535,7 +3556,7 @@
           <a:p>
             <a:fld id="{F6FA2B21-3FCD-4721-B95C-427943F61125}" type="datetime1">
               <a:rPr lang="en-US" smtClean="0"/>
-              <a:t>10/26/2021</a:t>
+              <a:t>10/27/2021</a:t>
             </a:fld>
             <a:endParaRPr lang="en-US" dirty="0"/>
           </a:p>
@@ -7328,292 +4349,6 @@
 </p:sld>
 </file>
 
-<file path=ppt/slides/slide11.xml><?xml version="1.0" encoding="utf-8"?>
-<p:sld xmlns:a="http://schemas.openxmlformats.org/drawingml/2006/main" xmlns:r="http://schemas.openxmlformats.org/officeDocument/2006/relationships" xmlns:p="http://schemas.openxmlformats.org/presentationml/2006/main">
-  <p:cSld>
-    <p:spTree>
-      <p:nvGrpSpPr>
-        <p:cNvPr id="1" name=""/>
-        <p:cNvGrpSpPr/>
-        <p:nvPr/>
-      </p:nvGrpSpPr>
-      <p:grpSpPr>
-        <a:xfrm>
-          <a:off x="0" y="0"/>
-          <a:ext cx="0" cy="0"/>
-          <a:chOff x="0" y="0"/>
-          <a:chExt cx="0" cy="0"/>
-        </a:xfrm>
-      </p:grpSpPr>
-      <p:sp>
-        <p:nvSpPr>
-          <p:cNvPr id="2" name="Title 1">
-            <a:extLst>
-              <a:ext uri="{FF2B5EF4-FFF2-40B4-BE49-F238E27FC236}">
-                <a16:creationId xmlns:a16="http://schemas.microsoft.com/office/drawing/2014/main" id="{EA03B14B-4451-4FAE-9BA0-EF99808925A1}"/>
-              </a:ext>
-            </a:extLst>
-          </p:cNvPr>
-          <p:cNvSpPr>
-            <a:spLocks noGrp="1"/>
-          </p:cNvSpPr>
-          <p:nvPr>
-            <p:ph type="title"/>
-          </p:nvPr>
-        </p:nvSpPr>
-        <p:spPr/>
-        <p:txBody>
-          <a:bodyPr/>
-          <a:lstStyle/>
-          <a:p>
-            <a:r>
-              <a:rPr lang="en-US" dirty="0"/>
-              <a:t>Our Recommendations</a:t>
-            </a:r>
-          </a:p>
-        </p:txBody>
-      </p:sp>
-      <p:sp>
-        <p:nvSpPr>
-          <p:cNvPr id="3" name="Text Placeholder 2">
-            <a:extLst>
-              <a:ext uri="{FF2B5EF4-FFF2-40B4-BE49-F238E27FC236}">
-                <a16:creationId xmlns:a16="http://schemas.microsoft.com/office/drawing/2014/main" id="{7C9F4298-8428-4A0D-BD4C-DDAD67337667}"/>
-              </a:ext>
-            </a:extLst>
-          </p:cNvPr>
-          <p:cNvSpPr>
-            <a:spLocks noGrp="1"/>
-          </p:cNvSpPr>
-          <p:nvPr>
-            <p:ph type="body" idx="1"/>
-          </p:nvPr>
-        </p:nvSpPr>
-        <p:spPr/>
-        <p:txBody>
-          <a:bodyPr/>
-          <a:lstStyle/>
-          <a:p>
-            <a:endParaRPr lang="en-US"/>
-          </a:p>
-        </p:txBody>
-      </p:sp>
-    </p:spTree>
-    <p:extLst>
-      <p:ext uri="{BB962C8B-B14F-4D97-AF65-F5344CB8AC3E}">
-        <p14:creationId xmlns:p14="http://schemas.microsoft.com/office/powerpoint/2010/main" val="1575767602"/>
-      </p:ext>
-    </p:extLst>
-  </p:cSld>
-  <p:clrMapOvr>
-    <a:masterClrMapping/>
-  </p:clrMapOvr>
-</p:sld>
-</file>
-
-<file path=ppt/slides/slide12.xml><?xml version="1.0" encoding="utf-8"?>
-<p:sld xmlns:a="http://schemas.openxmlformats.org/drawingml/2006/main" xmlns:r="http://schemas.openxmlformats.org/officeDocument/2006/relationships" xmlns:p="http://schemas.openxmlformats.org/presentationml/2006/main">
-  <p:cSld>
-    <p:spTree>
-      <p:nvGrpSpPr>
-        <p:cNvPr id="1" name=""/>
-        <p:cNvGrpSpPr/>
-        <p:nvPr/>
-      </p:nvGrpSpPr>
-      <p:grpSpPr>
-        <a:xfrm>
-          <a:off x="0" y="0"/>
-          <a:ext cx="0" cy="0"/>
-          <a:chOff x="0" y="0"/>
-          <a:chExt cx="0" cy="0"/>
-        </a:xfrm>
-      </p:grpSpPr>
-      <p:sp>
-        <p:nvSpPr>
-          <p:cNvPr id="2" name="Title 1">
-            <a:extLst>
-              <a:ext uri="{FF2B5EF4-FFF2-40B4-BE49-F238E27FC236}">
-                <a16:creationId xmlns:a16="http://schemas.microsoft.com/office/drawing/2014/main" id="{DC0B846D-FDBA-4522-AB60-25752B5EE63B}"/>
-              </a:ext>
-            </a:extLst>
-          </p:cNvPr>
-          <p:cNvSpPr>
-            <a:spLocks noGrp="1"/>
-          </p:cNvSpPr>
-          <p:nvPr>
-            <p:ph type="title"/>
-          </p:nvPr>
-        </p:nvSpPr>
-        <p:spPr/>
-        <p:txBody>
-          <a:bodyPr/>
-          <a:lstStyle/>
-          <a:p>
-            <a:r>
-              <a:rPr lang="en-US" dirty="0"/>
-              <a:t>Recommendations</a:t>
-            </a:r>
-          </a:p>
-        </p:txBody>
-      </p:sp>
-      <p:sp>
-        <p:nvSpPr>
-          <p:cNvPr id="3" name="Content Placeholder 2">
-            <a:extLst>
-              <a:ext uri="{FF2B5EF4-FFF2-40B4-BE49-F238E27FC236}">
-                <a16:creationId xmlns:a16="http://schemas.microsoft.com/office/drawing/2014/main" id="{4BB3D904-88A8-427C-A685-EE955EA72FB7}"/>
-              </a:ext>
-            </a:extLst>
-          </p:cNvPr>
-          <p:cNvSpPr>
-            <a:spLocks noGrp="1"/>
-          </p:cNvSpPr>
-          <p:nvPr>
-            <p:ph idx="1"/>
-          </p:nvPr>
-        </p:nvSpPr>
-        <p:spPr/>
-        <p:txBody>
-          <a:bodyPr/>
-          <a:lstStyle/>
-          <a:p>
-            <a:r>
-              <a:rPr lang="en-US" dirty="0"/>
-              <a:t>Ads for scooters or “Grand Opening”</a:t>
-            </a:r>
-          </a:p>
-          <a:p>
-            <a:r>
-              <a:rPr lang="en-US" dirty="0"/>
-              <a:t>Match scooters with bus stops [Stationary &amp; Trip Data Folium Map]</a:t>
-            </a:r>
-          </a:p>
-          <a:p>
-            <a:pPr marL="0" indent="0">
-              <a:buNone/>
-            </a:pPr>
-            <a:endParaRPr lang="en-US" dirty="0"/>
-          </a:p>
-        </p:txBody>
-      </p:sp>
-    </p:spTree>
-    <p:extLst>
-      <p:ext uri="{BB962C8B-B14F-4D97-AF65-F5344CB8AC3E}">
-        <p14:creationId xmlns:p14="http://schemas.microsoft.com/office/powerpoint/2010/main" val="1384940189"/>
-      </p:ext>
-    </p:extLst>
-  </p:cSld>
-  <p:clrMapOvr>
-    <a:masterClrMapping/>
-  </p:clrMapOvr>
-</p:sld>
-</file>
-
-<file path=ppt/slides/slide13.xml><?xml version="1.0" encoding="utf-8"?>
-<p:sld xmlns:a="http://schemas.openxmlformats.org/drawingml/2006/main" xmlns:r="http://schemas.openxmlformats.org/officeDocument/2006/relationships" xmlns:p="http://schemas.openxmlformats.org/presentationml/2006/main">
-  <p:cSld>
-    <p:bg>
-      <p:bgPr>
-        <a:solidFill>
-          <a:schemeClr val="bg1"/>
-        </a:solidFill>
-        <a:effectLst/>
-      </p:bgPr>
-    </p:bg>
-    <p:spTree>
-      <p:nvGrpSpPr>
-        <p:cNvPr id="1" name=""/>
-        <p:cNvGrpSpPr/>
-        <p:nvPr/>
-      </p:nvGrpSpPr>
-      <p:grpSpPr>
-        <a:xfrm>
-          <a:off x="0" y="0"/>
-          <a:ext cx="0" cy="0"/>
-          <a:chOff x="0" y="0"/>
-          <a:chExt cx="0" cy="0"/>
-        </a:xfrm>
-      </p:grpSpPr>
-      <p:sp>
-        <p:nvSpPr>
-          <p:cNvPr id="2" name="Title 1">
-            <a:extLst>
-              <a:ext uri="{FF2B5EF4-FFF2-40B4-BE49-F238E27FC236}">
-                <a16:creationId xmlns:a16="http://schemas.microsoft.com/office/drawing/2014/main" id="{7A4919D0-F177-4BBA-9A0B-DBA69E2ED764}"/>
-              </a:ext>
-            </a:extLst>
-          </p:cNvPr>
-          <p:cNvSpPr>
-            <a:spLocks noGrp="1"/>
-          </p:cNvSpPr>
-          <p:nvPr>
-            <p:ph type="title"/>
-          </p:nvPr>
-        </p:nvSpPr>
-        <p:spPr>
-          <a:xfrm>
-            <a:off x="1066800" y="642594"/>
-            <a:ext cx="10058400" cy="1371600"/>
-          </a:xfrm>
-        </p:spPr>
-        <p:txBody>
-          <a:bodyPr>
-            <a:normAutofit/>
-          </a:bodyPr>
-          <a:lstStyle/>
-          <a:p>
-            <a:pPr algn="ctr"/>
-            <a:r>
-              <a:rPr lang="en-US" dirty="0"/>
-              <a:t>Title Lorem Ipsum </a:t>
-            </a:r>
-          </a:p>
-        </p:txBody>
-      </p:sp>
-      <p:graphicFrame>
-        <p:nvGraphicFramePr>
-          <p:cNvPr id="5" name="Content Placeholder 2" descr="SmartArt graphic">
-            <a:extLst>
-              <a:ext uri="{FF2B5EF4-FFF2-40B4-BE49-F238E27FC236}">
-                <a16:creationId xmlns:a16="http://schemas.microsoft.com/office/drawing/2014/main" id="{91DB1382-7276-49FA-9632-38D558F457E3}"/>
-              </a:ext>
-            </a:extLst>
-          </p:cNvPr>
-          <p:cNvGraphicFramePr>
-            <a:graphicFrameLocks noGrp="1"/>
-          </p:cNvGraphicFramePr>
-          <p:nvPr>
-            <p:ph idx="1"/>
-            <p:extLst>
-              <p:ext uri="{D42A27DB-BD31-4B8C-83A1-F6EECF244321}">
-                <p14:modId xmlns:p14="http://schemas.microsoft.com/office/powerpoint/2010/main" val="3617019551"/>
-              </p:ext>
-            </p:extLst>
-          </p:nvPr>
-        </p:nvGraphicFramePr>
-        <p:xfrm>
-          <a:off x="1066800" y="2310063"/>
-          <a:ext cx="10058400" cy="3725612"/>
-        </p:xfrm>
-        <a:graphic>
-          <a:graphicData uri="http://schemas.openxmlformats.org/drawingml/2006/diagram">
-            <dgm:relIds xmlns:dgm="http://schemas.openxmlformats.org/drawingml/2006/diagram" xmlns:r="http://schemas.openxmlformats.org/officeDocument/2006/relationships" r:dm="rId2" r:lo="rId3" r:qs="rId4" r:cs="rId5"/>
-          </a:graphicData>
-        </a:graphic>
-      </p:graphicFrame>
-    </p:spTree>
-    <p:extLst>
-      <p:ext uri="{BB962C8B-B14F-4D97-AF65-F5344CB8AC3E}">
-        <p14:creationId xmlns:p14="http://schemas.microsoft.com/office/powerpoint/2010/main" val="183243182"/>
-      </p:ext>
-    </p:extLst>
-  </p:cSld>
-  <p:clrMapOvr>
-    <a:masterClrMapping/>
-  </p:clrMapOvr>
-</p:sld>
-</file>
-
 <file path=ppt/slides/slide2.xml><?xml version="1.0" encoding="utf-8"?>
 <p:sld xmlns:a="http://schemas.openxmlformats.org/drawingml/2006/main" xmlns:r="http://schemas.openxmlformats.org/officeDocument/2006/relationships" xmlns:p="http://schemas.openxmlformats.org/presentationml/2006/main">
   <p:cSld>
@@ -7872,6 +4607,17 @@
             </a:r>
           </a:p>
           <a:p>
+            <a:pPr lvl="1"/>
+            <a:r>
+              <a:rPr lang="en-US" dirty="0"/>
+              <a:t>Bar chart of Count of Scooters by Company by Month</a:t>
+            </a:r>
+          </a:p>
+          <a:p>
+            <a:pPr lvl="1"/>
+            <a:endParaRPr lang="en-US" dirty="0"/>
+          </a:p>
+          <a:p>
             <a:r>
               <a:rPr lang="en-US" dirty="0"/>
               <a:t>Work with companies that have lower percentages of Scooters</a:t>
@@ -7880,6 +4626,12 @@
           <a:p>
             <a:r>
               <a:rPr lang="en-US" dirty="0"/>
+              <a:t>Ads for scooters or “Grand Opening”</a:t>
+            </a:r>
+          </a:p>
+          <a:p>
+            <a:r>
+              <a:rPr lang="en-US" dirty="0"/>
               <a:t>Incentives for lesser known companies to be last mile solutions</a:t>
             </a:r>
           </a:p>
@@ -7898,14 +4650,7 @@
           <a:p>
             <a:r>
               <a:rPr lang="en-US" dirty="0"/>
-              <a:t>Have Scooter Juicers redistribute scooters in Promise Zones</a:t>
-            </a:r>
-          </a:p>
-          <a:p>
-            <a:pPr lvl="1"/>
-            <a:r>
-              <a:rPr lang="en-US" dirty="0"/>
-              <a:t>[Display Bar Chart of Count of Scooters per Company]</a:t>
+              <a:t>Have Scooter Juicers redistribute scooters in Promise Zone</a:t>
             </a:r>
           </a:p>
         </p:txBody>
@@ -8133,6 +4878,19 @@
               <a:t>deadzone</a:t>
             </a:r>
             <a:endParaRPr lang="en-US" dirty="0"/>
+          </a:p>
+          <a:p>
+            <a:r>
+              <a:rPr lang="en-US" dirty="0"/>
+              <a:t>[Heat Map of Stationary Data]</a:t>
+            </a:r>
+          </a:p>
+          <a:p>
+            <a:pPr lvl="1"/>
+            <a:r>
+              <a:rPr lang="en-US" dirty="0"/>
+              <a:t>Rush Hour Data</a:t>
+            </a:r>
           </a:p>
         </p:txBody>
       </p:sp>
@@ -8708,15 +5466,6 @@
 </file>
 
 <file path=customXml/item2.xml><?xml version="1.0" encoding="utf-8"?>
-<p:properties xmlns:p="http://schemas.microsoft.com/office/2006/metadata/properties" xmlns:xsi="http://www.w3.org/2001/XMLSchema-instance" xmlns:pc="http://schemas.microsoft.com/office/infopath/2007/PartnerControls">
-  <documentManagement>
-    <Status xmlns="71af3243-3dd4-4a8d-8c0d-dd76da1f02a5">Not started</Status>
-    <MediaServiceKeyPoints xmlns="71af3243-3dd4-4a8d-8c0d-dd76da1f02a5" xsi:nil="true"/>
-  </documentManagement>
-</p:properties>
-</file>
-
-<file path=customXml/item3.xml><?xml version="1.0" encoding="utf-8"?>
 <ct:contentTypeSchema xmlns:ct="http://schemas.microsoft.com/office/2006/metadata/contentType" xmlns:ma="http://schemas.microsoft.com/office/2006/metadata/properties/metaAttributes" ct:_="" ma:_="" ma:contentTypeName="Document" ma:contentTypeID="0x01010079F111ED35F8CC479449609E8A0923A6" ma:contentTypeVersion="12" ma:contentTypeDescription="Create a new document." ma:contentTypeScope="" ma:versionID="a410dd7f93c95333ffa1b60ed6adedd1">
   <xsd:schema xmlns:xsd="http://www.w3.org/2001/XMLSchema" xmlns:xs="http://www.w3.org/2001/XMLSchema" xmlns:p="http://schemas.microsoft.com/office/2006/metadata/properties" xmlns:ns2="71af3243-3dd4-4a8d-8c0d-dd76da1f02a5" xmlns:ns3="16c05727-aa75-4e4a-9b5f-8a80a1165891" targetNamespace="http://schemas.microsoft.com/office/2006/metadata/properties" ma:root="true" ma:fieldsID="a936d9baba76aa3866493feff160faab" ns2:_="" ns3:_="">
     <xsd:import namespace="71af3243-3dd4-4a8d-8c0d-dd76da1f02a5"/>
@@ -8937,6 +5686,15 @@
 </ct:contentTypeSchema>
 </file>
 
+<file path=customXml/item3.xml><?xml version="1.0" encoding="utf-8"?>
+<p:properties xmlns:p="http://schemas.microsoft.com/office/2006/metadata/properties" xmlns:xsi="http://www.w3.org/2001/XMLSchema-instance" xmlns:pc="http://schemas.microsoft.com/office/infopath/2007/PartnerControls">
+  <documentManagement>
+    <Status xmlns="71af3243-3dd4-4a8d-8c0d-dd76da1f02a5">Not started</Status>
+    <MediaServiceKeyPoints xmlns="71af3243-3dd4-4a8d-8c0d-dd76da1f02a5" xsi:nil="true"/>
+  </documentManagement>
+</p:properties>
+</file>
+
 <file path=customXml/itemProps1.xml><?xml version="1.0" encoding="utf-8"?>
 <ds:datastoreItem xmlns:ds="http://schemas.openxmlformats.org/officeDocument/2006/customXml" ds:itemID="{CDB58277-F8DF-46FF-84EC-EF41B835E69F}">
   <ds:schemaRefs>
@@ -8946,16 +5704,6 @@
 </file>
 
 <file path=customXml/itemProps2.xml><?xml version="1.0" encoding="utf-8"?>
-<ds:datastoreItem xmlns:ds="http://schemas.openxmlformats.org/officeDocument/2006/customXml" ds:itemID="{137651BA-F45C-4845-9AB3-E0A65B39F5E1}">
-  <ds:schemaRefs>
-    <ds:schemaRef ds:uri="http://schemas.microsoft.com/office/2006/metadata/properties"/>
-    <ds:schemaRef ds:uri="http://schemas.microsoft.com/office/infopath/2007/PartnerControls"/>
-    <ds:schemaRef ds:uri="71af3243-3dd4-4a8d-8c0d-dd76da1f02a5"/>
-  </ds:schemaRefs>
-</ds:datastoreItem>
-</file>
-
-<file path=customXml/itemProps3.xml><?xml version="1.0" encoding="utf-8"?>
 <ds:datastoreItem xmlns:ds="http://schemas.openxmlformats.org/officeDocument/2006/customXml" ds:itemID="{2D276E62-80A3-44DD-9BCC-97ED2B99B57F}">
   <ds:schemaRefs>
     <ds:schemaRef ds:uri="http://schemas.microsoft.com/office/2006/metadata/contentType"/>
@@ -8972,4 +5720,14 @@
     <ds:schemaRef ds:uri="http://schemas.microsoft.com/internal/obd"/>
   </ds:schemaRefs>
 </ds:datastoreItem>
+</file>
+
+<file path=customXml/itemProps3.xml><?xml version="1.0" encoding="utf-8"?>
+<ds:datastoreItem xmlns:ds="http://schemas.openxmlformats.org/officeDocument/2006/customXml" ds:itemID="{137651BA-F45C-4845-9AB3-E0A65B39F5E1}">
+  <ds:schemaRefs>
+    <ds:schemaRef ds:uri="http://schemas.microsoft.com/office/2006/metadata/properties"/>
+    <ds:schemaRef ds:uri="http://schemas.microsoft.com/office/infopath/2007/PartnerControls"/>
+    <ds:schemaRef ds:uri="71af3243-3dd4-4a8d-8c0d-dd76da1f02a5"/>
+  </ds:schemaRefs>
+</ds:datastoreItem>
 </file>